--- a/HoHoNet/관련 자료/HoHoNet 논문 해석.pptx
+++ b/HoHoNet/관련 자료/HoHoNet 논문 해석.pptx
@@ -22,10 +22,11 @@
     <p:sldId id="281" r:id="rId16"/>
     <p:sldId id="265" r:id="rId17"/>
     <p:sldId id="266" r:id="rId18"/>
-    <p:sldId id="267" r:id="rId19"/>
-    <p:sldId id="268" r:id="rId20"/>
-    <p:sldId id="269" r:id="rId21"/>
-    <p:sldId id="270" r:id="rId22"/>
+    <p:sldId id="282" r:id="rId19"/>
+    <p:sldId id="267" r:id="rId20"/>
+    <p:sldId id="268" r:id="rId21"/>
+    <p:sldId id="269" r:id="rId22"/>
+    <p:sldId id="270" r:id="rId23"/>
   </p:sldIdLst>
   <p:sldSz cx="12192000" cy="6858000"/>
   <p:notesSz cx="6858000" cy="9144000"/>
@@ -134,7 +135,7 @@
 
 <file path=ppt/commentAuthors.xml><?xml version="1.0" encoding="utf-8"?>
 <p:cmAuthorLst xmlns:a="http://schemas.openxmlformats.org/drawingml/2006/main" xmlns:r="http://schemas.openxmlformats.org/officeDocument/2006/relationships" xmlns:p="http://schemas.openxmlformats.org/presentationml/2006/main">
-  <p:cmAuthor id="1" name="길 다영" initials="길다" lastIdx="21" clrIdx="0">
+  <p:cmAuthor id="1" name="길 다영" initials="길다" lastIdx="22" clrIdx="0">
     <p:extLst>
       <p:ext uri="{19B8F6BF-5375-455C-9EA6-DF929625EA0E}">
         <p15:presenceInfo xmlns:p15="http://schemas.microsoft.com/office/powerpoint/2012/main" userId="11d3a75bfe554e41" providerId="Windows Live"/>
@@ -248,6 +249,20 @@
   <p:cm authorId="1" dt="2021-09-13T15:51:07.326" idx="21">
     <p:pos x="1855" y="117"/>
     <p:text>HorizonNet 과 1D 기능에 대해 비슷함. 그러나 하.. 확실히 무슨차이인지는 모르겠음 ㅠㅠ</p:text>
+    <p:extLst>
+      <p:ext uri="{C676402C-5697-4E1C-873F-D02D1690AC5C}">
+        <p15:threadingInfo xmlns:p15="http://schemas.microsoft.com/office/powerpoint/2012/main" timeZoneBias="-540"/>
+      </p:ext>
+    </p:extLst>
+  </p:cm>
+</p:cmLst>
+</file>
+
+<file path=ppt/comments/comment7.xml><?xml version="1.0" encoding="utf-8"?>
+<p:cmLst xmlns:a="http://schemas.openxmlformats.org/drawingml/2006/main" xmlns:r="http://schemas.openxmlformats.org/officeDocument/2006/relationships" xmlns:p="http://schemas.openxmlformats.org/presentationml/2006/main">
+  <p:cm authorId="1" dt="2021-09-17T13:57:38.482" idx="22">
+    <p:pos x="3054" y="652"/>
+    <p:text>잘 정렬된 이미지가 잘 작동함. 우리 데이터(layoutnet dataset)는 이미 잘 정렬되어 있다.</p:text>
     <p:extLst>
       <p:ext uri="{C676402C-5697-4E1C-873F-D02D1690AC5C}">
         <p15:threadingInfo xmlns:p15="http://schemas.microsoft.com/office/powerpoint/2012/main" timeZoneBias="-540"/>
@@ -13221,8 +13236,8 @@
             </p:nvSpPr>
             <p:spPr>
               <a:xfrm>
-                <a:off x="3643423" y="849104"/>
-                <a:ext cx="8422228" cy="5837495"/>
+                <a:off x="3643423" y="599961"/>
+                <a:ext cx="8422228" cy="5936305"/>
               </a:xfrm>
               <a:prstGeom prst="rect">
                 <a:avLst/>
@@ -13241,7 +13256,7 @@
                   </a:lnSpc>
                 </a:pPr>
                 <a:r>
-                  <a:rPr lang="ko-KR" altLang="en-US" sz="1000" b="0" i="0" dirty="0">
+                  <a:rPr lang="ko-KR" altLang="en-US" sz="1100" b="0" i="0" dirty="0">
                     <a:solidFill>
                       <a:srgbClr val="000000"/>
                     </a:solidFill>
@@ -13252,7 +13267,7 @@
                   <a:t>제안된 프레임워크의 개요는 그림 </a:t>
                 </a:r>
                 <a:r>
-                  <a:rPr lang="en-US" altLang="ko-KR" sz="1000" b="0" i="0" dirty="0">
+                  <a:rPr lang="en-US" altLang="ko-KR" sz="1100" b="0" i="0" dirty="0">
                     <a:solidFill>
                       <a:srgbClr val="000000"/>
                     </a:solidFill>
@@ -13263,7 +13278,7 @@
                   <a:t>3</a:t>
                 </a:r>
                 <a:r>
-                  <a:rPr lang="ko-KR" altLang="en-US" sz="1000" b="0" i="0" dirty="0">
+                  <a:rPr lang="ko-KR" altLang="en-US" sz="1100" b="0" i="0" dirty="0">
                     <a:solidFill>
                       <a:srgbClr val="000000"/>
                     </a:solidFill>
@@ -13274,7 +13289,7 @@
                   <a:t>에 설명되어 있다</a:t>
                 </a:r>
                 <a:r>
-                  <a:rPr lang="en-US" altLang="ko-KR" sz="1000" b="0" i="0" dirty="0">
+                  <a:rPr lang="en-US" altLang="ko-KR" sz="1100" b="0" i="0" dirty="0">
                     <a:solidFill>
                       <a:srgbClr val="000000"/>
                     </a:solidFill>
@@ -13285,7 +13300,7 @@
                   <a:t>. </a:t>
                 </a:r>
                 <a:r>
-                  <a:rPr lang="ko-KR" altLang="en-US" sz="1000" b="0" i="0" dirty="0">
+                  <a:rPr lang="ko-KR" altLang="en-US" sz="1100" b="0" i="0" dirty="0">
                     <a:solidFill>
                       <a:srgbClr val="000000"/>
                     </a:solidFill>
@@ -13296,7 +13311,7 @@
                   <a:t>아래에 자세한 내용을 설명한다</a:t>
                 </a:r>
                 <a:r>
-                  <a:rPr lang="en-US" altLang="ko-KR" sz="1000" b="0" i="0" dirty="0">
+                  <a:rPr lang="en-US" altLang="ko-KR" sz="1100" b="0" i="0" dirty="0">
                     <a:solidFill>
                       <a:srgbClr val="000000"/>
                     </a:solidFill>
@@ -13307,19 +13322,19 @@
                   <a:t>.</a:t>
                 </a:r>
                 <a:br>
-                  <a:rPr lang="ko-KR" altLang="en-US" sz="1000" dirty="0">
+                  <a:rPr lang="ko-KR" altLang="en-US" sz="1100" dirty="0">
                     <a:latin typeface="문화재돌봄체 Regular" panose="020B0000000000000000" pitchFamily="50" charset="-127"/>
                     <a:ea typeface="문화재돌봄체 Regular" panose="020B0000000000000000" pitchFamily="50" charset="-127"/>
                   </a:rPr>
                 </a:br>
                 <a:br>
-                  <a:rPr lang="ko-KR" altLang="en-US" sz="1000" dirty="0">
+                  <a:rPr lang="ko-KR" altLang="en-US" sz="1100" dirty="0">
                     <a:latin typeface="문화재돌봄체 Regular" panose="020B0000000000000000" pitchFamily="50" charset="-127"/>
                     <a:ea typeface="문화재돌봄체 Regular" panose="020B0000000000000000" pitchFamily="50" charset="-127"/>
                   </a:rPr>
                 </a:br>
                 <a:r>
-                  <a:rPr lang="en-US" altLang="ko-KR" sz="1000" b="0" i="0" dirty="0">
+                  <a:rPr lang="en-US" altLang="ko-KR" sz="1100" b="0" i="0" dirty="0">
                     <a:solidFill>
                       <a:srgbClr val="000000"/>
                     </a:solidFill>
@@ -13330,7 +13345,7 @@
                   <a:t>360 </a:t>
                 </a:r>
                 <a:r>
-                  <a:rPr lang="ko-KR" altLang="en-US" sz="1000" b="0" i="0" dirty="0">
+                  <a:rPr lang="ko-KR" altLang="en-US" sz="1100" b="0" i="0" dirty="0">
                     <a:solidFill>
                       <a:srgbClr val="000000"/>
                     </a:solidFill>
@@ -13341,7 +13356,7 @@
                   <a:t>이미지를 입력</a:t>
                 </a:r>
                 <a:r>
-                  <a:rPr lang="en-US" altLang="ko-KR" sz="1000" b="0" i="0" dirty="0">
+                  <a:rPr lang="en-US" altLang="ko-KR" sz="1100" b="0" i="0" dirty="0">
                     <a:solidFill>
                       <a:srgbClr val="000000"/>
                     </a:solidFill>
@@ -13352,13 +13367,533 @@
                   <a:t>.</a:t>
                 </a:r>
                 <a:br>
-                  <a:rPr lang="ko-KR" altLang="en-US" sz="1000" dirty="0">
+                  <a:rPr lang="ko-KR" altLang="en-US" sz="1100" dirty="0">
                     <a:latin typeface="문화재돌봄체 Regular" panose="020B0000000000000000" pitchFamily="50" charset="-127"/>
                     <a:ea typeface="문화재돌봄체 Regular" panose="020B0000000000000000" pitchFamily="50" charset="-127"/>
                   </a:rPr>
                 </a:br>
                 <a:r>
-                  <a:rPr lang="en-US" altLang="ko-KR" sz="1000" b="0" i="0" dirty="0">
+                  <a:rPr lang="en-US" altLang="ko-KR" sz="1100" b="0" i="0" dirty="0">
+                    <a:solidFill>
+                      <a:srgbClr val="000000"/>
+                    </a:solidFill>
+                    <a:effectLst>
+                      <a:outerShdw blurRad="50800" dist="38100" dir="2700000" algn="tl" rotWithShape="0">
+                        <a:srgbClr val="60A89F"/>
+                      </a:outerShdw>
+                    </a:effectLst>
+                    <a:latin typeface="문화재돌봄체 Regular" panose="020B0000000000000000" pitchFamily="50" charset="-127"/>
+                    <a:ea typeface="문화재돌봄체 Regular" panose="020B0000000000000000" pitchFamily="50" charset="-127"/>
+                  </a:rPr>
+                  <a:t>360° </a:t>
+                </a:r>
+                <a:r>
+                  <a:rPr lang="ko-KR" altLang="en-US" sz="1100" b="0" i="0" dirty="0">
+                    <a:solidFill>
+                      <a:srgbClr val="000000"/>
+                    </a:solidFill>
+                    <a:effectLst>
+                      <a:outerShdw blurRad="50800" dist="38100" dir="2700000" algn="tl" rotWithShape="0">
+                        <a:srgbClr val="60A89F"/>
+                      </a:outerShdw>
+                    </a:effectLst>
+                    <a:latin typeface="문화재돌봄체 Regular" panose="020B0000000000000000" pitchFamily="50" charset="-127"/>
+                    <a:ea typeface="문화재돌봄체 Regular" panose="020B0000000000000000" pitchFamily="50" charset="-127"/>
+                  </a:rPr>
+                  <a:t>영상에 표준 등각 투영</a:t>
+                </a:r>
+                <a:r>
+                  <a:rPr lang="en-US" altLang="ko-KR" sz="1100" b="0" i="0" dirty="0">
+                    <a:solidFill>
+                      <a:srgbClr val="000000"/>
+                    </a:solidFill>
+                    <a:effectLst>
+                      <a:outerShdw blurRad="50800" dist="38100" dir="2700000" algn="tl" rotWithShape="0">
+                        <a:srgbClr val="60A89F"/>
+                      </a:outerShdw>
+                    </a:effectLst>
+                    <a:latin typeface="문화재돌봄체 Regular" panose="020B0000000000000000" pitchFamily="50" charset="-127"/>
+                    <a:ea typeface="문화재돌봄체 Regular" panose="020B0000000000000000" pitchFamily="50" charset="-127"/>
+                  </a:rPr>
+                  <a:t>(ERP)</a:t>
+                </a:r>
+                <a:r>
+                  <a:rPr lang="ko-KR" altLang="en-US" sz="1100" b="0" i="0" dirty="0">
+                    <a:solidFill>
+                      <a:srgbClr val="000000"/>
+                    </a:solidFill>
+                    <a:effectLst>
+                      <a:outerShdw blurRad="50800" dist="38100" dir="2700000" algn="tl" rotWithShape="0">
+                        <a:srgbClr val="60A89F"/>
+                      </a:outerShdw>
+                    </a:effectLst>
+                    <a:latin typeface="문화재돌봄체 Regular" panose="020B0000000000000000" pitchFamily="50" charset="-127"/>
+                    <a:ea typeface="문화재돌봄체 Regular" panose="020B0000000000000000" pitchFamily="50" charset="-127"/>
+                  </a:rPr>
+                  <a:t>을 사용한다</a:t>
+                </a:r>
+                <a:r>
+                  <a:rPr lang="en-US" altLang="ko-KR" sz="1100" b="0" i="0" dirty="0">
+                    <a:solidFill>
+                      <a:srgbClr val="000000"/>
+                    </a:solidFill>
+                    <a:effectLst>
+                      <a:outerShdw blurRad="50800" dist="38100" dir="2700000" algn="tl" rotWithShape="0">
+                        <a:srgbClr val="60A89F"/>
+                      </a:outerShdw>
+                    </a:effectLst>
+                    <a:latin typeface="문화재돌봄체 Regular" panose="020B0000000000000000" pitchFamily="50" charset="-127"/>
+                    <a:ea typeface="문화재돌봄체 Regular" panose="020B0000000000000000" pitchFamily="50" charset="-127"/>
+                  </a:rPr>
+                  <a:t>.</a:t>
+                </a:r>
+                <a:r>
+                  <a:rPr lang="ko-KR" altLang="en-US" sz="1100" dirty="0">
+                    <a:effectLst>
+                      <a:outerShdw blurRad="50800" dist="38100" dir="2700000" algn="tl" rotWithShape="0">
+                        <a:srgbClr val="60A89F"/>
+                      </a:outerShdw>
+                    </a:effectLst>
+                    <a:latin typeface="문화재돌봄체 Regular" panose="020B0000000000000000" pitchFamily="50" charset="-127"/>
+                    <a:ea typeface="문화재돌봄체 Regular" panose="020B0000000000000000" pitchFamily="50" charset="-127"/>
+                  </a:rPr>
+                  <a:t> </a:t>
+                </a:r>
+                <a:r>
+                  <a:rPr lang="ko-KR" altLang="en-US" sz="1100" b="0" i="0" dirty="0">
+                    <a:solidFill>
+                      <a:srgbClr val="000000"/>
+                    </a:solidFill>
+                    <a:effectLst>
+                      <a:outerShdw blurRad="50800" dist="38100" dir="2700000" algn="tl" rotWithShape="0">
+                        <a:srgbClr val="60A89F"/>
+                      </a:outerShdw>
+                    </a:effectLst>
+                    <a:latin typeface="문화재돌봄체 Regular" panose="020B0000000000000000" pitchFamily="50" charset="-127"/>
+                    <a:ea typeface="문화재돌봄체 Regular" panose="020B0000000000000000" pitchFamily="50" charset="-127"/>
+                  </a:rPr>
+                  <a:t>입력 </a:t>
+                </a:r>
+                <a:r>
+                  <a:rPr lang="en-US" altLang="ko-KR" sz="1100" b="0" i="0" dirty="0">
+                    <a:solidFill>
+                      <a:srgbClr val="000000"/>
+                    </a:solidFill>
+                    <a:effectLst>
+                      <a:outerShdw blurRad="50800" dist="38100" dir="2700000" algn="tl" rotWithShape="0">
+                        <a:srgbClr val="60A89F"/>
+                      </a:outerShdw>
+                    </a:effectLst>
+                    <a:latin typeface="문화재돌봄체 Regular" panose="020B0000000000000000" pitchFamily="50" charset="-127"/>
+                    <a:ea typeface="문화재돌봄체 Regular" panose="020B0000000000000000" pitchFamily="50" charset="-127"/>
+                  </a:rPr>
+                  <a:t>ERP </a:t>
+                </a:r>
+                <a:r>
+                  <a:rPr lang="ko-KR" altLang="en-US" sz="1100" b="0" i="0" dirty="0">
+                    <a:solidFill>
+                      <a:srgbClr val="000000"/>
+                    </a:solidFill>
+                    <a:effectLst>
+                      <a:outerShdw blurRad="50800" dist="38100" dir="2700000" algn="tl" rotWithShape="0">
+                        <a:srgbClr val="60A89F"/>
+                      </a:outerShdw>
+                    </a:effectLst>
+                    <a:latin typeface="문화재돌봄체 Regular" panose="020B0000000000000000" pitchFamily="50" charset="-127"/>
+                    <a:ea typeface="문화재돌봄체 Regular" panose="020B0000000000000000" pitchFamily="50" charset="-127"/>
+                  </a:rPr>
+                  <a:t>이미지의 해상도</a:t>
+                </a:r>
+                <a:r>
+                  <a:rPr lang="en-US" altLang="ko-KR" sz="1100" b="0" i="0" dirty="0">
+                    <a:solidFill>
+                      <a:srgbClr val="000000"/>
+                    </a:solidFill>
+                    <a:effectLst>
+                      <a:outerShdw blurRad="50800" dist="38100" dir="2700000" algn="tl" rotWithShape="0">
+                        <a:srgbClr val="60A89F"/>
+                      </a:outerShdw>
+                    </a:effectLst>
+                    <a:latin typeface="문화재돌봄체 Regular" panose="020B0000000000000000" pitchFamily="50" charset="-127"/>
+                    <a:ea typeface="문화재돌봄체 Regular" panose="020B0000000000000000" pitchFamily="50" charset="-127"/>
+                  </a:rPr>
+                  <a:t>,  </a:t>
+                </a:r>
+                <a14:m>
+                  <m:oMath xmlns:m="http://schemas.openxmlformats.org/officeDocument/2006/math">
+                    <m:sSub>
+                      <m:sSubPr>
+                        <m:ctrlPr>
+                          <a:rPr lang="en-US" altLang="ko-KR" sz="1100" b="0" i="1" dirty="0" smtClean="0">
+                            <a:solidFill>
+                              <a:srgbClr val="000000"/>
+                            </a:solidFill>
+                            <a:effectLst>
+                              <a:outerShdw blurRad="50800" dist="38100" dir="2700000" algn="tl" rotWithShape="0">
+                                <a:srgbClr val="60A89F"/>
+                              </a:outerShdw>
+                            </a:effectLst>
+                            <a:latin typeface="Cambria Math" panose="02040503050406030204" pitchFamily="18" charset="0"/>
+                            <a:ea typeface="문화재돌봄체 Regular" panose="020B0000000000000000" pitchFamily="50" charset="-127"/>
+                          </a:rPr>
+                        </m:ctrlPr>
+                      </m:sSubPr>
+                      <m:e>
+                        <m:r>
+                          <a:rPr lang="en-US" altLang="ko-KR" sz="1100" b="0" i="1" dirty="0" smtClean="0">
+                            <a:solidFill>
+                              <a:srgbClr val="000000"/>
+                            </a:solidFill>
+                            <a:effectLst>
+                              <a:outerShdw blurRad="50800" dist="38100" dir="2700000" algn="tl" rotWithShape="0">
+                                <a:srgbClr val="60A89F"/>
+                              </a:outerShdw>
+                            </a:effectLst>
+                            <a:latin typeface="Cambria Math" panose="02040503050406030204" pitchFamily="18" charset="0"/>
+                            <a:ea typeface="문화재돌봄체 Regular" panose="020B0000000000000000" pitchFamily="50" charset="-127"/>
+                          </a:rPr>
+                          <m:t>𝐻</m:t>
+                        </m:r>
+                      </m:e>
+                      <m:sub>
+                        <m:r>
+                          <a:rPr lang="en-US" altLang="ko-KR" sz="1100" b="0" i="1" dirty="0" smtClean="0">
+                            <a:solidFill>
+                              <a:srgbClr val="000000"/>
+                            </a:solidFill>
+                            <a:effectLst>
+                              <a:outerShdw blurRad="50800" dist="38100" dir="2700000" algn="tl" rotWithShape="0">
+                                <a:srgbClr val="60A89F"/>
+                              </a:outerShdw>
+                            </a:effectLst>
+                            <a:latin typeface="Cambria Math" panose="02040503050406030204" pitchFamily="18" charset="0"/>
+                            <a:ea typeface="문화재돌봄체 Regular" panose="020B0000000000000000" pitchFamily="50" charset="-127"/>
+                          </a:rPr>
+                          <m:t>𝑖𝑛𝑝</m:t>
+                        </m:r>
+                      </m:sub>
+                    </m:sSub>
+                    <m:r>
+                      <a:rPr lang="en-US" altLang="ko-KR" sz="1100" b="0" i="1" dirty="0">
+                        <a:solidFill>
+                          <a:srgbClr val="000000"/>
+                        </a:solidFill>
+                        <a:effectLst>
+                          <a:outerShdw blurRad="50800" dist="38100" dir="2700000" algn="tl" rotWithShape="0">
+                            <a:srgbClr val="60A89F"/>
+                          </a:outerShdw>
+                        </a:effectLst>
+                        <a:latin typeface="Cambria Math" panose="02040503050406030204" pitchFamily="18" charset="0"/>
+                        <a:ea typeface="문화재돌봄체 Regular" panose="020B0000000000000000" pitchFamily="50" charset="-127"/>
+                      </a:rPr>
+                      <m:t>. × </m:t>
+                    </m:r>
+                    <m:sSub>
+                      <m:sSubPr>
+                        <m:ctrlPr>
+                          <a:rPr lang="en-US" altLang="ko-KR" sz="1100" b="0" i="1" dirty="0" smtClean="0">
+                            <a:solidFill>
+                              <a:srgbClr val="000000"/>
+                            </a:solidFill>
+                            <a:effectLst>
+                              <a:outerShdw blurRad="50800" dist="38100" dir="2700000" algn="tl" rotWithShape="0">
+                                <a:srgbClr val="60A89F"/>
+                              </a:outerShdw>
+                            </a:effectLst>
+                            <a:latin typeface="Cambria Math" panose="02040503050406030204" pitchFamily="18" charset="0"/>
+                            <a:ea typeface="문화재돌봄체 Regular" panose="020B0000000000000000" pitchFamily="50" charset="-127"/>
+                          </a:rPr>
+                        </m:ctrlPr>
+                      </m:sSubPr>
+                      <m:e>
+                        <m:r>
+                          <a:rPr lang="en-US" altLang="ko-KR" sz="1100" b="0" i="1" dirty="0" smtClean="0">
+                            <a:solidFill>
+                              <a:srgbClr val="000000"/>
+                            </a:solidFill>
+                            <a:effectLst>
+                              <a:outerShdw blurRad="50800" dist="38100" dir="2700000" algn="tl" rotWithShape="0">
+                                <a:srgbClr val="60A89F"/>
+                              </a:outerShdw>
+                            </a:effectLst>
+                            <a:latin typeface="Cambria Math" panose="02040503050406030204" pitchFamily="18" charset="0"/>
+                            <a:ea typeface="문화재돌봄체 Regular" panose="020B0000000000000000" pitchFamily="50" charset="-127"/>
+                          </a:rPr>
+                          <m:t>𝑊</m:t>
+                        </m:r>
+                      </m:e>
+                      <m:sub>
+                        <m:r>
+                          <a:rPr lang="en-US" altLang="ko-KR" sz="1100" b="0" i="1" dirty="0" smtClean="0">
+                            <a:solidFill>
+                              <a:srgbClr val="000000"/>
+                            </a:solidFill>
+                            <a:effectLst>
+                              <a:outerShdw blurRad="50800" dist="38100" dir="2700000" algn="tl" rotWithShape="0">
+                                <a:srgbClr val="60A89F"/>
+                              </a:outerShdw>
+                            </a:effectLst>
+                            <a:latin typeface="Cambria Math" panose="02040503050406030204" pitchFamily="18" charset="0"/>
+                            <a:ea typeface="문화재돌봄체 Regular" panose="020B0000000000000000" pitchFamily="50" charset="-127"/>
+                          </a:rPr>
+                          <m:t>𝑖𝑛𝑝</m:t>
+                        </m:r>
+                      </m:sub>
+                    </m:sSub>
+                    <m:r>
+                      <a:rPr lang="en-US" altLang="ko-KR" sz="1100" b="0" i="1" dirty="0">
+                        <a:solidFill>
+                          <a:srgbClr val="000000"/>
+                        </a:solidFill>
+                        <a:effectLst>
+                          <a:outerShdw blurRad="50800" dist="38100" dir="2700000" algn="tl" rotWithShape="0">
+                            <a:srgbClr val="60A89F"/>
+                          </a:outerShdw>
+                        </a:effectLst>
+                        <a:latin typeface="Cambria Math" panose="02040503050406030204" pitchFamily="18" charset="0"/>
+                        <a:ea typeface="문화재돌봄체 Regular" panose="020B0000000000000000" pitchFamily="50" charset="-127"/>
+                      </a:rPr>
+                      <m:t>.</m:t>
+                    </m:r>
+                  </m:oMath>
+                </a14:m>
+                <a:r>
+                  <a:rPr lang="ko-KR" altLang="en-US" sz="1100" b="0" i="0" dirty="0">
+                    <a:solidFill>
+                      <a:srgbClr val="000000"/>
+                    </a:solidFill>
+                    <a:effectLst>
+                      <a:outerShdw blurRad="50800" dist="38100" dir="2700000" algn="tl" rotWithShape="0">
+                        <a:srgbClr val="60A89F"/>
+                      </a:outerShdw>
+                    </a:effectLst>
+                    <a:latin typeface="문화재돌봄체 Regular" panose="020B0000000000000000" pitchFamily="50" charset="-127"/>
+                    <a:ea typeface="문화재돌봄체 Regular" panose="020B0000000000000000" pitchFamily="50" charset="-127"/>
+                  </a:rPr>
+                  <a:t>는 </a:t>
+                </a:r>
+                <a:r>
+                  <a:rPr lang="ko-KR" altLang="en-US" sz="1100" b="0" i="0" dirty="0" err="1">
+                    <a:solidFill>
+                      <a:srgbClr val="000000"/>
+                    </a:solidFill>
+                    <a:effectLst>
+                      <a:outerShdw blurRad="50800" dist="38100" dir="2700000" algn="tl" rotWithShape="0">
+                        <a:srgbClr val="60A89F"/>
+                      </a:outerShdw>
+                    </a:effectLst>
+                    <a:latin typeface="문화재돌봄체 Regular" panose="020B0000000000000000" pitchFamily="50" charset="-127"/>
+                    <a:ea typeface="문화재돌봄체 Regular" panose="020B0000000000000000" pitchFamily="50" charset="-127"/>
+                  </a:rPr>
+                  <a:t>하이퍼</a:t>
+                </a:r>
+                <a:r>
+                  <a:rPr lang="ko-KR" altLang="en-US" sz="1100" b="0" i="0" dirty="0">
+                    <a:solidFill>
+                      <a:srgbClr val="000000"/>
+                    </a:solidFill>
+                    <a:effectLst>
+                      <a:outerShdw blurRad="50800" dist="38100" dir="2700000" algn="tl" rotWithShape="0">
+                        <a:srgbClr val="60A89F"/>
+                      </a:outerShdw>
+                    </a:effectLst>
+                    <a:latin typeface="문화재돌봄체 Regular" panose="020B0000000000000000" pitchFamily="50" charset="-127"/>
+                    <a:ea typeface="문화재돌봄체 Regular" panose="020B0000000000000000" pitchFamily="50" charset="-127"/>
+                  </a:rPr>
+                  <a:t> 파라미터이며</a:t>
+                </a:r>
+                <a:r>
+                  <a:rPr lang="en-US" altLang="ko-KR" sz="1100" b="0" i="0" dirty="0">
+                    <a:solidFill>
+                      <a:srgbClr val="000000"/>
+                    </a:solidFill>
+                    <a:effectLst>
+                      <a:outerShdw blurRad="50800" dist="38100" dir="2700000" algn="tl" rotWithShape="0">
+                        <a:srgbClr val="60A89F"/>
+                      </a:outerShdw>
+                    </a:effectLst>
+                    <a:latin typeface="문화재돌봄체 Regular" panose="020B0000000000000000" pitchFamily="50" charset="-127"/>
+                    <a:ea typeface="문화재돌봄체 Regular" panose="020B0000000000000000" pitchFamily="50" charset="-127"/>
+                  </a:rPr>
+                  <a:t>, </a:t>
+                </a:r>
+                <a:r>
+                  <a:rPr lang="ko-KR" altLang="en-US" sz="1100" b="0" i="0" dirty="0">
+                    <a:solidFill>
+                      <a:srgbClr val="000000"/>
+                    </a:solidFill>
+                    <a:effectLst>
+                      <a:outerShdw blurRad="50800" dist="38100" dir="2700000" algn="tl" rotWithShape="0">
+                        <a:srgbClr val="60A89F"/>
+                      </a:outerShdw>
+                    </a:effectLst>
+                    <a:latin typeface="문화재돌봄체 Regular" panose="020B0000000000000000" pitchFamily="50" charset="-127"/>
+                    <a:ea typeface="문화재돌봄체 Regular" panose="020B0000000000000000" pitchFamily="50" charset="-127"/>
+                  </a:rPr>
+                  <a:t>각 벤치마크의 표준 관행에 따라 설정한다</a:t>
+                </a:r>
+                <a:r>
+                  <a:rPr lang="en-US" altLang="ko-KR" sz="1100" b="0" i="0" dirty="0">
+                    <a:solidFill>
+                      <a:srgbClr val="000000"/>
+                    </a:solidFill>
+                    <a:effectLst>
+                      <a:outerShdw blurRad="50800" dist="38100" dir="2700000" algn="tl" rotWithShape="0">
+                        <a:srgbClr val="60A89F"/>
+                      </a:outerShdw>
+                    </a:effectLst>
+                    <a:latin typeface="문화재돌봄체 Regular" panose="020B0000000000000000" pitchFamily="50" charset="-127"/>
+                    <a:ea typeface="문화재돌봄체 Regular" panose="020B0000000000000000" pitchFamily="50" charset="-127"/>
+                  </a:rPr>
+                  <a:t>.</a:t>
+                </a:r>
+                <a:r>
+                  <a:rPr lang="ko-KR" altLang="en-US" sz="1100" dirty="0">
+                    <a:effectLst>
+                      <a:outerShdw blurRad="50800" dist="38100" dir="2700000" algn="tl" rotWithShape="0">
+                        <a:srgbClr val="60A89F"/>
+                      </a:outerShdw>
+                    </a:effectLst>
+                    <a:latin typeface="문화재돌봄체 Regular" panose="020B0000000000000000" pitchFamily="50" charset="-127"/>
+                    <a:ea typeface="문화재돌봄체 Regular" panose="020B0000000000000000" pitchFamily="50" charset="-127"/>
+                  </a:rPr>
+                  <a:t> </a:t>
+                </a:r>
+                <a:r>
+                  <a:rPr lang="ko-KR" altLang="en-US" sz="1100" b="0" i="0" dirty="0">
+                    <a:solidFill>
+                      <a:srgbClr val="000000"/>
+                    </a:solidFill>
+                    <a:effectLst>
+                      <a:outerShdw blurRad="50800" dist="38100" dir="2700000" algn="tl" rotWithShape="0">
+                        <a:srgbClr val="60A89F"/>
+                      </a:outerShdw>
+                    </a:effectLst>
+                    <a:latin typeface="문화재돌봄체 Regular" panose="020B0000000000000000" pitchFamily="50" charset="-127"/>
+                    <a:ea typeface="문화재돌봄체 Regular" panose="020B0000000000000000" pitchFamily="50" charset="-127"/>
+                  </a:rPr>
+                  <a:t>그림 </a:t>
+                </a:r>
+                <a:r>
+                  <a:rPr lang="en-US" altLang="ko-KR" sz="1100" b="0" i="0" dirty="0">
+                    <a:solidFill>
+                      <a:srgbClr val="000000"/>
+                    </a:solidFill>
+                    <a:effectLst>
+                      <a:outerShdw blurRad="50800" dist="38100" dir="2700000" algn="tl" rotWithShape="0">
+                        <a:srgbClr val="60A89F"/>
+                      </a:outerShdw>
+                    </a:effectLst>
+                    <a:latin typeface="문화재돌봄체 Regular" panose="020B0000000000000000" pitchFamily="50" charset="-127"/>
+                    <a:ea typeface="문화재돌봄체 Regular" panose="020B0000000000000000" pitchFamily="50" charset="-127"/>
+                  </a:rPr>
+                  <a:t>2</a:t>
+                </a:r>
+                <a:r>
+                  <a:rPr lang="ko-KR" altLang="en-US" sz="1100" b="0" i="0" dirty="0">
+                    <a:solidFill>
+                      <a:srgbClr val="000000"/>
+                    </a:solidFill>
+                    <a:effectLst>
+                      <a:outerShdw blurRad="50800" dist="38100" dir="2700000" algn="tl" rotWithShape="0">
+                        <a:srgbClr val="60A89F"/>
+                      </a:outerShdw>
+                    </a:effectLst>
+                    <a:latin typeface="문화재돌봄체 Regular" panose="020B0000000000000000" pitchFamily="50" charset="-127"/>
+                    <a:ea typeface="문화재돌봄체 Regular" panose="020B0000000000000000" pitchFamily="50" charset="-127"/>
+                  </a:rPr>
+                  <a:t>에서 중력 방향이 이미지의 </a:t>
+                </a:r>
+                <a:r>
+                  <a:rPr lang="en-US" altLang="ko-KR" sz="1100" b="0" i="0" dirty="0">
+                    <a:solidFill>
+                      <a:srgbClr val="000000"/>
+                    </a:solidFill>
+                    <a:effectLst>
+                      <a:outerShdw blurRad="50800" dist="38100" dir="2700000" algn="tl" rotWithShape="0">
+                        <a:srgbClr val="60A89F"/>
+                      </a:outerShdw>
+                    </a:effectLst>
+                    <a:latin typeface="문화재돌봄체 Regular" panose="020B0000000000000000" pitchFamily="50" charset="-127"/>
+                    <a:ea typeface="문화재돌봄체 Regular" panose="020B0000000000000000" pitchFamily="50" charset="-127"/>
+                  </a:rPr>
+                  <a:t>y</a:t>
+                </a:r>
+                <a:r>
+                  <a:rPr lang="ko-KR" altLang="en-US" sz="1100" b="0" i="0" dirty="0">
+                    <a:solidFill>
+                      <a:srgbClr val="000000"/>
+                    </a:solidFill>
+                    <a:effectLst>
+                      <a:outerShdw blurRad="50800" dist="38100" dir="2700000" algn="tl" rotWithShape="0">
+                        <a:srgbClr val="60A89F"/>
+                      </a:outerShdw>
+                    </a:effectLst>
+                    <a:latin typeface="문화재돌봄체 Regular" panose="020B0000000000000000" pitchFamily="50" charset="-127"/>
+                    <a:ea typeface="문화재돌봄체 Regular" panose="020B0000000000000000" pitchFamily="50" charset="-127"/>
+                  </a:rPr>
+                  <a:t>축과 정렬된 경우 이미지 열의 구조 신호가 압축 후 더 잘 보존된다는 것을 보여주는데</a:t>
+                </a:r>
+                <a:r>
+                  <a:rPr lang="en-US" altLang="ko-KR" sz="1100" b="0" i="0" dirty="0">
+                    <a:solidFill>
+                      <a:srgbClr val="000000"/>
+                    </a:solidFill>
+                    <a:effectLst>
+                      <a:outerShdw blurRad="50800" dist="38100" dir="2700000" algn="tl" rotWithShape="0">
+                        <a:srgbClr val="60A89F"/>
+                      </a:outerShdw>
+                    </a:effectLst>
+                    <a:latin typeface="문화재돌봄체 Regular" panose="020B0000000000000000" pitchFamily="50" charset="-127"/>
+                    <a:ea typeface="문화재돌봄체 Regular" panose="020B0000000000000000" pitchFamily="50" charset="-127"/>
+                  </a:rPr>
+                  <a:t>, </a:t>
+                </a:r>
+                <a:r>
+                  <a:rPr lang="ko-KR" altLang="en-US" sz="1100" b="0" i="0" dirty="0">
+                    <a:solidFill>
+                      <a:srgbClr val="000000"/>
+                    </a:solidFill>
+                    <a:effectLst>
+                      <a:outerShdw blurRad="50800" dist="38100" dir="2700000" algn="tl" rotWithShape="0">
+                        <a:srgbClr val="60A89F"/>
+                      </a:outerShdw>
+                    </a:effectLst>
+                    <a:latin typeface="문화재돌봄체 Regular" panose="020B0000000000000000" pitchFamily="50" charset="-127"/>
+                    <a:ea typeface="문화재돌봄체 Regular" panose="020B0000000000000000" pitchFamily="50" charset="-127"/>
+                  </a:rPr>
+                  <a:t>이는 열을 잠재 벡터로 인코딩하는 데에도 바람직한 특성이다</a:t>
+                </a:r>
+                <a:r>
+                  <a:rPr lang="en-US" altLang="ko-KR" sz="1100" b="0" i="0" dirty="0">
+                    <a:solidFill>
+                      <a:srgbClr val="000000"/>
+                    </a:solidFill>
+                    <a:effectLst>
+                      <a:outerShdw blurRad="50800" dist="38100" dir="2700000" algn="tl" rotWithShape="0">
+                        <a:srgbClr val="60A89F"/>
+                      </a:outerShdw>
+                    </a:effectLst>
+                    <a:latin typeface="문화재돌봄체 Regular" panose="020B0000000000000000" pitchFamily="50" charset="-127"/>
+                    <a:ea typeface="문화재돌봄체 Regular" panose="020B0000000000000000" pitchFamily="50" charset="-127"/>
+                  </a:rPr>
+                  <a:t>.</a:t>
+                </a:r>
+              </a:p>
+              <a:p>
+                <a:pPr>
+                  <a:lnSpc>
+                    <a:spcPct val="150000"/>
+                  </a:lnSpc>
+                </a:pPr>
+                <a:br>
+                  <a:rPr lang="ko-KR" altLang="en-US" sz="1100" dirty="0">
+                    <a:latin typeface="문화재돌봄체 Regular" panose="020B0000000000000000" pitchFamily="50" charset="-127"/>
+                    <a:ea typeface="문화재돌봄체 Regular" panose="020B0000000000000000" pitchFamily="50" charset="-127"/>
+                  </a:rPr>
+                </a:br>
+                <a:r>
+                  <a:rPr lang="ko-KR" altLang="en-US" sz="1100" b="0" i="0" dirty="0">
                     <a:solidFill>
                       <a:srgbClr val="000000"/>
                     </a:solidFill>
@@ -13366,10 +13901,10 @@
                     <a:latin typeface="문화재돌봄체 Regular" panose="020B0000000000000000" pitchFamily="50" charset="-127"/>
                     <a:ea typeface="문화재돌봄체 Regular" panose="020B0000000000000000" pitchFamily="50" charset="-127"/>
                   </a:rPr>
-                  <a:t>360° </a:t>
+                  <a:t>본 연구에서는 벤치마크에서 제공하는 </a:t>
                 </a:r>
                 <a:r>
-                  <a:rPr lang="ko-KR" altLang="en-US" sz="1000" b="0" i="0" dirty="0">
+                  <a:rPr lang="en-US" altLang="ko-KR" sz="1100" b="0" i="0" dirty="0">
                     <a:solidFill>
                       <a:srgbClr val="000000"/>
                     </a:solidFill>
@@ -13377,10 +13912,10 @@
                     <a:latin typeface="문화재돌봄체 Regular" panose="020B0000000000000000" pitchFamily="50" charset="-127"/>
                     <a:ea typeface="문화재돌봄체 Regular" panose="020B0000000000000000" pitchFamily="50" charset="-127"/>
                   </a:rPr>
-                  <a:t>영상에 표준 등각 투영</a:t>
+                  <a:t>360</a:t>
                 </a:r>
                 <a:r>
-                  <a:rPr lang="en-US" altLang="ko-KR" sz="1000" b="0" i="0" dirty="0">
+                  <a:rPr lang="ko-KR" altLang="en-US" sz="1100" b="0" i="0" dirty="0">
                     <a:solidFill>
                       <a:srgbClr val="000000"/>
                     </a:solidFill>
@@ -13388,21 +13923,10 @@
                     <a:latin typeface="문화재돌봄체 Regular" panose="020B0000000000000000" pitchFamily="50" charset="-127"/>
                     <a:ea typeface="문화재돌봄체 Regular" panose="020B0000000000000000" pitchFamily="50" charset="-127"/>
                   </a:rPr>
-                  <a:t>(ERP)</a:t>
+                  <a:t>개의 데이터가 대부분 잘 정렬되어 있으므로 사전 처리를 적용하지 않습니다</a:t>
                 </a:r>
                 <a:r>
-                  <a:rPr lang="ko-KR" altLang="en-US" sz="1000" b="0" i="0" dirty="0">
-                    <a:solidFill>
-                      <a:srgbClr val="000000"/>
-                    </a:solidFill>
-                    <a:effectLst/>
-                    <a:latin typeface="문화재돌봄체 Regular" panose="020B0000000000000000" pitchFamily="50" charset="-127"/>
-                    <a:ea typeface="문화재돌봄체 Regular" panose="020B0000000000000000" pitchFamily="50" charset="-127"/>
-                  </a:rPr>
-                  <a:t>을 사용한다</a:t>
-                </a:r>
-                <a:r>
-                  <a:rPr lang="en-US" altLang="ko-KR" sz="1000" b="0" i="0" dirty="0">
+                  <a:rPr lang="en-US" altLang="ko-KR" sz="1100" b="0" i="0" dirty="0">
                     <a:solidFill>
                       <a:srgbClr val="000000"/>
                     </a:solidFill>
@@ -13413,13 +13937,13 @@
                   <a:t>.</a:t>
                 </a:r>
                 <a:br>
-                  <a:rPr lang="ko-KR" altLang="en-US" sz="1000" dirty="0">
+                  <a:rPr lang="ko-KR" altLang="en-US" sz="1100" dirty="0">
                     <a:latin typeface="문화재돌봄체 Regular" panose="020B0000000000000000" pitchFamily="50" charset="-127"/>
                     <a:ea typeface="문화재돌봄체 Regular" panose="020B0000000000000000" pitchFamily="50" charset="-127"/>
                   </a:rPr>
                 </a:br>
                 <a:r>
-                  <a:rPr lang="ko-KR" altLang="en-US" sz="1000" b="0" i="0" dirty="0">
+                  <a:rPr lang="ko-KR" altLang="en-US" sz="1100" b="0" i="0" dirty="0">
                     <a:solidFill>
                       <a:srgbClr val="000000"/>
                     </a:solidFill>
@@ -13427,10 +13951,10 @@
                     <a:latin typeface="문화재돌봄체 Regular" panose="020B0000000000000000" pitchFamily="50" charset="-127"/>
                     <a:ea typeface="문화재돌봄체 Regular" panose="020B0000000000000000" pitchFamily="50" charset="-127"/>
                   </a:rPr>
-                  <a:t>입력 </a:t>
+                  <a:t>향후 애플리케이션에서는 </a:t>
                 </a:r>
                 <a:r>
-                  <a:rPr lang="en-US" altLang="ko-KR" sz="1000" b="0" i="0" dirty="0">
+                  <a:rPr lang="en-US" altLang="ko-KR" sz="1100" b="0" i="0" dirty="0">
                     <a:solidFill>
                       <a:srgbClr val="000000"/>
                     </a:solidFill>
@@ -13438,10 +13962,10 @@
                     <a:latin typeface="문화재돌봄체 Regular" panose="020B0000000000000000" pitchFamily="50" charset="-127"/>
                     <a:ea typeface="문화재돌봄체 Regular" panose="020B0000000000000000" pitchFamily="50" charset="-127"/>
                   </a:rPr>
-                  <a:t>ERP </a:t>
+                  <a:t>IMU </a:t>
                 </a:r>
                 <a:r>
-                  <a:rPr lang="ko-KR" altLang="en-US" sz="1000" b="0" i="0" dirty="0">
+                  <a:rPr lang="ko-KR" altLang="en-US" sz="1100" b="0" i="0" dirty="0">
                     <a:solidFill>
                       <a:srgbClr val="000000"/>
                     </a:solidFill>
@@ -13449,10 +13973,10 @@
                     <a:latin typeface="문화재돌봄체 Regular" panose="020B0000000000000000" pitchFamily="50" charset="-127"/>
                     <a:ea typeface="문화재돌봄체 Regular" panose="020B0000000000000000" pitchFamily="50" charset="-127"/>
                   </a:rPr>
-                  <a:t>이미지의 해상도</a:t>
+                  <a:t>센서 또는 </a:t>
                 </a:r>
                 <a:r>
-                  <a:rPr lang="en-US" altLang="ko-KR" sz="1000" b="0" i="0" dirty="0">
+                  <a:rPr lang="en-US" altLang="ko-KR" sz="1100" b="0" i="0" dirty="0">
                     <a:solidFill>
                       <a:srgbClr val="000000"/>
                     </a:solidFill>
@@ -13460,116 +13984,10 @@
                     <a:latin typeface="문화재돌봄체 Regular" panose="020B0000000000000000" pitchFamily="50" charset="-127"/>
                     <a:ea typeface="문화재돌봄체 Regular" panose="020B0000000000000000" pitchFamily="50" charset="-127"/>
                   </a:rPr>
-                  <a:t>,  </a:t>
+                  <a:t>360 VP </a:t>
                 </a:r>
-                <a14:m>
-                  <m:oMath xmlns:m="http://schemas.openxmlformats.org/officeDocument/2006/math">
-                    <m:sSub>
-                      <m:sSubPr>
-                        <m:ctrlPr>
-                          <a:rPr lang="en-US" altLang="ko-KR" sz="1000" b="0" i="1" dirty="0" smtClean="0">
-                            <a:solidFill>
-                              <a:srgbClr val="000000"/>
-                            </a:solidFill>
-                            <a:effectLst/>
-                            <a:latin typeface="Cambria Math" panose="02040503050406030204" pitchFamily="18" charset="0"/>
-                            <a:ea typeface="문화재돌봄체 Regular" panose="020B0000000000000000" pitchFamily="50" charset="-127"/>
-                          </a:rPr>
-                        </m:ctrlPr>
-                      </m:sSubPr>
-                      <m:e>
-                        <m:r>
-                          <a:rPr lang="en-US" altLang="ko-KR" sz="1000" b="0" i="1" dirty="0" smtClean="0">
-                            <a:solidFill>
-                              <a:srgbClr val="000000"/>
-                            </a:solidFill>
-                            <a:effectLst/>
-                            <a:latin typeface="Cambria Math" panose="02040503050406030204" pitchFamily="18" charset="0"/>
-                            <a:ea typeface="문화재돌봄체 Regular" panose="020B0000000000000000" pitchFamily="50" charset="-127"/>
-                          </a:rPr>
-                          <m:t>𝐻</m:t>
-                        </m:r>
-                      </m:e>
-                      <m:sub>
-                        <m:r>
-                          <a:rPr lang="en-US" altLang="ko-KR" sz="1000" b="0" i="1" dirty="0" smtClean="0">
-                            <a:solidFill>
-                              <a:srgbClr val="000000"/>
-                            </a:solidFill>
-                            <a:effectLst/>
-                            <a:latin typeface="Cambria Math" panose="02040503050406030204" pitchFamily="18" charset="0"/>
-                            <a:ea typeface="문화재돌봄체 Regular" panose="020B0000000000000000" pitchFamily="50" charset="-127"/>
-                          </a:rPr>
-                          <m:t>𝑖𝑛𝑝</m:t>
-                        </m:r>
-                      </m:sub>
-                    </m:sSub>
-                    <m:r>
-                      <a:rPr lang="en-US" altLang="ko-KR" sz="1000" b="0" i="1" dirty="0">
-                        <a:solidFill>
-                          <a:srgbClr val="000000"/>
-                        </a:solidFill>
-                        <a:effectLst/>
-                        <a:latin typeface="Cambria Math" panose="02040503050406030204" pitchFamily="18" charset="0"/>
-                        <a:ea typeface="문화재돌봄체 Regular" panose="020B0000000000000000" pitchFamily="50" charset="-127"/>
-                      </a:rPr>
-                      <m:t>. × </m:t>
-                    </m:r>
-                    <m:sSub>
-                      <m:sSubPr>
-                        <m:ctrlPr>
-                          <a:rPr lang="en-US" altLang="ko-KR" sz="1000" b="0" i="1" dirty="0" smtClean="0">
-                            <a:solidFill>
-                              <a:srgbClr val="000000"/>
-                            </a:solidFill>
-                            <a:effectLst/>
-                            <a:latin typeface="Cambria Math" panose="02040503050406030204" pitchFamily="18" charset="0"/>
-                            <a:ea typeface="문화재돌봄체 Regular" panose="020B0000000000000000" pitchFamily="50" charset="-127"/>
-                          </a:rPr>
-                        </m:ctrlPr>
-                      </m:sSubPr>
-                      <m:e>
-                        <m:r>
-                          <a:rPr lang="en-US" altLang="ko-KR" sz="1000" b="0" i="1" dirty="0" smtClean="0">
-                            <a:solidFill>
-                              <a:srgbClr val="000000"/>
-                            </a:solidFill>
-                            <a:effectLst/>
-                            <a:latin typeface="Cambria Math" panose="02040503050406030204" pitchFamily="18" charset="0"/>
-                            <a:ea typeface="문화재돌봄체 Regular" panose="020B0000000000000000" pitchFamily="50" charset="-127"/>
-                          </a:rPr>
-                          <m:t>𝑊</m:t>
-                        </m:r>
-                      </m:e>
-                      <m:sub>
-                        <m:r>
-                          <a:rPr lang="en-US" altLang="ko-KR" sz="1000" b="0" i="1" dirty="0" smtClean="0">
-                            <a:solidFill>
-                              <a:srgbClr val="000000"/>
-                            </a:solidFill>
-                            <a:effectLst/>
-                            <a:latin typeface="Cambria Math" panose="02040503050406030204" pitchFamily="18" charset="0"/>
-                            <a:ea typeface="문화재돌봄체 Regular" panose="020B0000000000000000" pitchFamily="50" charset="-127"/>
-                          </a:rPr>
-                          <m:t>𝑖𝑛𝑝</m:t>
-                        </m:r>
-                      </m:sub>
-                    </m:sSub>
-                    <m:r>
-                      <a:rPr lang="en-US" altLang="ko-KR" sz="1000" b="0" i="1" dirty="0">
-                        <a:solidFill>
-                          <a:srgbClr val="000000"/>
-                        </a:solidFill>
-                        <a:effectLst/>
-                        <a:latin typeface="Cambria Math" panose="02040503050406030204" pitchFamily="18" charset="0"/>
-                        <a:ea typeface="문화재돌봄체 Regular" panose="020B0000000000000000" pitchFamily="50" charset="-127"/>
-                      </a:rPr>
-                      <m:t>.</m:t>
-                    </m:r>
-                  </m:oMath>
-                </a14:m>
                 <a:r>
-                  <a:rPr lang="ko-KR" altLang="en-US" sz="1000" b="0" i="0" dirty="0">
+                  <a:rPr lang="ko-KR" altLang="en-US" sz="1100" b="0" i="0" dirty="0">
                     <a:solidFill>
                       <a:srgbClr val="000000"/>
                     </a:solidFill>
@@ -13577,10 +13995,10 @@
                     <a:latin typeface="문화재돌봄체 Regular" panose="020B0000000000000000" pitchFamily="50" charset="-127"/>
                     <a:ea typeface="문화재돌봄체 Regular" panose="020B0000000000000000" pitchFamily="50" charset="-127"/>
                   </a:rPr>
-                  <a:t>는 </a:t>
+                  <a:t>탐지 알고리즘</a:t>
                 </a:r>
                 <a:r>
-                  <a:rPr lang="ko-KR" altLang="en-US" sz="1000" b="0" i="0" dirty="0" err="1">
+                  <a:rPr lang="en-US" altLang="ko-KR" sz="1100" b="0" i="0" dirty="0">
                     <a:solidFill>
                       <a:srgbClr val="000000"/>
                     </a:solidFill>
@@ -13588,10 +14006,10 @@
                     <a:latin typeface="문화재돌봄체 Regular" panose="020B0000000000000000" pitchFamily="50" charset="-127"/>
                     <a:ea typeface="문화재돌봄체 Regular" panose="020B0000000000000000" pitchFamily="50" charset="-127"/>
                   </a:rPr>
-                  <a:t>하이퍼</a:t>
+                  <a:t>[29, 32]</a:t>
                 </a:r>
                 <a:r>
-                  <a:rPr lang="ko-KR" altLang="en-US" sz="1000" b="0" i="0" dirty="0">
+                  <a:rPr lang="ko-KR" altLang="en-US" sz="1100" b="0" i="0" dirty="0">
                     <a:solidFill>
                       <a:srgbClr val="000000"/>
                     </a:solidFill>
@@ -13599,32 +14017,10 @@
                     <a:latin typeface="문화재돌봄체 Regular" panose="020B0000000000000000" pitchFamily="50" charset="-127"/>
                     <a:ea typeface="문화재돌봄체 Regular" panose="020B0000000000000000" pitchFamily="50" charset="-127"/>
                   </a:rPr>
-                  <a:t> 파라미터이며</a:t>
+                  <a:t>을 사용하여 견고성을 높이기 위해 입력을 사전 처리하고 정렬하는 것을 고려할 수 있습니다</a:t>
                 </a:r>
                 <a:r>
-                  <a:rPr lang="en-US" altLang="ko-KR" sz="1000" b="0" i="0" dirty="0">
-                    <a:solidFill>
-                      <a:srgbClr val="000000"/>
-                    </a:solidFill>
-                    <a:effectLst/>
-                    <a:latin typeface="문화재돌봄체 Regular" panose="020B0000000000000000" pitchFamily="50" charset="-127"/>
-                    <a:ea typeface="문화재돌봄체 Regular" panose="020B0000000000000000" pitchFamily="50" charset="-127"/>
-                  </a:rPr>
-                  <a:t>, </a:t>
-                </a:r>
-                <a:r>
-                  <a:rPr lang="ko-KR" altLang="en-US" sz="1000" b="0" i="0" dirty="0">
-                    <a:solidFill>
-                      <a:srgbClr val="000000"/>
-                    </a:solidFill>
-                    <a:effectLst/>
-                    <a:latin typeface="문화재돌봄체 Regular" panose="020B0000000000000000" pitchFamily="50" charset="-127"/>
-                    <a:ea typeface="문화재돌봄체 Regular" panose="020B0000000000000000" pitchFamily="50" charset="-127"/>
-                  </a:rPr>
-                  <a:t>각 벤치마크의 표준 관행에 따라 설정한다</a:t>
-                </a:r>
-                <a:r>
-                  <a:rPr lang="en-US" altLang="ko-KR" sz="1000" b="0" i="0" dirty="0">
+                  <a:rPr lang="en-US" altLang="ko-KR" sz="1100" b="0" i="0" dirty="0">
                     <a:solidFill>
                       <a:srgbClr val="000000"/>
                     </a:solidFill>
@@ -13635,257 +14031,19 @@
                   <a:t>.</a:t>
                 </a:r>
                 <a:br>
-                  <a:rPr lang="ko-KR" altLang="en-US" sz="1000" dirty="0">
+                  <a:rPr lang="ko-KR" altLang="en-US" sz="1100" dirty="0">
+                    <a:latin typeface="문화재돌봄체 Regular" panose="020B0000000000000000" pitchFamily="50" charset="-127"/>
+                    <a:ea typeface="문화재돌봄체 Regular" panose="020B0000000000000000" pitchFamily="50" charset="-127"/>
+                  </a:rPr>
+                </a:br>
+                <a:br>
+                  <a:rPr lang="ko-KR" altLang="en-US" sz="1100" dirty="0">
                     <a:latin typeface="문화재돌봄체 Regular" panose="020B0000000000000000" pitchFamily="50" charset="-127"/>
                     <a:ea typeface="문화재돌봄체 Regular" panose="020B0000000000000000" pitchFamily="50" charset="-127"/>
                   </a:rPr>
                 </a:br>
                 <a:r>
-                  <a:rPr lang="ko-KR" altLang="en-US" sz="1000" b="0" i="0" dirty="0">
-                    <a:solidFill>
-                      <a:srgbClr val="000000"/>
-                    </a:solidFill>
-                    <a:effectLst/>
-                    <a:latin typeface="문화재돌봄체 Regular" panose="020B0000000000000000" pitchFamily="50" charset="-127"/>
-                    <a:ea typeface="문화재돌봄체 Regular" panose="020B0000000000000000" pitchFamily="50" charset="-127"/>
-                  </a:rPr>
-                  <a:t>그림 </a:t>
-                </a:r>
-                <a:r>
-                  <a:rPr lang="en-US" altLang="ko-KR" sz="1000" b="0" i="0" dirty="0">
-                    <a:solidFill>
-                      <a:srgbClr val="000000"/>
-                    </a:solidFill>
-                    <a:effectLst/>
-                    <a:latin typeface="문화재돌봄체 Regular" panose="020B0000000000000000" pitchFamily="50" charset="-127"/>
-                    <a:ea typeface="문화재돌봄체 Regular" panose="020B0000000000000000" pitchFamily="50" charset="-127"/>
-                  </a:rPr>
-                  <a:t>2</a:t>
-                </a:r>
-                <a:r>
-                  <a:rPr lang="ko-KR" altLang="en-US" sz="1000" b="0" i="0" dirty="0">
-                    <a:solidFill>
-                      <a:srgbClr val="000000"/>
-                    </a:solidFill>
-                    <a:effectLst/>
-                    <a:latin typeface="문화재돌봄체 Regular" panose="020B0000000000000000" pitchFamily="50" charset="-127"/>
-                    <a:ea typeface="문화재돌봄체 Regular" panose="020B0000000000000000" pitchFamily="50" charset="-127"/>
-                  </a:rPr>
-                  <a:t>에서 중력 방향이 이미지의 </a:t>
-                </a:r>
-                <a:r>
-                  <a:rPr lang="en-US" altLang="ko-KR" sz="1000" b="0" i="0" dirty="0">
-                    <a:solidFill>
-                      <a:srgbClr val="000000"/>
-                    </a:solidFill>
-                    <a:effectLst/>
-                    <a:latin typeface="문화재돌봄체 Regular" panose="020B0000000000000000" pitchFamily="50" charset="-127"/>
-                    <a:ea typeface="문화재돌봄체 Regular" panose="020B0000000000000000" pitchFamily="50" charset="-127"/>
-                  </a:rPr>
-                  <a:t>y</a:t>
-                </a:r>
-                <a:r>
-                  <a:rPr lang="ko-KR" altLang="en-US" sz="1000" b="0" i="0" dirty="0">
-                    <a:solidFill>
-                      <a:srgbClr val="000000"/>
-                    </a:solidFill>
-                    <a:effectLst/>
-                    <a:latin typeface="문화재돌봄체 Regular" panose="020B0000000000000000" pitchFamily="50" charset="-127"/>
-                    <a:ea typeface="문화재돌봄체 Regular" panose="020B0000000000000000" pitchFamily="50" charset="-127"/>
-                  </a:rPr>
-                  <a:t>축과 정렬된 경우 이미지 열의 구조 신호가 압축 후 더 잘 보존된다는 것을 보여주는데</a:t>
-                </a:r>
-                <a:r>
-                  <a:rPr lang="en-US" altLang="ko-KR" sz="1000" b="0" i="0" dirty="0">
-                    <a:solidFill>
-                      <a:srgbClr val="000000"/>
-                    </a:solidFill>
-                    <a:effectLst/>
-                    <a:latin typeface="문화재돌봄체 Regular" panose="020B0000000000000000" pitchFamily="50" charset="-127"/>
-                    <a:ea typeface="문화재돌봄체 Regular" panose="020B0000000000000000" pitchFamily="50" charset="-127"/>
-                  </a:rPr>
-                  <a:t>, </a:t>
-                </a:r>
-                <a:r>
-                  <a:rPr lang="ko-KR" altLang="en-US" sz="1000" b="0" i="0" dirty="0">
-                    <a:solidFill>
-                      <a:srgbClr val="000000"/>
-                    </a:solidFill>
-                    <a:effectLst/>
-                    <a:latin typeface="문화재돌봄체 Regular" panose="020B0000000000000000" pitchFamily="50" charset="-127"/>
-                    <a:ea typeface="문화재돌봄체 Regular" panose="020B0000000000000000" pitchFamily="50" charset="-127"/>
-                  </a:rPr>
-                  <a:t>이는 열을 잠재 벡터로 인코딩하는 데에도 바람직한 특성이다</a:t>
-                </a:r>
-                <a:r>
-                  <a:rPr lang="en-US" altLang="ko-KR" sz="1000" b="0" i="0" dirty="0">
-                    <a:solidFill>
-                      <a:srgbClr val="000000"/>
-                    </a:solidFill>
-                    <a:effectLst/>
-                    <a:latin typeface="문화재돌봄체 Regular" panose="020B0000000000000000" pitchFamily="50" charset="-127"/>
-                    <a:ea typeface="문화재돌봄체 Regular" panose="020B0000000000000000" pitchFamily="50" charset="-127"/>
-                  </a:rPr>
-                  <a:t>.</a:t>
-                </a:r>
-                <a:br>
-                  <a:rPr lang="ko-KR" altLang="en-US" sz="1000" dirty="0">
-                    <a:latin typeface="문화재돌봄체 Regular" panose="020B0000000000000000" pitchFamily="50" charset="-127"/>
-                    <a:ea typeface="문화재돌봄체 Regular" panose="020B0000000000000000" pitchFamily="50" charset="-127"/>
-                  </a:rPr>
-                </a:br>
-                <a:r>
-                  <a:rPr lang="ko-KR" altLang="en-US" sz="1000" b="0" i="0" dirty="0">
-                    <a:solidFill>
-                      <a:srgbClr val="000000"/>
-                    </a:solidFill>
-                    <a:effectLst/>
-                    <a:latin typeface="문화재돌봄체 Regular" panose="020B0000000000000000" pitchFamily="50" charset="-127"/>
-                    <a:ea typeface="문화재돌봄체 Regular" panose="020B0000000000000000" pitchFamily="50" charset="-127"/>
-                  </a:rPr>
-                  <a:t>본 연구에서는 벤치마크에서 제공하는 </a:t>
-                </a:r>
-                <a:r>
-                  <a:rPr lang="en-US" altLang="ko-KR" sz="1000" b="0" i="0" dirty="0">
-                    <a:solidFill>
-                      <a:srgbClr val="000000"/>
-                    </a:solidFill>
-                    <a:effectLst/>
-                    <a:latin typeface="문화재돌봄체 Regular" panose="020B0000000000000000" pitchFamily="50" charset="-127"/>
-                    <a:ea typeface="문화재돌봄체 Regular" panose="020B0000000000000000" pitchFamily="50" charset="-127"/>
-                  </a:rPr>
-                  <a:t>360</a:t>
-                </a:r>
-                <a:r>
-                  <a:rPr lang="ko-KR" altLang="en-US" sz="1000" b="0" i="0" dirty="0">
-                    <a:solidFill>
-                      <a:srgbClr val="000000"/>
-                    </a:solidFill>
-                    <a:effectLst/>
-                    <a:latin typeface="문화재돌봄체 Regular" panose="020B0000000000000000" pitchFamily="50" charset="-127"/>
-                    <a:ea typeface="문화재돌봄체 Regular" panose="020B0000000000000000" pitchFamily="50" charset="-127"/>
-                  </a:rPr>
-                  <a:t>개의 데이터가 대부분 잘 정렬되어 있으므로 사전 처리를 적용하지 않습니다</a:t>
-                </a:r>
-                <a:r>
-                  <a:rPr lang="en-US" altLang="ko-KR" sz="1000" b="0" i="0" dirty="0">
-                    <a:solidFill>
-                      <a:srgbClr val="000000"/>
-                    </a:solidFill>
-                    <a:effectLst/>
-                    <a:latin typeface="문화재돌봄체 Regular" panose="020B0000000000000000" pitchFamily="50" charset="-127"/>
-                    <a:ea typeface="문화재돌봄체 Regular" panose="020B0000000000000000" pitchFamily="50" charset="-127"/>
-                  </a:rPr>
-                  <a:t>.</a:t>
-                </a:r>
-                <a:br>
-                  <a:rPr lang="ko-KR" altLang="en-US" sz="1000" dirty="0">
-                    <a:latin typeface="문화재돌봄체 Regular" panose="020B0000000000000000" pitchFamily="50" charset="-127"/>
-                    <a:ea typeface="문화재돌봄체 Regular" panose="020B0000000000000000" pitchFamily="50" charset="-127"/>
-                  </a:rPr>
-                </a:br>
-                <a:r>
-                  <a:rPr lang="ko-KR" altLang="en-US" sz="1000" b="0" i="0" dirty="0">
-                    <a:solidFill>
-                      <a:srgbClr val="000000"/>
-                    </a:solidFill>
-                    <a:effectLst/>
-                    <a:latin typeface="문화재돌봄체 Regular" panose="020B0000000000000000" pitchFamily="50" charset="-127"/>
-                    <a:ea typeface="문화재돌봄체 Regular" panose="020B0000000000000000" pitchFamily="50" charset="-127"/>
-                  </a:rPr>
-                  <a:t>향후 애플리케이션에서는 </a:t>
-                </a:r>
-                <a:r>
-                  <a:rPr lang="en-US" altLang="ko-KR" sz="1000" b="0" i="0" dirty="0">
-                    <a:solidFill>
-                      <a:srgbClr val="000000"/>
-                    </a:solidFill>
-                    <a:effectLst/>
-                    <a:latin typeface="문화재돌봄체 Regular" panose="020B0000000000000000" pitchFamily="50" charset="-127"/>
-                    <a:ea typeface="문화재돌봄체 Regular" panose="020B0000000000000000" pitchFamily="50" charset="-127"/>
-                  </a:rPr>
-                  <a:t>IMU </a:t>
-                </a:r>
-                <a:r>
-                  <a:rPr lang="ko-KR" altLang="en-US" sz="1000" b="0" i="0" dirty="0">
-                    <a:solidFill>
-                      <a:srgbClr val="000000"/>
-                    </a:solidFill>
-                    <a:effectLst/>
-                    <a:latin typeface="문화재돌봄체 Regular" panose="020B0000000000000000" pitchFamily="50" charset="-127"/>
-                    <a:ea typeface="문화재돌봄체 Regular" panose="020B0000000000000000" pitchFamily="50" charset="-127"/>
-                  </a:rPr>
-                  <a:t>센서 또는 </a:t>
-                </a:r>
-                <a:r>
-                  <a:rPr lang="en-US" altLang="ko-KR" sz="1000" b="0" i="0" dirty="0">
-                    <a:solidFill>
-                      <a:srgbClr val="000000"/>
-                    </a:solidFill>
-                    <a:effectLst/>
-                    <a:latin typeface="문화재돌봄체 Regular" panose="020B0000000000000000" pitchFamily="50" charset="-127"/>
-                    <a:ea typeface="문화재돌봄체 Regular" panose="020B0000000000000000" pitchFamily="50" charset="-127"/>
-                  </a:rPr>
-                  <a:t>360 VP </a:t>
-                </a:r>
-                <a:r>
-                  <a:rPr lang="ko-KR" altLang="en-US" sz="1000" b="0" i="0" dirty="0">
-                    <a:solidFill>
-                      <a:srgbClr val="000000"/>
-                    </a:solidFill>
-                    <a:effectLst/>
-                    <a:latin typeface="문화재돌봄체 Regular" panose="020B0000000000000000" pitchFamily="50" charset="-127"/>
-                    <a:ea typeface="문화재돌봄체 Regular" panose="020B0000000000000000" pitchFamily="50" charset="-127"/>
-                  </a:rPr>
-                  <a:t>탐지 알고리즘</a:t>
-                </a:r>
-                <a:r>
-                  <a:rPr lang="en-US" altLang="ko-KR" sz="1000" b="0" i="0" dirty="0">
-                    <a:solidFill>
-                      <a:srgbClr val="000000"/>
-                    </a:solidFill>
-                    <a:effectLst/>
-                    <a:latin typeface="문화재돌봄체 Regular" panose="020B0000000000000000" pitchFamily="50" charset="-127"/>
-                    <a:ea typeface="문화재돌봄체 Regular" panose="020B0000000000000000" pitchFamily="50" charset="-127"/>
-                  </a:rPr>
-                  <a:t>[29, 32]</a:t>
-                </a:r>
-                <a:r>
-                  <a:rPr lang="ko-KR" altLang="en-US" sz="1000" b="0" i="0" dirty="0">
-                    <a:solidFill>
-                      <a:srgbClr val="000000"/>
-                    </a:solidFill>
-                    <a:effectLst/>
-                    <a:latin typeface="문화재돌봄체 Regular" panose="020B0000000000000000" pitchFamily="50" charset="-127"/>
-                    <a:ea typeface="문화재돌봄체 Regular" panose="020B0000000000000000" pitchFamily="50" charset="-127"/>
-                  </a:rPr>
-                  <a:t>을 사용하여 견고성을 높이기 위해 입력을 사전 처리하고 정렬하는 것을 고려할 수 있습니다</a:t>
-                </a:r>
-                <a:r>
-                  <a:rPr lang="en-US" altLang="ko-KR" sz="1000" b="0" i="0" dirty="0">
-                    <a:solidFill>
-                      <a:srgbClr val="000000"/>
-                    </a:solidFill>
-                    <a:effectLst/>
-                    <a:latin typeface="문화재돌봄체 Regular" panose="020B0000000000000000" pitchFamily="50" charset="-127"/>
-                    <a:ea typeface="문화재돌봄체 Regular" panose="020B0000000000000000" pitchFamily="50" charset="-127"/>
-                  </a:rPr>
-                  <a:t>.</a:t>
-                </a:r>
-                <a:br>
-                  <a:rPr lang="ko-KR" altLang="en-US" sz="1000" dirty="0">
-                    <a:latin typeface="문화재돌봄체 Regular" panose="020B0000000000000000" pitchFamily="50" charset="-127"/>
-                    <a:ea typeface="문화재돌봄체 Regular" panose="020B0000000000000000" pitchFamily="50" charset="-127"/>
-                  </a:rPr>
-                </a:br>
-                <a:br>
-                  <a:rPr lang="ko-KR" altLang="en-US" sz="1000" dirty="0">
-                    <a:latin typeface="문화재돌봄체 Regular" panose="020B0000000000000000" pitchFamily="50" charset="-127"/>
-                    <a:ea typeface="문화재돌봄체 Regular" panose="020B0000000000000000" pitchFamily="50" charset="-127"/>
-                  </a:rPr>
-                </a:br>
-                <a:r>
-                  <a:rPr lang="en-US" altLang="ko-KR" sz="1000" dirty="0">
+                  <a:rPr lang="en-US" altLang="ko-KR" sz="1100" dirty="0">
                     <a:solidFill>
                       <a:srgbClr val="000000"/>
                     </a:solidFill>
@@ -13895,7 +14053,7 @@
                   <a:t>Backbone</a:t>
                 </a:r>
                 <a:r>
-                  <a:rPr lang="en-US" altLang="ko-KR" sz="1000" b="0" i="0" dirty="0">
+                  <a:rPr lang="en-US" altLang="ko-KR" sz="1100" b="0" i="0" dirty="0">
                     <a:solidFill>
                       <a:srgbClr val="000000"/>
                     </a:solidFill>
@@ -13913,7 +14071,7 @@
                   </a:lnSpc>
                 </a:pPr>
                 <a:r>
-                  <a:rPr lang="ko-KR" altLang="en-US" sz="1000" b="0" i="0" dirty="0">
+                  <a:rPr lang="ko-KR" altLang="en-US" sz="1100" b="0" i="0" dirty="0">
                     <a:solidFill>
                       <a:srgbClr val="000000"/>
                     </a:solidFill>
@@ -13924,7 +14082,7 @@
                   <a:t>우리는 </a:t>
                 </a:r>
                 <a:r>
-                  <a:rPr lang="en-US" altLang="ko-KR" sz="1000" b="0" i="0" dirty="0" err="1">
+                  <a:rPr lang="en-US" altLang="ko-KR" sz="1100" b="0" i="0" dirty="0" err="1">
                     <a:solidFill>
                       <a:srgbClr val="000000"/>
                     </a:solidFill>
@@ -13935,7 +14093,7 @@
                   <a:t>ResNet</a:t>
                 </a:r>
                 <a:r>
-                  <a:rPr lang="en-US" altLang="ko-KR" sz="1000" b="0" i="0" dirty="0">
+                  <a:rPr lang="en-US" altLang="ko-KR" sz="1100" b="0" i="0" dirty="0">
                     <a:solidFill>
                       <a:srgbClr val="000000"/>
                     </a:solidFill>
@@ -13946,7 +14104,7 @@
                   <a:t> [10]</a:t>
                 </a:r>
                 <a:r>
-                  <a:rPr lang="ko-KR" altLang="en-US" sz="1000" b="0" i="0" dirty="0">
+                  <a:rPr lang="ko-KR" altLang="en-US" sz="1100" b="0" i="0" dirty="0">
                     <a:solidFill>
                       <a:srgbClr val="000000"/>
                     </a:solidFill>
@@ -13957,7 +14115,7 @@
                   <a:t>을 채택하고</a:t>
                 </a:r>
                 <a:r>
-                  <a:rPr lang="en-US" altLang="ko-KR" sz="1000" b="0" i="0" dirty="0">
+                  <a:rPr lang="en-US" altLang="ko-KR" sz="1100" b="0" i="0" dirty="0">
                     <a:solidFill>
                       <a:srgbClr val="000000"/>
                     </a:solidFill>
@@ -13968,7 +14126,7 @@
                   <a:t>, 4</a:t>
                 </a:r>
                 <a:r>
-                  <a:rPr lang="ko-KR" altLang="en-US" sz="1000" b="0" i="0" dirty="0">
+                  <a:rPr lang="ko-KR" altLang="en-US" sz="1100" b="0" i="0" dirty="0">
                     <a:solidFill>
                       <a:srgbClr val="000000"/>
                     </a:solidFill>
@@ -13979,7 +14137,7 @@
                   <a:t>개의 </a:t>
                 </a:r>
                 <a:r>
-                  <a:rPr lang="en-US" altLang="ko-KR" sz="1000" b="0" i="0" dirty="0" err="1">
+                  <a:rPr lang="en-US" altLang="ko-KR" sz="1100" b="0" i="0" dirty="0" err="1">
                     <a:solidFill>
                       <a:srgbClr val="000000"/>
                     </a:solidFill>
@@ -13990,7 +14148,7 @@
                   <a:t>ResNet</a:t>
                 </a:r>
                 <a:r>
-                  <a:rPr lang="en-US" altLang="ko-KR" sz="1000" b="0" i="0" dirty="0">
+                  <a:rPr lang="en-US" altLang="ko-KR" sz="1100" b="0" i="0" dirty="0">
                     <a:solidFill>
                       <a:srgbClr val="000000"/>
                     </a:solidFill>
@@ -14001,7 +14159,7 @@
                   <a:t> </a:t>
                 </a:r>
                 <a:r>
-                  <a:rPr lang="ko-KR" altLang="en-US" sz="1000" b="0" i="0" dirty="0">
+                  <a:rPr lang="ko-KR" altLang="en-US" sz="1100" b="0" i="0" dirty="0">
                     <a:solidFill>
                       <a:srgbClr val="000000"/>
                     </a:solidFill>
@@ -14009,10 +14167,10 @@
                     <a:latin typeface="문화재돌봄체 Regular" panose="020B0000000000000000" pitchFamily="50" charset="-127"/>
                     <a:ea typeface="문화재돌봄체 Regular" panose="020B0000000000000000" pitchFamily="50" charset="-127"/>
                   </a:rPr>
-                  <a:t>단계의 중간 기능은 기능 피라미드</a:t>
+                  <a:t>단계의 중간 기능은 기능 피라미드를 형성한다</a:t>
                 </a:r>
                 <a:r>
-                  <a:rPr lang="en-US" altLang="ko-KR" sz="1000" b="0" i="0" dirty="0">
+                  <a:rPr lang="en-US" altLang="ko-KR" sz="1100" b="0" i="0" dirty="0">
                     <a:solidFill>
                       <a:srgbClr val="000000"/>
                     </a:solidFill>
@@ -14020,10 +14178,91 @@
                     <a:latin typeface="문화재돌봄체 Regular" panose="020B0000000000000000" pitchFamily="50" charset="-127"/>
                     <a:ea typeface="문화재돌봄체 Regular" panose="020B0000000000000000" pitchFamily="50" charset="-127"/>
                   </a:rPr>
-                  <a:t>({)</a:t>
+                  <a:t>. </a:t>
+                </a:r>
+              </a:p>
+              <a:p>
+                <a:pPr>
+                  <a:lnSpc>
+                    <a:spcPct val="150000"/>
+                  </a:lnSpc>
+                </a:pPr>
+                <a:endParaRPr lang="en-US" altLang="ko-KR" sz="1100" dirty="0">
+                  <a:solidFill>
+                    <a:srgbClr val="000000"/>
+                  </a:solidFill>
+                  <a:latin typeface="문화재돌봄체 Regular" panose="020B0000000000000000" pitchFamily="50" charset="-127"/>
+                  <a:ea typeface="문화재돌봄체 Regular" panose="020B0000000000000000" pitchFamily="50" charset="-127"/>
+                </a:endParaRPr>
+              </a:p>
+              <a:p>
+                <a:pPr>
+                  <a:lnSpc>
+                    <a:spcPct val="150000"/>
+                  </a:lnSpc>
+                </a:pPr>
+                <a:r>
+                  <a:rPr lang="ko-KR" altLang="en-US" sz="1100" b="0" i="0" dirty="0">
+                    <a:solidFill>
+                      <a:srgbClr val="000000"/>
+                    </a:solidFill>
+                    <a:effectLst/>
+                    <a:latin typeface="문화재돌봄체 Bold" panose="020B0000000000000000" pitchFamily="50" charset="-127"/>
+                    <a:ea typeface="문화재돌봄체 Bold" panose="020B0000000000000000" pitchFamily="50" charset="-127"/>
+                  </a:rPr>
+                  <a:t>잠재 수평 특징 추출</a:t>
                 </a:r>
                 <a:r>
-                  <a:rPr lang="ko-KR" altLang="en-US" sz="1000" b="0" i="0" dirty="0">
+                  <a:rPr lang="en-US" altLang="ko-KR" sz="1100" b="0" i="0" dirty="0">
+                    <a:solidFill>
+                      <a:srgbClr val="000000"/>
+                    </a:solidFill>
+                    <a:effectLst/>
+                    <a:latin typeface="문화재돌봄체 Bold" panose="020B0000000000000000" pitchFamily="50" charset="-127"/>
+                    <a:ea typeface="문화재돌봄체 Bold" panose="020B0000000000000000" pitchFamily="50" charset="-127"/>
+                  </a:rPr>
+                  <a:t>(</a:t>
+                </a:r>
+                <a:r>
+                  <a:rPr lang="en-US" altLang="ko-KR" sz="1100" b="0" i="0" dirty="0" err="1">
+                    <a:solidFill>
+                      <a:srgbClr val="000000"/>
+                    </a:solidFill>
+                    <a:effectLst/>
+                    <a:latin typeface="문화재돌봄체 Bold" panose="020B0000000000000000" pitchFamily="50" charset="-127"/>
+                    <a:ea typeface="문화재돌봄체 Bold" panose="020B0000000000000000" pitchFamily="50" charset="-127"/>
+                  </a:rPr>
+                  <a:t>LHFeat</a:t>
+                </a:r>
+                <a:r>
+                  <a:rPr lang="en-US" altLang="ko-KR" sz="1100" b="0" i="0" dirty="0">
+                    <a:solidFill>
+                      <a:srgbClr val="000000"/>
+                    </a:solidFill>
+                    <a:effectLst/>
+                    <a:latin typeface="문화재돌봄체 Bold" panose="020B0000000000000000" pitchFamily="50" charset="-127"/>
+                    <a:ea typeface="문화재돌봄체 Bold" panose="020B0000000000000000" pitchFamily="50" charset="-127"/>
+                  </a:rPr>
+                  <a:t>).</a:t>
+                </a:r>
+                <a:br>
+                  <a:rPr lang="ko-KR" altLang="en-US" sz="1100" dirty="0">
+                    <a:latin typeface="문화재돌봄체 Regular" panose="020B0000000000000000" pitchFamily="50" charset="-127"/>
+                    <a:ea typeface="문화재돌봄체 Regular" panose="020B0000000000000000" pitchFamily="50" charset="-127"/>
+                  </a:rPr>
+                </a:br>
+                <a:r>
+                  <a:rPr lang="en-US" altLang="ko-KR" sz="1100" dirty="0">
+                    <a:solidFill>
+                      <a:srgbClr val="000000"/>
+                    </a:solidFill>
+                    <a:latin typeface="문화재돌봄체 Regular" panose="020B0000000000000000" pitchFamily="50" charset="-127"/>
+                    <a:ea typeface="문화재돌봄체 Regular" panose="020B0000000000000000" pitchFamily="50" charset="-127"/>
+                  </a:rPr>
+                  <a:t>Backbone</a:t>
+                </a:r>
+                <a:r>
+                  <a:rPr lang="ko-KR" altLang="en-US" sz="1100" b="0" i="0" dirty="0">
                     <a:solidFill>
                       <a:srgbClr val="000000"/>
                     </a:solidFill>
@@ -14031,10 +14270,10 @@
                     <a:latin typeface="문화재돌봄체 Regular" panose="020B0000000000000000" pitchFamily="50" charset="-127"/>
                     <a:ea typeface="문화재돌봄체 Regular" panose="020B0000000000000000" pitchFamily="50" charset="-127"/>
                   </a:rPr>
-                  <a:t>를 형성한다</a:t>
+                  <a:t>의 특징 피라미드에서 </a:t>
                 </a:r>
                 <a:r>
-                  <a:rPr lang="en-US" altLang="ko-KR" sz="1000" b="0" i="0" dirty="0">
+                  <a:rPr lang="en-US" altLang="ko-KR" sz="1100" b="0" i="0" dirty="0" err="1">
                     <a:solidFill>
                       <a:srgbClr val="000000"/>
                     </a:solidFill>
@@ -14042,10 +14281,10 @@
                     <a:latin typeface="문화재돌봄체 Regular" panose="020B0000000000000000" pitchFamily="50" charset="-127"/>
                     <a:ea typeface="문화재돌봄체 Regular" panose="020B0000000000000000" pitchFamily="50" charset="-127"/>
                   </a:rPr>
-                  <a:t>.RC ×H ×W } =1,2,3,4 </a:t>
+                  <a:t>LHFeat</a:t>
                 </a:r>
                 <a:r>
-                  <a:rPr lang="ko-KR" altLang="en-US" sz="1000" b="0" i="0" dirty="0">
+                  <a:rPr lang="en-US" altLang="ko-KR" sz="1100" b="0" i="0" dirty="0">
                     <a:solidFill>
                       <a:srgbClr val="000000"/>
                     </a:solidFill>
@@ -14053,10 +14292,105 @@
                     <a:latin typeface="문화재돌봄체 Regular" panose="020B0000000000000000" pitchFamily="50" charset="-127"/>
                     <a:ea typeface="문화재돌봄체 Regular" panose="020B0000000000000000" pitchFamily="50" charset="-127"/>
                   </a:rPr>
-                  <a:t>여기서 </a:t>
+                  <a:t> </a:t>
                 </a:r>
+                <a14:m>
+                  <m:oMath xmlns:m="http://schemas.openxmlformats.org/officeDocument/2006/math">
+                    <m:sSup>
+                      <m:sSupPr>
+                        <m:ctrlPr>
+                          <a:rPr lang="en-US" altLang="ko-KR" sz="1100" b="0" i="1" smtClean="0">
+                            <a:solidFill>
+                              <a:srgbClr val="000000"/>
+                            </a:solidFill>
+                            <a:effectLst/>
+                            <a:latin typeface="Cambria Math" panose="02040503050406030204" pitchFamily="18" charset="0"/>
+                            <a:ea typeface="문화재돌봄체 Regular" panose="020B0000000000000000" pitchFamily="50" charset="-127"/>
+                          </a:rPr>
+                        </m:ctrlPr>
+                      </m:sSupPr>
+                      <m:e>
+                        <m:r>
+                          <a:rPr lang="en-US" altLang="ko-KR" sz="1100" b="0" i="1" smtClean="0">
+                            <a:solidFill>
+                              <a:srgbClr val="000000"/>
+                            </a:solidFill>
+                            <a:effectLst/>
+                            <a:latin typeface="Cambria Math" panose="02040503050406030204" pitchFamily="18" charset="0"/>
+                            <a:ea typeface="문화재돌봄체 Regular" panose="020B0000000000000000" pitchFamily="50" charset="-127"/>
+                          </a:rPr>
+                          <m:t>𝑅</m:t>
+                        </m:r>
+                      </m:e>
+                      <m:sup>
+                        <m:r>
+                          <a:rPr lang="en-US" altLang="ko-KR" sz="1100" b="0" i="1" smtClean="0">
+                            <a:solidFill>
+                              <a:srgbClr val="000000"/>
+                            </a:solidFill>
+                            <a:effectLst/>
+                            <a:latin typeface="Cambria Math" panose="02040503050406030204" pitchFamily="18" charset="0"/>
+                            <a:ea typeface="문화재돌봄체 Regular" panose="020B0000000000000000" pitchFamily="50" charset="-127"/>
+                          </a:rPr>
+                          <m:t>𝐷</m:t>
+                        </m:r>
+                        <m:r>
+                          <a:rPr lang="en-US" altLang="ko-KR" sz="1100" b="0" i="1" smtClean="0">
+                            <a:solidFill>
+                              <a:srgbClr val="000000"/>
+                            </a:solidFill>
+                            <a:effectLst/>
+                            <a:latin typeface="Cambria Math" panose="02040503050406030204" pitchFamily="18" charset="0"/>
+                            <a:ea typeface="Cambria Math" panose="02040503050406030204" pitchFamily="18" charset="0"/>
+                          </a:rPr>
+                          <m:t>×</m:t>
+                        </m:r>
+                        <m:sSub>
+                          <m:sSubPr>
+                            <m:ctrlPr>
+                              <a:rPr lang="en-US" altLang="ko-KR" sz="1100" b="0" i="1" smtClean="0">
+                                <a:solidFill>
+                                  <a:srgbClr val="000000"/>
+                                </a:solidFill>
+                                <a:effectLst/>
+                                <a:latin typeface="Cambria Math" panose="02040503050406030204" pitchFamily="18" charset="0"/>
+                                <a:ea typeface="Cambria Math" panose="02040503050406030204" pitchFamily="18" charset="0"/>
+                              </a:rPr>
+                            </m:ctrlPr>
+                          </m:sSubPr>
+                          <m:e>
+                            <m:r>
+                              <a:rPr lang="en-US" altLang="ko-KR" sz="1100" b="0" i="1" smtClean="0">
+                                <a:solidFill>
+                                  <a:srgbClr val="000000"/>
+                                </a:solidFill>
+                                <a:effectLst/>
+                                <a:latin typeface="Cambria Math" panose="02040503050406030204" pitchFamily="18" charset="0"/>
+                                <a:ea typeface="Cambria Math" panose="02040503050406030204" pitchFamily="18" charset="0"/>
+                              </a:rPr>
+                              <m:t>𝑊</m:t>
+                            </m:r>
+                          </m:e>
+                          <m:sub>
+                            <m:r>
+                              <a:rPr lang="en-US" altLang="ko-KR" sz="1100" b="0" i="1" smtClean="0">
+                                <a:solidFill>
+                                  <a:srgbClr val="000000"/>
+                                </a:solidFill>
+                                <a:effectLst/>
+                                <a:latin typeface="Cambria Math" panose="02040503050406030204" pitchFamily="18" charset="0"/>
+                                <a:ea typeface="Cambria Math" panose="02040503050406030204" pitchFamily="18" charset="0"/>
+                              </a:rPr>
+                              <m:t>1</m:t>
+                            </m:r>
+                          </m:sub>
+                        </m:sSub>
+                      </m:sup>
+                    </m:sSup>
+                  </m:oMath>
+                </a14:m>
                 <a:r>
-                  <a:rPr lang="en-US" altLang="ko-KR" sz="1000" b="0" i="0" dirty="0">
+                  <a:rPr lang="ko-KR" altLang="en-US" sz="1100" b="0" i="0" dirty="0">
                     <a:solidFill>
                       <a:srgbClr val="000000"/>
                     </a:solidFill>
@@ -14064,10 +14398,10 @@
                     <a:latin typeface="문화재돌봄체 Regular" panose="020B0000000000000000" pitchFamily="50" charset="-127"/>
                     <a:ea typeface="문화재돌봄체 Regular" panose="020B0000000000000000" pitchFamily="50" charset="-127"/>
                   </a:rPr>
-                  <a:t>H =</a:t>
+                  <a:t>을 추출하기 위한 효율적인 높이 압축 모듈을 제안한다</a:t>
                 </a:r>
                 <a:r>
-                  <a:rPr lang="ko-KR" altLang="en-US" sz="1000" b="0" i="0" dirty="0" err="1">
+                  <a:rPr lang="en-US" altLang="ko-KR" sz="1100" b="0" i="0" dirty="0">
                     <a:solidFill>
                       <a:srgbClr val="000000"/>
                     </a:solidFill>
@@ -14075,10 +14409,17 @@
                     <a:latin typeface="문화재돌봄체 Regular" panose="020B0000000000000000" pitchFamily="50" charset="-127"/>
                     <a:ea typeface="문화재돌봄체 Regular" panose="020B0000000000000000" pitchFamily="50" charset="-127"/>
                   </a:rPr>
-                  <a:t>힌프</a:t>
+                  <a:t>.</a:t>
                 </a:r>
                 <a:r>
-                  <a:rPr lang="en-US" altLang="ko-KR" sz="1000" b="0" i="0" dirty="0">
+                  <a:rPr lang="ko-KR" altLang="en-US" sz="1100" dirty="0">
+                    <a:latin typeface="문화재돌봄체 Regular" panose="020B0000000000000000" pitchFamily="50" charset="-127"/>
+                    <a:ea typeface="문화재돌봄체 Regular" panose="020B0000000000000000" pitchFamily="50" charset="-127"/>
+                  </a:rPr>
+                  <a:t> </a:t>
+                </a:r>
+                <a:r>
+                  <a:rPr lang="ko-KR" altLang="en-US" sz="1100" b="0" i="0" dirty="0">
                     <a:solidFill>
                       <a:srgbClr val="000000"/>
                     </a:solidFill>
@@ -14086,10 +14427,10 @@
                     <a:latin typeface="문화재돌봄체 Regular" panose="020B0000000000000000" pitchFamily="50" charset="-127"/>
                     <a:ea typeface="문화재돌봄체 Regular" panose="020B0000000000000000" pitchFamily="50" charset="-127"/>
                   </a:rPr>
-                  <a:t>.+1</a:t>
+                  <a:t>우리는 </a:t>
                 </a:r>
                 <a:r>
-                  <a:rPr lang="ko-KR" altLang="en-US" sz="1000" b="0" i="0" dirty="0">
+                  <a:rPr lang="en-US" altLang="ko-KR" sz="1100" b="0" i="0" dirty="0">
                     <a:solidFill>
                       <a:srgbClr val="000000"/>
                     </a:solidFill>
@@ -14097,10 +14438,10 @@
                     <a:latin typeface="문화재돌봄체 Regular" panose="020B0000000000000000" pitchFamily="50" charset="-127"/>
                     <a:ea typeface="문화재돌봄체 Regular" panose="020B0000000000000000" pitchFamily="50" charset="-127"/>
                   </a:rPr>
-                  <a:t>과 </a:t>
+                  <a:t>3.2</a:t>
                 </a:r>
                 <a:r>
-                  <a:rPr lang="en-US" altLang="ko-KR" sz="1000" b="0" i="0" dirty="0">
+                  <a:rPr lang="ko-KR" altLang="en-US" sz="1100" b="0" i="0" dirty="0">
                     <a:solidFill>
                       <a:srgbClr val="000000"/>
                     </a:solidFill>
@@ -14108,10 +14449,10 @@
                     <a:latin typeface="문화재돌봄체 Regular" panose="020B0000000000000000" pitchFamily="50" charset="-127"/>
                     <a:ea typeface="문화재돌봄체 Regular" panose="020B0000000000000000" pitchFamily="50" charset="-127"/>
                   </a:rPr>
-                  <a:t>C</a:t>
+                  <a:t>절에 </a:t>
                 </a:r>
                 <a:r>
-                  <a:rPr lang="ko-KR" altLang="en-US" sz="1000" b="0" i="0" dirty="0">
+                  <a:rPr lang="en-US" altLang="ko-KR" sz="1100" b="0" i="0" dirty="0">
                     <a:solidFill>
                       <a:srgbClr val="000000"/>
                     </a:solidFill>
@@ -14119,10 +14460,10 @@
                     <a:latin typeface="문화재돌봄체 Regular" panose="020B0000000000000000" pitchFamily="50" charset="-127"/>
                     <a:ea typeface="문화재돌봄체 Regular" panose="020B0000000000000000" pitchFamily="50" charset="-127"/>
                   </a:rPr>
-                  <a:t>는 </a:t>
+                  <a:t>EHC </a:t>
                 </a:r>
                 <a:r>
-                  <a:rPr lang="en-US" altLang="ko-KR" sz="1000" b="0" i="0" dirty="0" err="1">
+                  <a:rPr lang="ko-KR" altLang="en-US" sz="1100" b="0" i="0" dirty="0">
                     <a:solidFill>
                       <a:srgbClr val="000000"/>
                     </a:solidFill>
@@ -14130,21 +14471,10 @@
                     <a:latin typeface="문화재돌봄체 Regular" panose="020B0000000000000000" pitchFamily="50" charset="-127"/>
                     <a:ea typeface="문화재돌봄체 Regular" panose="020B0000000000000000" pitchFamily="50" charset="-127"/>
                   </a:rPr>
-                  <a:t>ResNet</a:t>
+                  <a:t>모듈을 자세히 설명한다</a:t>
                 </a:r>
                 <a:r>
-                  <a:rPr lang="ko-KR" altLang="en-US" sz="1000" b="0" i="0" dirty="0">
-                    <a:solidFill>
-                      <a:srgbClr val="000000"/>
-                    </a:solidFill>
-                    <a:effectLst/>
-                    <a:latin typeface="문화재돌봄체 Regular" panose="020B0000000000000000" pitchFamily="50" charset="-127"/>
-                    <a:ea typeface="문화재돌봄체 Regular" panose="020B0000000000000000" pitchFamily="50" charset="-127"/>
-                  </a:rPr>
-                  <a:t>의 잠재차원이다</a:t>
-                </a:r>
-                <a:r>
-                  <a:rPr lang="en-US" altLang="ko-KR" sz="1000" b="0" i="0" dirty="0">
+                  <a:rPr lang="en-US" altLang="ko-KR" sz="1100" b="0" i="0" dirty="0">
                     <a:solidFill>
                       <a:srgbClr val="000000"/>
                     </a:solidFill>
@@ -14155,214 +14485,19 @@
                   <a:t>.</a:t>
                 </a:r>
                 <a:br>
-                  <a:rPr lang="ko-KR" altLang="en-US" sz="1000" dirty="0">
+                  <a:rPr lang="ko-KR" altLang="en-US" sz="1100" dirty="0">
                     <a:latin typeface="문화재돌봄체 Regular" panose="020B0000000000000000" pitchFamily="50" charset="-127"/>
                     <a:ea typeface="문화재돌봄체 Regular" panose="020B0000000000000000" pitchFamily="50" charset="-127"/>
                   </a:rPr>
                 </a:br>
                 <a:br>
-                  <a:rPr lang="ko-KR" altLang="en-US" sz="1000" dirty="0">
+                  <a:rPr lang="ko-KR" altLang="en-US" sz="1100" dirty="0">
                     <a:latin typeface="문화재돌봄체 Regular" panose="020B0000000000000000" pitchFamily="50" charset="-127"/>
                     <a:ea typeface="문화재돌봄체 Regular" panose="020B0000000000000000" pitchFamily="50" charset="-127"/>
                   </a:rPr>
                 </a:br>
                 <a:r>
-                  <a:rPr lang="ko-KR" altLang="en-US" sz="1000" b="0" i="0" dirty="0">
-                    <a:solidFill>
-                      <a:srgbClr val="000000"/>
-                    </a:solidFill>
-                    <a:effectLst/>
-                    <a:latin typeface="문화재돌봄체 Bold" panose="020B0000000000000000" pitchFamily="50" charset="-127"/>
-                    <a:ea typeface="문화재돌봄체 Bold" panose="020B0000000000000000" pitchFamily="50" charset="-127"/>
-                  </a:rPr>
-                  <a:t>잠재 수평 특징 추출</a:t>
-                </a:r>
-                <a:r>
-                  <a:rPr lang="en-US" altLang="ko-KR" sz="1000" b="0" i="0" dirty="0">
-                    <a:solidFill>
-                      <a:srgbClr val="000000"/>
-                    </a:solidFill>
-                    <a:effectLst/>
-                    <a:latin typeface="문화재돌봄체 Bold" panose="020B0000000000000000" pitchFamily="50" charset="-127"/>
-                    <a:ea typeface="문화재돌봄체 Bold" panose="020B0000000000000000" pitchFamily="50" charset="-127"/>
-                  </a:rPr>
-                  <a:t>(</a:t>
-                </a:r>
-                <a:r>
-                  <a:rPr lang="en-US" altLang="ko-KR" sz="1000" b="0" i="0" dirty="0" err="1">
-                    <a:solidFill>
-                      <a:srgbClr val="000000"/>
-                    </a:solidFill>
-                    <a:effectLst/>
-                    <a:latin typeface="문화재돌봄체 Bold" panose="020B0000000000000000" pitchFamily="50" charset="-127"/>
-                    <a:ea typeface="문화재돌봄체 Bold" panose="020B0000000000000000" pitchFamily="50" charset="-127"/>
-                  </a:rPr>
-                  <a:t>LHFeat</a:t>
-                </a:r>
-                <a:r>
-                  <a:rPr lang="en-US" altLang="ko-KR" sz="1000" b="0" i="0" dirty="0">
-                    <a:solidFill>
-                      <a:srgbClr val="000000"/>
-                    </a:solidFill>
-                    <a:effectLst/>
-                    <a:latin typeface="문화재돌봄체 Bold" panose="020B0000000000000000" pitchFamily="50" charset="-127"/>
-                    <a:ea typeface="문화재돌봄체 Bold" panose="020B0000000000000000" pitchFamily="50" charset="-127"/>
-                  </a:rPr>
-                  <a:t>).</a:t>
-                </a:r>
-                <a:br>
-                  <a:rPr lang="ko-KR" altLang="en-US" sz="1000" dirty="0">
-                    <a:latin typeface="문화재돌봄체 Regular" panose="020B0000000000000000" pitchFamily="50" charset="-127"/>
-                    <a:ea typeface="문화재돌봄체 Regular" panose="020B0000000000000000" pitchFamily="50" charset="-127"/>
-                  </a:rPr>
-                </a:br>
-                <a:r>
-                  <a:rPr lang="ko-KR" altLang="en-US" sz="1000" b="0" i="0" dirty="0">
-                    <a:solidFill>
-                      <a:srgbClr val="000000"/>
-                    </a:solidFill>
-                    <a:effectLst/>
-                    <a:latin typeface="문화재돌봄체 Regular" panose="020B0000000000000000" pitchFamily="50" charset="-127"/>
-                    <a:ea typeface="문화재돌봄체 Regular" panose="020B0000000000000000" pitchFamily="50" charset="-127"/>
-                  </a:rPr>
-                  <a:t>백본의 특징 피라미드에서 </a:t>
-                </a:r>
-                <a:r>
-                  <a:rPr lang="en-US" altLang="ko-KR" sz="1000" b="0" i="0" dirty="0" err="1">
-                    <a:solidFill>
-                      <a:srgbClr val="000000"/>
-                    </a:solidFill>
-                    <a:effectLst/>
-                    <a:latin typeface="문화재돌봄체 Regular" panose="020B0000000000000000" pitchFamily="50" charset="-127"/>
-                    <a:ea typeface="문화재돌봄체 Regular" panose="020B0000000000000000" pitchFamily="50" charset="-127"/>
-                  </a:rPr>
-                  <a:t>LHFeat</a:t>
-                </a:r>
-                <a:r>
-                  <a:rPr lang="en-US" altLang="ko-KR" sz="1000" b="0" i="0" dirty="0">
-                    <a:solidFill>
-                      <a:srgbClr val="000000"/>
-                    </a:solidFill>
-                    <a:effectLst/>
-                    <a:latin typeface="문화재돌봄체 Regular" panose="020B0000000000000000" pitchFamily="50" charset="-127"/>
-                    <a:ea typeface="문화재돌봄체 Regular" panose="020B0000000000000000" pitchFamily="50" charset="-127"/>
-                  </a:rPr>
-                  <a:t> RD×W1</a:t>
-                </a:r>
-                <a:r>
-                  <a:rPr lang="ko-KR" altLang="en-US" sz="1000" b="0" i="0" dirty="0">
-                    <a:solidFill>
-                      <a:srgbClr val="000000"/>
-                    </a:solidFill>
-                    <a:effectLst/>
-                    <a:latin typeface="문화재돌봄체 Regular" panose="020B0000000000000000" pitchFamily="50" charset="-127"/>
-                    <a:ea typeface="문화재돌봄체 Regular" panose="020B0000000000000000" pitchFamily="50" charset="-127"/>
-                  </a:rPr>
-                  <a:t>을 추출하기 위한 효율적인 높이 압축 모듈을 제안한다</a:t>
-                </a:r>
-                <a:r>
-                  <a:rPr lang="en-US" altLang="ko-KR" sz="1000" b="0" i="0" dirty="0">
-                    <a:solidFill>
-                      <a:srgbClr val="000000"/>
-                    </a:solidFill>
-                    <a:effectLst/>
-                    <a:latin typeface="문화재돌봄체 Regular" panose="020B0000000000000000" pitchFamily="50" charset="-127"/>
-                    <a:ea typeface="문화재돌봄체 Regular" panose="020B0000000000000000" pitchFamily="50" charset="-127"/>
-                  </a:rPr>
-                  <a:t>.</a:t>
-                </a:r>
-                <a:br>
-                  <a:rPr lang="ko-KR" altLang="en-US" sz="1000" dirty="0">
-                    <a:latin typeface="문화재돌봄체 Regular" panose="020B0000000000000000" pitchFamily="50" charset="-127"/>
-                    <a:ea typeface="문화재돌봄체 Regular" panose="020B0000000000000000" pitchFamily="50" charset="-127"/>
-                  </a:rPr>
-                </a:br>
-                <a:br>
-                  <a:rPr lang="ko-KR" altLang="en-US" sz="1000" dirty="0">
-                    <a:latin typeface="문화재돌봄체 Regular" panose="020B0000000000000000" pitchFamily="50" charset="-127"/>
-                    <a:ea typeface="문화재돌봄체 Regular" panose="020B0000000000000000" pitchFamily="50" charset="-127"/>
-                  </a:rPr>
-                </a:br>
-                <a:r>
-                  <a:rPr lang="ko-KR" altLang="en-US" sz="1000" b="0" i="0" dirty="0">
-                    <a:solidFill>
-                      <a:srgbClr val="000000"/>
-                    </a:solidFill>
-                    <a:effectLst/>
-                    <a:latin typeface="문화재돌봄체 Regular" panose="020B0000000000000000" pitchFamily="50" charset="-127"/>
-                    <a:ea typeface="문화재돌봄체 Regular" panose="020B0000000000000000" pitchFamily="50" charset="-127"/>
-                  </a:rPr>
-                  <a:t>우리는 </a:t>
-                </a:r>
-                <a:r>
-                  <a:rPr lang="en-US" altLang="ko-KR" sz="1000" b="0" i="0" dirty="0">
-                    <a:solidFill>
-                      <a:srgbClr val="000000"/>
-                    </a:solidFill>
-                    <a:effectLst/>
-                    <a:latin typeface="문화재돌봄체 Regular" panose="020B0000000000000000" pitchFamily="50" charset="-127"/>
-                    <a:ea typeface="문화재돌봄체 Regular" panose="020B0000000000000000" pitchFamily="50" charset="-127"/>
-                  </a:rPr>
-                  <a:t>3.2</a:t>
-                </a:r>
-                <a:r>
-                  <a:rPr lang="ko-KR" altLang="en-US" sz="1000" b="0" i="0" dirty="0">
-                    <a:solidFill>
-                      <a:srgbClr val="000000"/>
-                    </a:solidFill>
-                    <a:effectLst/>
-                    <a:latin typeface="문화재돌봄체 Regular" panose="020B0000000000000000" pitchFamily="50" charset="-127"/>
-                    <a:ea typeface="문화재돌봄체 Regular" panose="020B0000000000000000" pitchFamily="50" charset="-127"/>
-                  </a:rPr>
-                  <a:t>절에 </a:t>
-                </a:r>
-                <a:r>
-                  <a:rPr lang="en-US" altLang="ko-KR" sz="1000" b="0" i="0" dirty="0">
-                    <a:solidFill>
-                      <a:srgbClr val="000000"/>
-                    </a:solidFill>
-                    <a:effectLst/>
-                    <a:latin typeface="문화재돌봄체 Regular" panose="020B0000000000000000" pitchFamily="50" charset="-127"/>
-                    <a:ea typeface="문화재돌봄체 Regular" panose="020B0000000000000000" pitchFamily="50" charset="-127"/>
-                  </a:rPr>
-                  <a:t>EHC </a:t>
-                </a:r>
-                <a:r>
-                  <a:rPr lang="ko-KR" altLang="en-US" sz="1000" b="0" i="0" dirty="0">
-                    <a:solidFill>
-                      <a:srgbClr val="000000"/>
-                    </a:solidFill>
-                    <a:effectLst/>
-                    <a:latin typeface="문화재돌봄체 Regular" panose="020B0000000000000000" pitchFamily="50" charset="-127"/>
-                    <a:ea typeface="문화재돌봄체 Regular" panose="020B0000000000000000" pitchFamily="50" charset="-127"/>
-                  </a:rPr>
-                  <a:t>모듈을 자세히 설명한다</a:t>
-                </a:r>
-                <a:r>
-                  <a:rPr lang="en-US" altLang="ko-KR" sz="1000" b="0" i="0" dirty="0">
-                    <a:solidFill>
-                      <a:srgbClr val="000000"/>
-                    </a:solidFill>
-                    <a:effectLst/>
-                    <a:latin typeface="문화재돌봄체 Regular" panose="020B0000000000000000" pitchFamily="50" charset="-127"/>
-                    <a:ea typeface="문화재돌봄체 Regular" panose="020B0000000000000000" pitchFamily="50" charset="-127"/>
-                  </a:rPr>
-                  <a:t>.</a:t>
-                </a:r>
-                <a:br>
-                  <a:rPr lang="ko-KR" altLang="en-US" sz="1000" dirty="0">
-                    <a:latin typeface="문화재돌봄체 Regular" panose="020B0000000000000000" pitchFamily="50" charset="-127"/>
-                    <a:ea typeface="문화재돌봄체 Regular" panose="020B0000000000000000" pitchFamily="50" charset="-127"/>
-                  </a:rPr>
-                </a:br>
-                <a:br>
-                  <a:rPr lang="ko-KR" altLang="en-US" sz="1000" dirty="0">
-                    <a:latin typeface="문화재돌봄체 Regular" panose="020B0000000000000000" pitchFamily="50" charset="-127"/>
-                    <a:ea typeface="문화재돌봄체 Regular" panose="020B0000000000000000" pitchFamily="50" charset="-127"/>
-                  </a:rPr>
-                </a:br>
-                <a:r>
-                  <a:rPr lang="ko-KR" altLang="en-US" sz="1000" b="0" i="0" dirty="0">
+                  <a:rPr lang="ko-KR" altLang="en-US" sz="1100" b="0" i="0" dirty="0">
                     <a:solidFill>
                       <a:srgbClr val="000000"/>
                     </a:solidFill>
@@ -14373,7 +14508,7 @@
                   <a:t>양식 예측</a:t>
                 </a:r>
                 <a:r>
-                  <a:rPr lang="en-US" altLang="ko-KR" sz="1000" b="0" i="0" dirty="0">
+                  <a:rPr lang="en-US" altLang="ko-KR" sz="1100" b="0" i="0" dirty="0">
                     <a:solidFill>
                       <a:srgbClr val="000000"/>
                     </a:solidFill>
@@ -14391,7 +14526,7 @@
                   </a:lnSpc>
                 </a:pPr>
                 <a:r>
-                  <a:rPr lang="ko-KR" altLang="en-US" sz="1000" b="0" i="0" dirty="0">
+                  <a:rPr lang="ko-KR" altLang="en-US" sz="1100" b="0" i="0" dirty="0">
                     <a:solidFill>
                       <a:srgbClr val="000000"/>
                     </a:solidFill>
@@ -14402,7 +14537,7 @@
                   <a:t>본 연구에서는 </a:t>
                 </a:r>
                 <a:r>
-                  <a:rPr lang="en-US" altLang="ko-KR" sz="1000" b="0" i="0" dirty="0">
+                  <a:rPr lang="en-US" altLang="ko-KR" sz="1100" b="0" i="0" dirty="0">
                     <a:solidFill>
                       <a:srgbClr val="000000"/>
                     </a:solidFill>
@@ -14413,7 +14548,7 @@
                   <a:t>N</a:t>
                 </a:r>
                 <a:r>
-                  <a:rPr lang="ko-KR" altLang="en-US" sz="1000" b="0" i="0" dirty="0">
+                  <a:rPr lang="ko-KR" altLang="en-US" sz="1100" b="0" i="0" dirty="0">
                     <a:solidFill>
                       <a:srgbClr val="000000"/>
                     </a:solidFill>
@@ -14424,7 +14559,7 @@
                   <a:t>을 사용하여 작업의 대상 채널 수를 나타낸다</a:t>
                 </a:r>
                 <a:r>
-                  <a:rPr lang="en-US" altLang="ko-KR" sz="1000" b="0" i="0" dirty="0">
+                  <a:rPr lang="en-US" altLang="ko-KR" sz="1100" b="0" i="0" dirty="0">
                     <a:solidFill>
                       <a:srgbClr val="000000"/>
                     </a:solidFill>
@@ -14435,7 +14570,7 @@
                   <a:t>(</a:t>
                 </a:r>
                 <a:r>
-                  <a:rPr lang="ko-KR" altLang="en-US" sz="1000" b="0" i="0" dirty="0">
+                  <a:rPr lang="ko-KR" altLang="en-US" sz="1100" b="0" i="0" dirty="0">
                     <a:solidFill>
                       <a:srgbClr val="000000"/>
                     </a:solidFill>
@@ -14446,7 +14581,7 @@
                   <a:t>예</a:t>
                 </a:r>
                 <a:r>
-                  <a:rPr lang="en-US" altLang="ko-KR" sz="1000" b="0" i="0" dirty="0">
+                  <a:rPr lang="en-US" altLang="ko-KR" sz="1100" b="0" i="0" dirty="0">
                     <a:solidFill>
                       <a:srgbClr val="000000"/>
                     </a:solidFill>
@@ -14457,7 +14592,7 @@
                   <a:t>: N</a:t>
                 </a:r>
                 <a:r>
-                  <a:rPr lang="ko-KR" altLang="en-US" sz="1000" b="0" i="0" dirty="0">
+                  <a:rPr lang="ko-KR" altLang="en-US" sz="1100" b="0" i="0" dirty="0">
                     <a:solidFill>
                       <a:srgbClr val="000000"/>
                     </a:solidFill>
@@ -14468,7 +14603,7 @@
                   <a:t>은 깊이 추정을 위해 </a:t>
                 </a:r>
                 <a:r>
-                  <a:rPr lang="en-US" altLang="ko-KR" sz="1000" b="0" i="0" dirty="0">
+                  <a:rPr lang="en-US" altLang="ko-KR" sz="1100" b="0" i="0" dirty="0">
                     <a:solidFill>
                       <a:srgbClr val="000000"/>
                     </a:solidFill>
@@ -14479,7 +14614,7 @@
                   <a:t>1</a:t>
                 </a:r>
                 <a:r>
-                  <a:rPr lang="ko-KR" altLang="en-US" sz="1000" b="0" i="0" dirty="0">
+                  <a:rPr lang="ko-KR" altLang="en-US" sz="1100" b="0" i="0" dirty="0">
                     <a:solidFill>
                       <a:srgbClr val="000000"/>
                     </a:solidFill>
@@ -14490,7 +14625,7 @@
                   <a:t>로 설정되고 의미론적 세분화를 위한 클래스 수로 설정된다</a:t>
                 </a:r>
                 <a:r>
-                  <a:rPr lang="en-US" altLang="ko-KR" sz="1000" b="0" i="0" dirty="0">
+                  <a:rPr lang="en-US" altLang="ko-KR" sz="1100" b="0" i="0" dirty="0">
                     <a:solidFill>
                       <a:srgbClr val="000000"/>
                     </a:solidFill>
@@ -14500,394 +14635,845 @@
                   </a:rPr>
                   <a:t>).</a:t>
                 </a:r>
+              </a:p>
+              <a:p>
+                <a:pPr>
+                  <a:lnSpc>
+                    <a:spcPct val="150000"/>
+                  </a:lnSpc>
+                </a:pPr>
                 <a:br>
-                  <a:rPr lang="ko-KR" altLang="en-US" sz="1000" dirty="0">
-                    <a:latin typeface="문화재돌봄체 Regular" panose="020B0000000000000000" pitchFamily="50" charset="-127"/>
-                    <a:ea typeface="문화재돌봄체 Regular" panose="020B0000000000000000" pitchFamily="50" charset="-127"/>
-                  </a:rPr>
-                </a:br>
-                <a:br>
-                  <a:rPr lang="ko-KR" altLang="en-US" sz="1000" dirty="0">
+                  <a:rPr lang="ko-KR" altLang="en-US" sz="1100" dirty="0">
                     <a:latin typeface="문화재돌봄체 Regular" panose="020B0000000000000000" pitchFamily="50" charset="-127"/>
                     <a:ea typeface="문화재돌봄체 Regular" panose="020B0000000000000000" pitchFamily="50" charset="-127"/>
                   </a:rPr>
                 </a:br>
                 <a:r>
-                  <a:rPr lang="en-US" altLang="ko-KR" sz="1000" b="0" i="0" dirty="0" err="1">
+                  <a:rPr lang="en-US" altLang="ko-KR" sz="1100" dirty="0">
+                    <a:effectLst>
+                      <a:outerShdw blurRad="50800" dist="38100" dir="2700000" algn="tl" rotWithShape="0">
+                        <a:srgbClr val="EED36A"/>
+                      </a:outerShdw>
+                    </a:effectLst>
+                    <a:latin typeface="문화재돌봄체 Regular" panose="020B0000000000000000" pitchFamily="50" charset="-127"/>
+                    <a:ea typeface="문화재돌봄체 Regular" panose="020B0000000000000000" pitchFamily="50" charset="-127"/>
+                  </a:rPr>
+                  <a:t>3.3</a:t>
+                </a:r>
+                <a:r>
+                  <a:rPr lang="ko-KR" altLang="en-US" sz="1100" dirty="0">
+                    <a:effectLst>
+                      <a:outerShdw blurRad="50800" dist="38100" dir="2700000" algn="tl" rotWithShape="0">
+                        <a:srgbClr val="EED36A"/>
+                      </a:outerShdw>
+                    </a:effectLst>
+                    <a:latin typeface="문화재돌봄체 Regular" panose="020B0000000000000000" pitchFamily="50" charset="-127"/>
+                    <a:ea typeface="문화재돌봄체 Regular" panose="020B0000000000000000" pitchFamily="50" charset="-127"/>
+                  </a:rPr>
+                  <a:t>절에서 </a:t>
+                </a:r>
+                <a:r>
+                  <a:rPr lang="en-US" altLang="ko-KR" sz="1100" b="0" i="0" dirty="0" err="1">
                     <a:solidFill>
                       <a:srgbClr val="000000"/>
                     </a:solidFill>
-                    <a:effectLst/>
+                    <a:effectLst>
+                      <a:outerShdw blurRad="50800" dist="38100" dir="2700000" algn="tl" rotWithShape="0">
+                        <a:srgbClr val="EED36A"/>
+                      </a:outerShdw>
+                    </a:effectLst>
                     <a:latin typeface="문화재돌봄체 Regular" panose="020B0000000000000000" pitchFamily="50" charset="-127"/>
                     <a:ea typeface="문화재돌봄체 Regular" panose="020B0000000000000000" pitchFamily="50" charset="-127"/>
                   </a:rPr>
                   <a:t>LHFeat</a:t>
                 </a:r>
                 <a:r>
-                  <a:rPr lang="en-US" altLang="ko-KR" sz="1000" b="0" i="0" dirty="0">
+                  <a:rPr lang="en-US" altLang="ko-KR" sz="1100" b="0" i="0" dirty="0">
                     <a:solidFill>
                       <a:srgbClr val="000000"/>
                     </a:solidFill>
-                    <a:effectLst/>
+                    <a:effectLst>
+                      <a:outerShdw blurRad="50800" dist="38100" dir="2700000" algn="tl" rotWithShape="0">
+                        <a:srgbClr val="EED36A"/>
+                      </a:outerShdw>
+                    </a:effectLst>
                     <a:latin typeface="문화재돌봄체 Regular" panose="020B0000000000000000" pitchFamily="50" charset="-127"/>
                     <a:ea typeface="문화재돌봄체 Regular" panose="020B0000000000000000" pitchFamily="50" charset="-127"/>
                   </a:rPr>
-                  <a:t> RD×W1</a:t>
+                  <a:t> </a:t>
                 </a:r>
+                <a14:m>
+                  <m:oMath xmlns:m="http://schemas.openxmlformats.org/officeDocument/2006/math">
+                    <m:sSup>
+                      <m:sSupPr>
+                        <m:ctrlPr>
+                          <a:rPr lang="en-US" altLang="ko-KR" sz="1100" b="0" i="1" smtClean="0">
+                            <a:solidFill>
+                              <a:srgbClr val="000000"/>
+                            </a:solidFill>
+                            <a:effectLst>
+                              <a:outerShdw blurRad="50800" dist="38100" dir="2700000" algn="tl" rotWithShape="0">
+                                <a:srgbClr val="EED36A"/>
+                              </a:outerShdw>
+                            </a:effectLst>
+                            <a:latin typeface="Cambria Math" panose="02040503050406030204" pitchFamily="18" charset="0"/>
+                            <a:ea typeface="문화재돌봄체 Regular" panose="020B0000000000000000" pitchFamily="50" charset="-127"/>
+                          </a:rPr>
+                        </m:ctrlPr>
+                      </m:sSupPr>
+                      <m:e>
+                        <m:r>
+                          <a:rPr lang="en-US" altLang="ko-KR" sz="1100" b="0" i="1" smtClean="0">
+                            <a:solidFill>
+                              <a:srgbClr val="000000"/>
+                            </a:solidFill>
+                            <a:effectLst>
+                              <a:outerShdw blurRad="50800" dist="38100" dir="2700000" algn="tl" rotWithShape="0">
+                                <a:srgbClr val="EED36A"/>
+                              </a:outerShdw>
+                            </a:effectLst>
+                            <a:latin typeface="Cambria Math" panose="02040503050406030204" pitchFamily="18" charset="0"/>
+                            <a:ea typeface="문화재돌봄체 Regular" panose="020B0000000000000000" pitchFamily="50" charset="-127"/>
+                          </a:rPr>
+                          <m:t>𝑅</m:t>
+                        </m:r>
+                      </m:e>
+                      <m:sup>
+                        <m:r>
+                          <a:rPr lang="en-US" altLang="ko-KR" sz="1100" b="0" i="1" smtClean="0">
+                            <a:solidFill>
+                              <a:srgbClr val="000000"/>
+                            </a:solidFill>
+                            <a:effectLst>
+                              <a:outerShdw blurRad="50800" dist="38100" dir="2700000" algn="tl" rotWithShape="0">
+                                <a:srgbClr val="EED36A"/>
+                              </a:outerShdw>
+                            </a:effectLst>
+                            <a:latin typeface="Cambria Math" panose="02040503050406030204" pitchFamily="18" charset="0"/>
+                            <a:ea typeface="문화재돌봄체 Regular" panose="020B0000000000000000" pitchFamily="50" charset="-127"/>
+                          </a:rPr>
+                          <m:t>𝐷</m:t>
+                        </m:r>
+                        <m:r>
+                          <a:rPr lang="en-US" altLang="ko-KR" sz="1100" b="0" i="1" smtClean="0">
+                            <a:solidFill>
+                              <a:srgbClr val="000000"/>
+                            </a:solidFill>
+                            <a:effectLst>
+                              <a:outerShdw blurRad="50800" dist="38100" dir="2700000" algn="tl" rotWithShape="0">
+                                <a:srgbClr val="EED36A"/>
+                              </a:outerShdw>
+                            </a:effectLst>
+                            <a:latin typeface="Cambria Math" panose="02040503050406030204" pitchFamily="18" charset="0"/>
+                            <a:ea typeface="Cambria Math" panose="02040503050406030204" pitchFamily="18" charset="0"/>
+                          </a:rPr>
+                          <m:t>×</m:t>
+                        </m:r>
+                        <m:sSub>
+                          <m:sSubPr>
+                            <m:ctrlPr>
+                              <a:rPr lang="en-US" altLang="ko-KR" sz="1100" b="0" i="1" smtClean="0">
+                                <a:solidFill>
+                                  <a:srgbClr val="000000"/>
+                                </a:solidFill>
+                                <a:effectLst>
+                                  <a:outerShdw blurRad="50800" dist="38100" dir="2700000" algn="tl" rotWithShape="0">
+                                    <a:srgbClr val="EED36A"/>
+                                  </a:outerShdw>
+                                </a:effectLst>
+                                <a:latin typeface="Cambria Math" panose="02040503050406030204" pitchFamily="18" charset="0"/>
+                                <a:ea typeface="Cambria Math" panose="02040503050406030204" pitchFamily="18" charset="0"/>
+                              </a:rPr>
+                            </m:ctrlPr>
+                          </m:sSubPr>
+                          <m:e>
+                            <m:r>
+                              <a:rPr lang="en-US" altLang="ko-KR" sz="1100" b="0" i="1" smtClean="0">
+                                <a:solidFill>
+                                  <a:srgbClr val="000000"/>
+                                </a:solidFill>
+                                <a:effectLst>
+                                  <a:outerShdw blurRad="50800" dist="38100" dir="2700000" algn="tl" rotWithShape="0">
+                                    <a:srgbClr val="EED36A"/>
+                                  </a:outerShdw>
+                                </a:effectLst>
+                                <a:latin typeface="Cambria Math" panose="02040503050406030204" pitchFamily="18" charset="0"/>
+                                <a:ea typeface="Cambria Math" panose="02040503050406030204" pitchFamily="18" charset="0"/>
+                              </a:rPr>
+                              <m:t>𝑊</m:t>
+                            </m:r>
+                          </m:e>
+                          <m:sub>
+                            <m:r>
+                              <a:rPr lang="en-US" altLang="ko-KR" sz="1100" b="0" i="1" smtClean="0">
+                                <a:solidFill>
+                                  <a:srgbClr val="000000"/>
+                                </a:solidFill>
+                                <a:effectLst>
+                                  <a:outerShdw blurRad="50800" dist="38100" dir="2700000" algn="tl" rotWithShape="0">
+                                    <a:srgbClr val="EED36A"/>
+                                  </a:outerShdw>
+                                </a:effectLst>
+                                <a:latin typeface="Cambria Math" panose="02040503050406030204" pitchFamily="18" charset="0"/>
+                                <a:ea typeface="Cambria Math" panose="02040503050406030204" pitchFamily="18" charset="0"/>
+                              </a:rPr>
+                              <m:t>1</m:t>
+                            </m:r>
+                          </m:sub>
+                        </m:sSub>
+                      </m:sup>
+                    </m:sSup>
+                    <m:r>
+                      <a:rPr lang="en-US" altLang="ko-KR" sz="1100" b="0" i="1" smtClean="0">
+                        <a:solidFill>
+                          <a:srgbClr val="000000"/>
+                        </a:solidFill>
+                        <a:effectLst>
+                          <a:outerShdw blurRad="50800" dist="38100" dir="2700000" algn="tl" rotWithShape="0">
+                            <a:srgbClr val="EED36A"/>
+                          </a:outerShdw>
+                        </a:effectLst>
+                        <a:latin typeface="Cambria Math" panose="02040503050406030204" pitchFamily="18" charset="0"/>
+                        <a:ea typeface="Cambria Math" panose="02040503050406030204" pitchFamily="18" charset="0"/>
+                      </a:rPr>
+                      <m:t> </m:t>
+                    </m:r>
+                  </m:oMath>
+                </a14:m>
                 <a:r>
-                  <a:rPr lang="ko-KR" altLang="en-US" sz="1000" b="0" i="0" dirty="0">
+                  <a:rPr lang="ko-KR" altLang="en-US" sz="1100" b="0" i="0" dirty="0">
                     <a:solidFill>
                       <a:srgbClr val="000000"/>
                     </a:solidFill>
-                    <a:effectLst/>
+                    <a:effectLst>
+                      <a:outerShdw blurRad="50800" dist="38100" dir="2700000" algn="tl" rotWithShape="0">
+                        <a:srgbClr val="EED36A"/>
+                      </a:outerShdw>
+                    </a:effectLst>
                     <a:latin typeface="문화재돌봄체 Regular" panose="020B0000000000000000" pitchFamily="50" charset="-127"/>
                     <a:ea typeface="문화재돌봄체 Regular" panose="020B0000000000000000" pitchFamily="50" charset="-127"/>
                   </a:rPr>
                   <a:t>이 주어졌을 때 </a:t>
                 </a:r>
                 <a:r>
-                  <a:rPr lang="en-US" altLang="ko-KR" sz="1000" b="0" i="0" dirty="0" err="1">
+                  <a:rPr lang="en-US" altLang="ko-KR" sz="1100" b="0" i="0" dirty="0" err="1">
                     <a:solidFill>
                       <a:srgbClr val="000000"/>
                     </a:solidFill>
-                    <a:effectLst/>
+                    <a:effectLst>
+                      <a:outerShdw blurRad="50800" dist="38100" dir="2700000" algn="tl" rotWithShape="0">
+                        <a:srgbClr val="EED36A"/>
+                      </a:outerShdw>
+                    </a:effectLst>
                     <a:latin typeface="문화재돌봄체 Regular" panose="020B0000000000000000" pitchFamily="50" charset="-127"/>
                     <a:ea typeface="문화재돌봄체 Regular" panose="020B0000000000000000" pitchFamily="50" charset="-127"/>
                   </a:rPr>
                   <a:t>HoHoNet</a:t>
                 </a:r>
                 <a:r>
-                  <a:rPr lang="ko-KR" altLang="en-US" sz="1000" b="0" i="0" dirty="0">
+                  <a:rPr lang="ko-KR" altLang="en-US" sz="1100" b="0" i="0" dirty="0">
                     <a:solidFill>
                       <a:srgbClr val="000000"/>
                     </a:solidFill>
-                    <a:effectLst/>
+                    <a:effectLst>
+                      <a:outerShdw blurRad="50800" dist="38100" dir="2700000" algn="tl" rotWithShape="0">
+                        <a:srgbClr val="EED36A"/>
+                      </a:outerShdw>
+                    </a:effectLst>
                     <a:latin typeface="문화재돌봄체 Regular" panose="020B0000000000000000" pitchFamily="50" charset="-127"/>
                     <a:ea typeface="문화재돌봄체 Regular" panose="020B0000000000000000" pitchFamily="50" charset="-127"/>
                   </a:rPr>
                   <a:t>이 어떻게 </a:t>
                 </a:r>
                 <a:r>
-                  <a:rPr lang="en-US" altLang="ko-KR" sz="1000" b="0" i="0" dirty="0">
+                  <a:rPr lang="en-US" altLang="ko-KR" sz="1100" b="0" i="0" dirty="0">
                     <a:solidFill>
                       <a:srgbClr val="000000"/>
                     </a:solidFill>
-                    <a:effectLst/>
+                    <a:effectLst>
+                      <a:outerShdw blurRad="50800" dist="38100" dir="2700000" algn="tl" rotWithShape="0">
+                        <a:srgbClr val="EED36A"/>
+                      </a:outerShdw>
+                    </a:effectLst>
                     <a:latin typeface="문화재돌봄체 Regular" panose="020B0000000000000000" pitchFamily="50" charset="-127"/>
                     <a:ea typeface="문화재돌봄체 Regular" panose="020B0000000000000000" pitchFamily="50" charset="-127"/>
                   </a:rPr>
                   <a:t>1D </a:t>
                 </a:r>
                 <a:r>
-                  <a:rPr lang="ko-KR" altLang="en-US" sz="1000" b="0" i="0" dirty="0">
+                  <a:rPr lang="en-US" altLang="ko-KR" sz="1100" dirty="0">
                     <a:solidFill>
                       <a:srgbClr val="000000"/>
                     </a:solidFill>
-                    <a:effectLst/>
+                    <a:effectLst>
+                      <a:outerShdw blurRad="50800" dist="38100" dir="2700000" algn="tl" rotWithShape="0">
+                        <a:srgbClr val="EED36A"/>
+                      </a:outerShdw>
+                    </a:effectLst>
                     <a:latin typeface="문화재돌봄체 Regular" panose="020B0000000000000000" pitchFamily="50" charset="-127"/>
                     <a:ea typeface="문화재돌봄체 Regular" panose="020B0000000000000000" pitchFamily="50" charset="-127"/>
                   </a:rPr>
-                  <a:t>출력 </a:t>
+                  <a:t>output </a:t>
                 </a:r>
+                <a14:m>
+                  <m:oMath xmlns:m="http://schemas.openxmlformats.org/officeDocument/2006/math">
+                    <m:sSup>
+                      <m:sSupPr>
+                        <m:ctrlPr>
+                          <a:rPr lang="en-US" altLang="ko-KR" sz="1100" i="1">
+                            <a:solidFill>
+                              <a:srgbClr val="000000"/>
+                            </a:solidFill>
+                            <a:effectLst>
+                              <a:outerShdw blurRad="50800" dist="38100" dir="2700000" algn="tl" rotWithShape="0">
+                                <a:srgbClr val="EED36A"/>
+                              </a:outerShdw>
+                            </a:effectLst>
+                            <a:latin typeface="Cambria Math" panose="02040503050406030204" pitchFamily="18" charset="0"/>
+                            <a:ea typeface="문화재돌봄체 Regular" panose="020B0000000000000000" pitchFamily="50" charset="-127"/>
+                          </a:rPr>
+                        </m:ctrlPr>
+                      </m:sSupPr>
+                      <m:e>
+                        <m:r>
+                          <a:rPr lang="en-US" altLang="ko-KR" sz="1100" i="1">
+                            <a:solidFill>
+                              <a:srgbClr val="000000"/>
+                            </a:solidFill>
+                            <a:effectLst>
+                              <a:outerShdw blurRad="50800" dist="38100" dir="2700000" algn="tl" rotWithShape="0">
+                                <a:srgbClr val="EED36A"/>
+                              </a:outerShdw>
+                            </a:effectLst>
+                            <a:latin typeface="Cambria Math" panose="02040503050406030204" pitchFamily="18" charset="0"/>
+                            <a:ea typeface="문화재돌봄체 Regular" panose="020B0000000000000000" pitchFamily="50" charset="-127"/>
+                          </a:rPr>
+                          <m:t>𝑅</m:t>
+                        </m:r>
+                      </m:e>
+                      <m:sup>
+                        <m:r>
+                          <a:rPr lang="en-US" altLang="ko-KR" sz="1100" i="1">
+                            <a:solidFill>
+                              <a:srgbClr val="000000"/>
+                            </a:solidFill>
+                            <a:effectLst>
+                              <a:outerShdw blurRad="50800" dist="38100" dir="2700000" algn="tl" rotWithShape="0">
+                                <a:srgbClr val="EED36A"/>
+                              </a:outerShdw>
+                            </a:effectLst>
+                            <a:latin typeface="Cambria Math" panose="02040503050406030204" pitchFamily="18" charset="0"/>
+                            <a:ea typeface="문화재돌봄체 Regular" panose="020B0000000000000000" pitchFamily="50" charset="-127"/>
+                          </a:rPr>
+                          <m:t>𝐷</m:t>
+                        </m:r>
+                        <m:r>
+                          <a:rPr lang="en-US" altLang="ko-KR" sz="1100" i="1">
+                            <a:solidFill>
+                              <a:srgbClr val="000000"/>
+                            </a:solidFill>
+                            <a:effectLst>
+                              <a:outerShdw blurRad="50800" dist="38100" dir="2700000" algn="tl" rotWithShape="0">
+                                <a:srgbClr val="EED36A"/>
+                              </a:outerShdw>
+                            </a:effectLst>
+                            <a:latin typeface="Cambria Math" panose="02040503050406030204" pitchFamily="18" charset="0"/>
+                            <a:ea typeface="Cambria Math" panose="02040503050406030204" pitchFamily="18" charset="0"/>
+                          </a:rPr>
+                          <m:t>×</m:t>
+                        </m:r>
+                        <m:sSub>
+                          <m:sSubPr>
+                            <m:ctrlPr>
+                              <a:rPr lang="en-US" altLang="ko-KR" sz="1100" i="1">
+                                <a:solidFill>
+                                  <a:srgbClr val="000000"/>
+                                </a:solidFill>
+                                <a:effectLst>
+                                  <a:outerShdw blurRad="50800" dist="38100" dir="2700000" algn="tl" rotWithShape="0">
+                                    <a:srgbClr val="EED36A"/>
+                                  </a:outerShdw>
+                                </a:effectLst>
+                                <a:latin typeface="Cambria Math" panose="02040503050406030204" pitchFamily="18" charset="0"/>
+                                <a:ea typeface="Cambria Math" panose="02040503050406030204" pitchFamily="18" charset="0"/>
+                              </a:rPr>
+                            </m:ctrlPr>
+                          </m:sSubPr>
+                          <m:e>
+                            <m:r>
+                              <a:rPr lang="en-US" altLang="ko-KR" sz="1100" i="1">
+                                <a:solidFill>
+                                  <a:srgbClr val="000000"/>
+                                </a:solidFill>
+                                <a:effectLst>
+                                  <a:outerShdw blurRad="50800" dist="38100" dir="2700000" algn="tl" rotWithShape="0">
+                                    <a:srgbClr val="EED36A"/>
+                                  </a:outerShdw>
+                                </a:effectLst>
+                                <a:latin typeface="Cambria Math" panose="02040503050406030204" pitchFamily="18" charset="0"/>
+                                <a:ea typeface="Cambria Math" panose="02040503050406030204" pitchFamily="18" charset="0"/>
+                              </a:rPr>
+                              <m:t>𝑊</m:t>
+                            </m:r>
+                          </m:e>
+                          <m:sub>
+                            <m:r>
+                              <a:rPr lang="en-US" altLang="ko-KR" sz="1100" b="0" i="1" smtClean="0">
+                                <a:solidFill>
+                                  <a:srgbClr val="000000"/>
+                                </a:solidFill>
+                                <a:effectLst>
+                                  <a:outerShdw blurRad="50800" dist="38100" dir="2700000" algn="tl" rotWithShape="0">
+                                    <a:srgbClr val="EED36A"/>
+                                  </a:outerShdw>
+                                </a:effectLst>
+                                <a:latin typeface="Cambria Math" panose="02040503050406030204" pitchFamily="18" charset="0"/>
+                                <a:ea typeface="Cambria Math" panose="02040503050406030204" pitchFamily="18" charset="0"/>
+                              </a:rPr>
+                              <m:t>𝑖𝑛𝑝</m:t>
+                            </m:r>
+                          </m:sub>
+                        </m:sSub>
+                      </m:sup>
+                    </m:sSup>
+                    <m:r>
+                      <a:rPr lang="en-US" altLang="ko-KR" sz="1100" i="1">
+                        <a:solidFill>
+                          <a:srgbClr val="000000"/>
+                        </a:solidFill>
+                        <a:effectLst>
+                          <a:outerShdw blurRad="50800" dist="38100" dir="2700000" algn="tl" rotWithShape="0">
+                            <a:srgbClr val="EED36A"/>
+                          </a:outerShdw>
+                        </a:effectLst>
+                        <a:latin typeface="Cambria Math" panose="02040503050406030204" pitchFamily="18" charset="0"/>
+                        <a:ea typeface="Cambria Math" panose="02040503050406030204" pitchFamily="18" charset="0"/>
+                      </a:rPr>
+                      <m:t> </m:t>
+                    </m:r>
+                  </m:oMath>
+                </a14:m>
                 <a:r>
-                  <a:rPr lang="en-US" altLang="ko-KR" sz="1000" b="0" i="0" dirty="0" err="1">
+                  <a:rPr lang="ko-KR" altLang="en-US" sz="1100" b="0" i="0" dirty="0">
                     <a:solidFill>
                       <a:srgbClr val="000000"/>
                     </a:solidFill>
-                    <a:effectLst/>
+                    <a:effectLst>
+                      <a:outerShdw blurRad="50800" dist="38100" dir="2700000" algn="tl" rotWithShape="0">
+                        <a:srgbClr val="EED36A"/>
+                      </a:outerShdw>
+                    </a:effectLst>
                     <a:latin typeface="문화재돌봄체 Regular" panose="020B0000000000000000" pitchFamily="50" charset="-127"/>
                     <a:ea typeface="문화재돌봄체 Regular" panose="020B0000000000000000" pitchFamily="50" charset="-127"/>
                   </a:rPr>
-                  <a:t>RN×Winp</a:t>
+                  <a:t>를 예측하는지 보여</a:t>
                 </a:r>
                 <a:r>
-                  <a:rPr lang="ko-KR" altLang="en-US" sz="1000" b="0" i="0" dirty="0">
+                  <a:rPr lang="ko-KR" altLang="en-US" sz="1100" dirty="0">
                     <a:solidFill>
                       <a:srgbClr val="000000"/>
                     </a:solidFill>
-                    <a:effectLst/>
+                    <a:effectLst>
+                      <a:outerShdw blurRad="50800" dist="38100" dir="2700000" algn="tl" rotWithShape="0">
+                        <a:srgbClr val="EED36A"/>
+                      </a:outerShdw>
+                    </a:effectLst>
                     <a:latin typeface="문화재돌봄체 Regular" panose="020B0000000000000000" pitchFamily="50" charset="-127"/>
                     <a:ea typeface="문화재돌봄체 Regular" panose="020B0000000000000000" pitchFamily="50" charset="-127"/>
                   </a:rPr>
-                  <a:t>를 예측하는지 보여줍니다</a:t>
+                  <a:t>준</a:t>
                 </a:r>
                 <a:r>
-                  <a:rPr lang="en-US" altLang="ko-KR" sz="1000" b="0" i="0" dirty="0">
+                  <a:rPr lang="ko-KR" altLang="en-US" sz="1100" b="0" i="0" dirty="0">
                     <a:solidFill>
                       <a:srgbClr val="000000"/>
                     </a:solidFill>
-                    <a:effectLst/>
+                    <a:effectLst>
+                      <a:outerShdw blurRad="50800" dist="38100" dir="2700000" algn="tl" rotWithShape="0">
+                        <a:srgbClr val="EED36A"/>
+                      </a:outerShdw>
+                    </a:effectLst>
+                    <a:latin typeface="문화재돌봄체 Regular" panose="020B0000000000000000" pitchFamily="50" charset="-127"/>
+                    <a:ea typeface="문화재돌봄체 Regular" panose="020B0000000000000000" pitchFamily="50" charset="-127"/>
+                  </a:rPr>
+                  <a:t>다</a:t>
+                </a:r>
+                <a:r>
+                  <a:rPr lang="en-US" altLang="ko-KR" sz="1100" b="0" i="0" dirty="0">
+                    <a:solidFill>
+                      <a:srgbClr val="000000"/>
+                    </a:solidFill>
+                    <a:effectLst>
+                      <a:outerShdw blurRad="50800" dist="38100" dir="2700000" algn="tl" rotWithShape="0">
+                        <a:srgbClr val="EED36A"/>
+                      </a:outerShdw>
+                    </a:effectLst>
                     <a:latin typeface="문화재돌봄체 Regular" panose="020B0000000000000000" pitchFamily="50" charset="-127"/>
                     <a:ea typeface="문화재돌봄체 Regular" panose="020B0000000000000000" pitchFamily="50" charset="-127"/>
                   </a:rPr>
                   <a:t>.</a:t>
                 </a:r>
                 <a:br>
-                  <a:rPr lang="ko-KR" altLang="en-US" sz="1000" dirty="0">
-                    <a:latin typeface="문화재돌봄체 Regular" panose="020B0000000000000000" pitchFamily="50" charset="-127"/>
-                    <a:ea typeface="문화재돌봄체 Regular" panose="020B0000000000000000" pitchFamily="50" charset="-127"/>
-                  </a:rPr>
-                </a:br>
-                <a:br>
-                  <a:rPr lang="ko-KR" altLang="en-US" sz="1000" dirty="0">
+                  <a:rPr lang="ko-KR" altLang="en-US" sz="1100" dirty="0">
+                    <a:effectLst>
+                      <a:outerShdw blurRad="50800" dist="38100" dir="2700000" algn="tl" rotWithShape="0">
+                        <a:srgbClr val="EED36A"/>
+                      </a:outerShdw>
+                    </a:effectLst>
                     <a:latin typeface="문화재돌봄체 Regular" panose="020B0000000000000000" pitchFamily="50" charset="-127"/>
                     <a:ea typeface="문화재돌봄체 Regular" panose="020B0000000000000000" pitchFamily="50" charset="-127"/>
                   </a:rPr>
                 </a:br>
                 <a:r>
-                  <a:rPr lang="en-US" altLang="ko-KR" sz="1000" b="0" i="0" dirty="0">
-                    <a:solidFill>
-                      <a:srgbClr val="000000"/>
-                    </a:solidFill>
-                    <a:effectLst/>
+                  <a:rPr lang="en-US" altLang="ko-KR" sz="1100" dirty="0">
+                    <a:effectLst>
+                      <a:outerShdw blurRad="50800" dist="38100" dir="2700000" algn="tl" rotWithShape="0">
+                        <a:srgbClr val="EED36A"/>
+                      </a:outerShdw>
+                    </a:effectLst>
                     <a:latin typeface="문화재돌봄체 Regular" panose="020B0000000000000000" pitchFamily="50" charset="-127"/>
                     <a:ea typeface="문화재돌봄체 Regular" panose="020B0000000000000000" pitchFamily="50" charset="-127"/>
                   </a:rPr>
-                  <a:t>3.3</a:t>
+                  <a:t>3.4</a:t>
                 </a:r>
                 <a:r>
-                  <a:rPr lang="ko-KR" altLang="en-US" sz="1000" b="0" i="0" dirty="0">
-                    <a:solidFill>
-                      <a:srgbClr val="000000"/>
-                    </a:solidFill>
-                    <a:effectLst/>
-                    <a:latin typeface="문화재돌봄체 Regular" panose="020B0000000000000000" pitchFamily="50" charset="-127"/>
-                    <a:ea typeface="문화재돌봄체 Regular" panose="020B0000000000000000" pitchFamily="50" charset="-127"/>
-                  </a:rPr>
-                  <a:t>절</a:t>
-                </a:r>
-                <a:r>
-                  <a:rPr lang="en-US" altLang="ko-KR" sz="1000" b="0" i="0" dirty="0">
-                    <a:solidFill>
-                      <a:srgbClr val="000000"/>
-                    </a:solidFill>
-                    <a:effectLst/>
-                    <a:latin typeface="문화재돌봄체 Regular" panose="020B0000000000000000" pitchFamily="50" charset="-127"/>
-                    <a:ea typeface="문화재돌봄체 Regular" panose="020B0000000000000000" pitchFamily="50" charset="-127"/>
-                  </a:rPr>
-                  <a:t>. 3.4</a:t>
-                </a:r>
-                <a:r>
-                  <a:rPr lang="ko-KR" altLang="en-US" sz="1000" b="0" i="0" dirty="0">
-                    <a:solidFill>
-                      <a:srgbClr val="000000"/>
-                    </a:solidFill>
-                    <a:effectLst/>
+                  <a:rPr lang="ko-KR" altLang="en-US" sz="1100" dirty="0">
+                    <a:effectLst>
+                      <a:outerShdw blurRad="50800" dist="38100" dir="2700000" algn="tl" rotWithShape="0">
+                        <a:srgbClr val="EED36A"/>
+                      </a:outerShdw>
+                    </a:effectLst>
                     <a:latin typeface="문화재돌봄체 Regular" panose="020B0000000000000000" pitchFamily="50" charset="-127"/>
                     <a:ea typeface="문화재돌봄체 Regular" panose="020B0000000000000000" pitchFamily="50" charset="-127"/>
                   </a:rPr>
                   <a:t>절에서</a:t>
                 </a:r>
                 <a:r>
-                  <a:rPr lang="en-US" altLang="ko-KR" sz="1000" b="0" i="0" dirty="0">
-                    <a:solidFill>
-                      <a:srgbClr val="000000"/>
-                    </a:solidFill>
-                    <a:effectLst/>
+                  <a:rPr lang="en-US" altLang="ko-KR" sz="1100" dirty="0">
+                    <a:effectLst>
+                      <a:outerShdw blurRad="50800" dist="38100" dir="2700000" algn="tl" rotWithShape="0">
+                        <a:srgbClr val="EED36A"/>
+                      </a:outerShdw>
+                    </a:effectLst>
                     <a:latin typeface="문화재돌봄체 Regular" panose="020B0000000000000000" pitchFamily="50" charset="-127"/>
                     <a:ea typeface="문화재돌봄체 Regular" panose="020B0000000000000000" pitchFamily="50" charset="-127"/>
                   </a:rPr>
                   <a:t>, </a:t>
                 </a:r>
                 <a:r>
-                  <a:rPr lang="ko-KR" altLang="en-US" sz="1000" b="0" i="0" dirty="0">
-                    <a:solidFill>
-                      <a:srgbClr val="000000"/>
-                    </a:solidFill>
-                    <a:effectLst/>
+                  <a:rPr lang="ko-KR" altLang="en-US" sz="1100" dirty="0">
+                    <a:effectLst>
+                      <a:outerShdw blurRad="50800" dist="38100" dir="2700000" algn="tl" rotWithShape="0">
+                        <a:srgbClr val="EED36A"/>
+                      </a:outerShdw>
+                    </a:effectLst>
                     <a:latin typeface="문화재돌봄체 Regular" panose="020B0000000000000000" pitchFamily="50" charset="-127"/>
                     <a:ea typeface="문화재돌봄체 Regular" panose="020B0000000000000000" pitchFamily="50" charset="-127"/>
                   </a:rPr>
-                  <a:t>우리는 </a:t>
+                  <a:t>우리는 제안된 효율적인 프레임워크의 잠재적 적용을 광범위하게 확장하는 </a:t>
                 </a:r>
                 <a:r>
-                  <a:rPr lang="en-US" altLang="ko-KR" sz="1000" b="0" i="0" dirty="0">
-                    <a:solidFill>
-                      <a:srgbClr val="000000"/>
-                    </a:solidFill>
-                    <a:effectLst/>
+                  <a:rPr lang="en-US" altLang="ko-KR" sz="1100" dirty="0">
+                    <a:effectLst>
+                      <a:outerShdw blurRad="50800" dist="38100" dir="2700000" algn="tl" rotWithShape="0">
+                        <a:srgbClr val="EED36A"/>
+                      </a:outerShdw>
+                    </a:effectLst>
+                    <a:latin typeface="문화재돌봄체 Regular" panose="020B0000000000000000" pitchFamily="50" charset="-127"/>
+                    <a:ea typeface="문화재돌봄체 Regular" panose="020B0000000000000000" pitchFamily="50" charset="-127"/>
+                  </a:rPr>
+                  <a:t>compact</a:t>
+                </a:r>
+                <a:r>
+                  <a:rPr lang="ko-KR" altLang="en-US" sz="1100" dirty="0">
+                    <a:effectLst>
+                      <a:outerShdw blurRad="50800" dist="38100" dir="2700000" algn="tl" rotWithShape="0">
+                        <a:srgbClr val="EED36A"/>
+                      </a:outerShdw>
+                    </a:effectLst>
+                    <a:latin typeface="문화재돌봄체 Regular" panose="020B0000000000000000" pitchFamily="50" charset="-127"/>
+                    <a:ea typeface="문화재돌봄체 Regular" panose="020B0000000000000000" pitchFamily="50" charset="-127"/>
+                  </a:rPr>
+                  <a:t> </a:t>
+                </a:r>
+                <a:r>
+                  <a:rPr lang="en-US" altLang="ko-KR" sz="1100" dirty="0" err="1">
+                    <a:effectLst>
+                      <a:outerShdw blurRad="50800" dist="38100" dir="2700000" algn="tl" rotWithShape="0">
+                        <a:srgbClr val="EED36A"/>
+                      </a:outerShdw>
+                    </a:effectLst>
+                    <a:latin typeface="문화재돌봄체 Regular" panose="020B0000000000000000" pitchFamily="50" charset="-127"/>
+                    <a:ea typeface="문화재돌봄체 Regular" panose="020B0000000000000000" pitchFamily="50" charset="-127"/>
+                  </a:rPr>
+                  <a:t>LHFeat</a:t>
+                </a:r>
+                <a:r>
+                  <a:rPr lang="ko-KR" altLang="en-US" sz="1100" dirty="0">
+                    <a:effectLst>
+                      <a:outerShdw blurRad="50800" dist="38100" dir="2700000" algn="tl" rotWithShape="0">
+                        <a:srgbClr val="EED36A"/>
+                      </a:outerShdw>
+                    </a:effectLst>
+                    <a:latin typeface="문화재돌봄체 Regular" panose="020B0000000000000000" pitchFamily="50" charset="-127"/>
+                    <a:ea typeface="문화재돌봄체 Regular" panose="020B0000000000000000" pitchFamily="50" charset="-127"/>
+                  </a:rPr>
+                  <a:t>에서 </a:t>
+                </a:r>
+                <a:r>
+                  <a:rPr lang="en-US" altLang="ko-KR" sz="1100" dirty="0">
+                    <a:effectLst>
+                      <a:outerShdw blurRad="50800" dist="38100" dir="2700000" algn="tl" rotWithShape="0">
+                        <a:srgbClr val="EED36A"/>
+                      </a:outerShdw>
+                    </a:effectLst>
                     <a:latin typeface="문화재돌봄체 Regular" panose="020B0000000000000000" pitchFamily="50" charset="-127"/>
                     <a:ea typeface="문화재돌봄체 Regular" panose="020B0000000000000000" pitchFamily="50" charset="-127"/>
                   </a:rPr>
                   <a:t>2D </a:t>
                 </a:r>
                 <a:r>
-                  <a:rPr lang="ko-KR" altLang="en-US" sz="1000" b="0" i="0" dirty="0">
-                    <a:solidFill>
-                      <a:srgbClr val="000000"/>
-                    </a:solidFill>
-                    <a:effectLst/>
+                  <a:rPr lang="ko-KR" altLang="en-US" sz="1100" dirty="0">
+                    <a:effectLst>
+                      <a:outerShdw blurRad="50800" dist="38100" dir="2700000" algn="tl" rotWithShape="0">
+                        <a:srgbClr val="EED36A"/>
+                      </a:outerShdw>
+                    </a:effectLst>
                     <a:latin typeface="문화재돌봄체 Regular" panose="020B0000000000000000" pitchFamily="50" charset="-127"/>
                     <a:ea typeface="문화재돌봄체 Regular" panose="020B0000000000000000" pitchFamily="50" charset="-127"/>
                   </a:rPr>
                   <a:t>밀도 예측 </a:t>
                 </a:r>
+                <a14:m>
+                  <m:oMath xmlns:m="http://schemas.openxmlformats.org/officeDocument/2006/math">
+                    <m:sSup>
+                      <m:sSupPr>
+                        <m:ctrlPr>
+                          <a:rPr lang="en-US" altLang="ko-KR" sz="1100" i="1" smtClean="0">
+                            <a:solidFill>
+                              <a:srgbClr val="000000"/>
+                            </a:solidFill>
+                            <a:effectLst>
+                              <a:outerShdw blurRad="50800" dist="38100" dir="2700000" algn="tl" rotWithShape="0">
+                                <a:srgbClr val="EED36A"/>
+                              </a:outerShdw>
+                            </a:effectLst>
+                            <a:latin typeface="Cambria Math" panose="02040503050406030204" pitchFamily="18" charset="0"/>
+                            <a:ea typeface="문화재돌봄체 Regular" panose="020B0000000000000000" pitchFamily="50" charset="-127"/>
+                          </a:rPr>
+                        </m:ctrlPr>
+                      </m:sSupPr>
+                      <m:e>
+                        <m:r>
+                          <a:rPr lang="en-US" altLang="ko-KR" sz="1100" i="1">
+                            <a:solidFill>
+                              <a:srgbClr val="000000"/>
+                            </a:solidFill>
+                            <a:effectLst>
+                              <a:outerShdw blurRad="50800" dist="38100" dir="2700000" algn="tl" rotWithShape="0">
+                                <a:srgbClr val="EED36A"/>
+                              </a:outerShdw>
+                            </a:effectLst>
+                            <a:latin typeface="Cambria Math" panose="02040503050406030204" pitchFamily="18" charset="0"/>
+                            <a:ea typeface="문화재돌봄체 Regular" panose="020B0000000000000000" pitchFamily="50" charset="-127"/>
+                          </a:rPr>
+                          <m:t>𝑅</m:t>
+                        </m:r>
+                      </m:e>
+                      <m:sup>
+                        <m:r>
+                          <a:rPr lang="en-US" altLang="ko-KR" sz="1100" b="0" i="1" smtClean="0">
+                            <a:solidFill>
+                              <a:srgbClr val="000000"/>
+                            </a:solidFill>
+                            <a:effectLst>
+                              <a:outerShdw blurRad="50800" dist="38100" dir="2700000" algn="tl" rotWithShape="0">
+                                <a:srgbClr val="EED36A"/>
+                              </a:outerShdw>
+                            </a:effectLst>
+                            <a:latin typeface="Cambria Math" panose="02040503050406030204" pitchFamily="18" charset="0"/>
+                            <a:ea typeface="문화재돌봄체 Regular" panose="020B0000000000000000" pitchFamily="50" charset="-127"/>
+                          </a:rPr>
+                          <m:t>𝑁</m:t>
+                        </m:r>
+                        <m:r>
+                          <a:rPr lang="en-US" altLang="ko-KR" sz="1100" b="0" i="1" smtClean="0">
+                            <a:solidFill>
+                              <a:srgbClr val="000000"/>
+                            </a:solidFill>
+                            <a:effectLst>
+                              <a:outerShdw blurRad="50800" dist="38100" dir="2700000" algn="tl" rotWithShape="0">
+                                <a:srgbClr val="EED36A"/>
+                              </a:outerShdw>
+                            </a:effectLst>
+                            <a:latin typeface="Cambria Math" panose="02040503050406030204" pitchFamily="18" charset="0"/>
+                            <a:ea typeface="Cambria Math" panose="02040503050406030204" pitchFamily="18" charset="0"/>
+                          </a:rPr>
+                          <m:t>×</m:t>
+                        </m:r>
+                        <m:sSub>
+                          <m:sSubPr>
+                            <m:ctrlPr>
+                              <a:rPr lang="en-US" altLang="ko-KR" sz="1100" b="0" i="1" smtClean="0">
+                                <a:solidFill>
+                                  <a:srgbClr val="000000"/>
+                                </a:solidFill>
+                                <a:effectLst>
+                                  <a:outerShdw blurRad="50800" dist="38100" dir="2700000" algn="tl" rotWithShape="0">
+                                    <a:srgbClr val="EED36A"/>
+                                  </a:outerShdw>
+                                </a:effectLst>
+                                <a:latin typeface="Cambria Math" panose="02040503050406030204" pitchFamily="18" charset="0"/>
+                                <a:ea typeface="Cambria Math" panose="02040503050406030204" pitchFamily="18" charset="0"/>
+                              </a:rPr>
+                            </m:ctrlPr>
+                          </m:sSubPr>
+                          <m:e>
+                            <m:r>
+                              <a:rPr lang="en-US" altLang="ko-KR" sz="1100" b="0" i="1" smtClean="0">
+                                <a:solidFill>
+                                  <a:srgbClr val="000000"/>
+                                </a:solidFill>
+                                <a:effectLst>
+                                  <a:outerShdw blurRad="50800" dist="38100" dir="2700000" algn="tl" rotWithShape="0">
+                                    <a:srgbClr val="EED36A"/>
+                                  </a:outerShdw>
+                                </a:effectLst>
+                                <a:latin typeface="Cambria Math" panose="02040503050406030204" pitchFamily="18" charset="0"/>
+                                <a:ea typeface="Cambria Math" panose="02040503050406030204" pitchFamily="18" charset="0"/>
+                              </a:rPr>
+                              <m:t>𝐻</m:t>
+                            </m:r>
+                          </m:e>
+                          <m:sub>
+                            <m:r>
+                              <a:rPr lang="en-US" altLang="ko-KR" sz="1100" b="0" i="1" smtClean="0">
+                                <a:solidFill>
+                                  <a:srgbClr val="000000"/>
+                                </a:solidFill>
+                                <a:effectLst>
+                                  <a:outerShdw blurRad="50800" dist="38100" dir="2700000" algn="tl" rotWithShape="0">
+                                    <a:srgbClr val="EED36A"/>
+                                  </a:outerShdw>
+                                </a:effectLst>
+                                <a:latin typeface="Cambria Math" panose="02040503050406030204" pitchFamily="18" charset="0"/>
+                                <a:ea typeface="Cambria Math" panose="02040503050406030204" pitchFamily="18" charset="0"/>
+                              </a:rPr>
+                              <m:t>𝑖𝑛𝑝</m:t>
+                            </m:r>
+                          </m:sub>
+                        </m:sSub>
+                        <m:r>
+                          <a:rPr lang="en-US" altLang="ko-KR" sz="1100" i="1">
+                            <a:solidFill>
+                              <a:srgbClr val="000000"/>
+                            </a:solidFill>
+                            <a:effectLst>
+                              <a:outerShdw blurRad="50800" dist="38100" dir="2700000" algn="tl" rotWithShape="0">
+                                <a:srgbClr val="EED36A"/>
+                              </a:outerShdw>
+                            </a:effectLst>
+                            <a:latin typeface="Cambria Math" panose="02040503050406030204" pitchFamily="18" charset="0"/>
+                            <a:ea typeface="Cambria Math" panose="02040503050406030204" pitchFamily="18" charset="0"/>
+                          </a:rPr>
+                          <m:t>×</m:t>
+                        </m:r>
+                        <m:sSub>
+                          <m:sSubPr>
+                            <m:ctrlPr>
+                              <a:rPr lang="en-US" altLang="ko-KR" sz="1100" i="1">
+                                <a:solidFill>
+                                  <a:srgbClr val="000000"/>
+                                </a:solidFill>
+                                <a:effectLst>
+                                  <a:outerShdw blurRad="50800" dist="38100" dir="2700000" algn="tl" rotWithShape="0">
+                                    <a:srgbClr val="EED36A"/>
+                                  </a:outerShdw>
+                                </a:effectLst>
+                                <a:latin typeface="Cambria Math" panose="02040503050406030204" pitchFamily="18" charset="0"/>
+                                <a:ea typeface="Cambria Math" panose="02040503050406030204" pitchFamily="18" charset="0"/>
+                              </a:rPr>
+                            </m:ctrlPr>
+                          </m:sSubPr>
+                          <m:e>
+                            <m:r>
+                              <a:rPr lang="en-US" altLang="ko-KR" sz="1100" i="1">
+                                <a:solidFill>
+                                  <a:srgbClr val="000000"/>
+                                </a:solidFill>
+                                <a:effectLst>
+                                  <a:outerShdw blurRad="50800" dist="38100" dir="2700000" algn="tl" rotWithShape="0">
+                                    <a:srgbClr val="EED36A"/>
+                                  </a:outerShdw>
+                                </a:effectLst>
+                                <a:latin typeface="Cambria Math" panose="02040503050406030204" pitchFamily="18" charset="0"/>
+                                <a:ea typeface="Cambria Math" panose="02040503050406030204" pitchFamily="18" charset="0"/>
+                              </a:rPr>
+                              <m:t>𝑊</m:t>
+                            </m:r>
+                          </m:e>
+                          <m:sub>
+                            <m:r>
+                              <a:rPr lang="en-US" altLang="ko-KR" sz="1100" i="1">
+                                <a:solidFill>
+                                  <a:srgbClr val="000000"/>
+                                </a:solidFill>
+                                <a:effectLst>
+                                  <a:outerShdw blurRad="50800" dist="38100" dir="2700000" algn="tl" rotWithShape="0">
+                                    <a:srgbClr val="EED36A"/>
+                                  </a:outerShdw>
+                                </a:effectLst>
+                                <a:latin typeface="Cambria Math" panose="02040503050406030204" pitchFamily="18" charset="0"/>
+                                <a:ea typeface="Cambria Math" panose="02040503050406030204" pitchFamily="18" charset="0"/>
+                              </a:rPr>
+                              <m:t>𝑖𝑛𝑝</m:t>
+                            </m:r>
+                          </m:sub>
+                        </m:sSub>
+                      </m:sup>
+                    </m:sSup>
+                    <m:r>
+                      <a:rPr lang="en-US" altLang="ko-KR" sz="1100" i="1">
+                        <a:solidFill>
+                          <a:srgbClr val="000000"/>
+                        </a:solidFill>
+                        <a:effectLst>
+                          <a:outerShdw blurRad="50800" dist="38100" dir="2700000" algn="tl" rotWithShape="0">
+                            <a:srgbClr val="EED36A"/>
+                          </a:outerShdw>
+                        </a:effectLst>
+                        <a:latin typeface="Cambria Math" panose="02040503050406030204" pitchFamily="18" charset="0"/>
+                        <a:ea typeface="Cambria Math" panose="02040503050406030204" pitchFamily="18" charset="0"/>
+                      </a:rPr>
+                      <m:t> </m:t>
+                    </m:r>
+                  </m:oMath>
+                </a14:m>
                 <a:r>
-                  <a:rPr lang="en-US" altLang="ko-KR" sz="1000" b="0" i="0" dirty="0" err="1">
-                    <a:solidFill>
-                      <a:srgbClr val="000000"/>
-                    </a:solidFill>
-                    <a:effectLst/>
-                    <a:latin typeface="문화재돌봄체 Regular" panose="020B0000000000000000" pitchFamily="50" charset="-127"/>
-                    <a:ea typeface="문화재돌봄체 Regular" panose="020B0000000000000000" pitchFamily="50" charset="-127"/>
-                  </a:rPr>
-                  <a:t>RN×Hinp</a:t>
-                </a:r>
-                <a:r>
-                  <a:rPr lang="ko-KR" altLang="en-US" sz="1000" b="0" i="0" dirty="0">
-                    <a:solidFill>
-                      <a:srgbClr val="000000"/>
-                    </a:solidFill>
-                    <a:effectLst/>
+                  <a:rPr lang="ko-KR" altLang="en-US" sz="1100" dirty="0">
+                    <a:effectLst>
+                      <a:outerShdw blurRad="50800" dist="38100" dir="2700000" algn="tl" rotWithShape="0">
+                        <a:srgbClr val="EED36A"/>
+                      </a:outerShdw>
+                    </a:effectLst>
                     <a:latin typeface="문화재돌봄체 Regular" panose="020B0000000000000000" pitchFamily="50" charset="-127"/>
                     <a:ea typeface="문화재돌봄체 Regular" panose="020B0000000000000000" pitchFamily="50" charset="-127"/>
                   </a:rPr>
                   <a:t>를 산출하는 첫 번째 방법을 제안한다</a:t>
                 </a:r>
                 <a:r>
-                  <a:rPr lang="en-US" altLang="ko-KR" sz="1000" b="0" i="0" dirty="0">
-                    <a:solidFill>
-                      <a:srgbClr val="000000"/>
-                    </a:solidFill>
-                    <a:effectLst/>
-                    <a:latin typeface="문화재돌봄체 Regular" panose="020B0000000000000000" pitchFamily="50" charset="-127"/>
-                    <a:ea typeface="문화재돌봄체 Regular" panose="020B0000000000000000" pitchFamily="50" charset="-127"/>
-                  </a:rPr>
-                  <a:t>.×</a:t>
-                </a:r>
-                <a:r>
-                  <a:rPr lang="ko-KR" altLang="en-US" sz="1000" b="0" i="0" dirty="0" err="1">
-                    <a:solidFill>
-                      <a:srgbClr val="000000"/>
-                    </a:solidFill>
-                    <a:effectLst/>
-                    <a:latin typeface="문화재돌봄체 Regular" panose="020B0000000000000000" pitchFamily="50" charset="-127"/>
-                    <a:ea typeface="문화재돌봄체 Regular" panose="020B0000000000000000" pitchFamily="50" charset="-127"/>
-                  </a:rPr>
-                  <a:t>컴팩트</a:t>
-                </a:r>
-                <a:r>
-                  <a:rPr lang="ko-KR" altLang="en-US" sz="1000" b="0" i="0" dirty="0">
-                    <a:solidFill>
-                      <a:srgbClr val="000000"/>
-                    </a:solidFill>
-                    <a:effectLst/>
-                    <a:latin typeface="문화재돌봄체 Regular" panose="020B0000000000000000" pitchFamily="50" charset="-127"/>
-                    <a:ea typeface="문화재돌봄체 Regular" panose="020B0000000000000000" pitchFamily="50" charset="-127"/>
-                  </a:rPr>
-                  <a:t> </a:t>
-                </a:r>
-                <a:r>
-                  <a:rPr lang="en-US" altLang="ko-KR" sz="1000" b="0" i="0" dirty="0" err="1">
-                    <a:solidFill>
-                      <a:srgbClr val="000000"/>
-                    </a:solidFill>
-                    <a:effectLst/>
-                    <a:latin typeface="문화재돌봄체 Regular" panose="020B0000000000000000" pitchFamily="50" charset="-127"/>
-                    <a:ea typeface="문화재돌봄체 Regular" panose="020B0000000000000000" pitchFamily="50" charset="-127"/>
-                  </a:rPr>
-                  <a:t>LHFeat</a:t>
-                </a:r>
-                <a:r>
-                  <a:rPr lang="ko-KR" altLang="en-US" sz="1000" b="0" i="0" dirty="0">
-                    <a:solidFill>
-                      <a:srgbClr val="000000"/>
-                    </a:solidFill>
-                    <a:effectLst/>
-                    <a:latin typeface="문화재돌봄체 Regular" panose="020B0000000000000000" pitchFamily="50" charset="-127"/>
-                    <a:ea typeface="문화재돌봄체 Regular" panose="020B0000000000000000" pitchFamily="50" charset="-127"/>
-                  </a:rPr>
-                  <a:t>의 </a:t>
-                </a:r>
-                <a:r>
-                  <a:rPr lang="ko-KR" altLang="en-US" sz="1000" b="0" i="0" dirty="0" err="1">
-                    <a:solidFill>
-                      <a:srgbClr val="000000"/>
-                    </a:solidFill>
-                    <a:effectLst/>
-                    <a:latin typeface="문화재돌봄체 Regular" panose="020B0000000000000000" pitchFamily="50" charset="-127"/>
-                    <a:ea typeface="문화재돌봄체 Regular" panose="020B0000000000000000" pitchFamily="50" charset="-127"/>
-                  </a:rPr>
-                  <a:t>윈프</a:t>
-                </a:r>
-                <a:r>
-                  <a:rPr lang="en-US" altLang="ko-KR" sz="1000" b="0" i="0" dirty="0">
-                    <a:solidFill>
-                      <a:srgbClr val="000000"/>
-                    </a:solidFill>
-                    <a:effectLst/>
-                    <a:latin typeface="문화재돌봄체 Regular" panose="020B0000000000000000" pitchFamily="50" charset="-127"/>
-                    <a:ea typeface="문화재돌봄체 Regular" panose="020B0000000000000000" pitchFamily="50" charset="-127"/>
-                  </a:rPr>
-                  <a:t>(</a:t>
-                </a:r>
-                <a:r>
-                  <a:rPr lang="en-US" altLang="ko-KR" sz="1000" b="0" i="0" dirty="0" err="1">
-                    <a:solidFill>
-                      <a:srgbClr val="000000"/>
-                    </a:solidFill>
-                    <a:effectLst/>
-                    <a:latin typeface="문화재돌봄체 Regular" panose="020B0000000000000000" pitchFamily="50" charset="-127"/>
-                    <a:ea typeface="문화재돌봄체 Regular" panose="020B0000000000000000" pitchFamily="50" charset="-127"/>
-                  </a:rPr>
-                  <a:t>Winp</a:t>
-                </a:r>
-                <a:r>
-                  <a:rPr lang="en-US" altLang="ko-KR" sz="1000" b="0" i="0" dirty="0">
-                    <a:solidFill>
-                      <a:srgbClr val="000000"/>
-                    </a:solidFill>
-                    <a:effectLst/>
-                    <a:latin typeface="문화재돌봄체 Regular" panose="020B0000000000000000" pitchFamily="50" charset="-127"/>
-                    <a:ea typeface="문화재돌봄체 Regular" panose="020B0000000000000000" pitchFamily="50" charset="-127"/>
-                  </a:rPr>
-                  <a:t>)</a:t>
-                </a:r>
-                <a:r>
-                  <a:rPr lang="ko-KR" altLang="en-US" sz="1000" b="0" i="0" dirty="0">
-                    <a:solidFill>
-                      <a:srgbClr val="000000"/>
-                    </a:solidFill>
-                    <a:effectLst/>
-                    <a:latin typeface="문화재돌봄체 Regular" panose="020B0000000000000000" pitchFamily="50" charset="-127"/>
-                    <a:ea typeface="문화재돌봄체 Regular" panose="020B0000000000000000" pitchFamily="50" charset="-127"/>
-                  </a:rPr>
-                  <a:t>로</a:t>
-                </a:r>
-                <a:r>
-                  <a:rPr lang="en-US" altLang="ko-KR" sz="1000" b="0" i="0" dirty="0">
-                    <a:solidFill>
-                      <a:srgbClr val="000000"/>
-                    </a:solidFill>
-                    <a:effectLst/>
-                    <a:latin typeface="문화재돌봄체 Regular" panose="020B0000000000000000" pitchFamily="50" charset="-127"/>
-                    <a:ea typeface="문화재돌봄체 Regular" panose="020B0000000000000000" pitchFamily="50" charset="-127"/>
-                  </a:rPr>
-                  <a:t>, </a:t>
-                </a:r>
-                <a:r>
-                  <a:rPr lang="ko-KR" altLang="en-US" sz="1000" b="0" i="0" dirty="0">
-                    <a:solidFill>
-                      <a:srgbClr val="000000"/>
-                    </a:solidFill>
-                    <a:effectLst/>
-                    <a:latin typeface="문화재돌봄체 Regular" panose="020B0000000000000000" pitchFamily="50" charset="-127"/>
-                    <a:ea typeface="문화재돌봄체 Regular" panose="020B0000000000000000" pitchFamily="50" charset="-127"/>
-                  </a:rPr>
-                  <a:t>제안된 효율적인 프레임워크의 잠재적 응용 분야를 광범위하게 확장합니다</a:t>
-                </a:r>
-                <a:r>
-                  <a:rPr lang="en-US" altLang="ko-KR" sz="1000" b="0" i="0" dirty="0">
-                    <a:solidFill>
-                      <a:srgbClr val="000000"/>
-                    </a:solidFill>
-                    <a:effectLst/>
+                  <a:rPr lang="en-US" altLang="ko-KR" sz="1100" dirty="0">
+                    <a:effectLst>
+                      <a:outerShdw blurRad="50800" dist="38100" dir="2700000" algn="tl" rotWithShape="0">
+                        <a:srgbClr val="EED36A"/>
+                      </a:outerShdw>
+                    </a:effectLst>
                     <a:latin typeface="문화재돌봄체 Regular" panose="020B0000000000000000" pitchFamily="50" charset="-127"/>
                     <a:ea typeface="문화재돌봄체 Regular" panose="020B0000000000000000" pitchFamily="50" charset="-127"/>
                   </a:rPr>
                   <a:t>.</a:t>
                 </a:r>
-                <a:endParaRPr lang="ko-KR" altLang="en-US" sz="1000" dirty="0">
+                <a:endParaRPr lang="ko-KR" altLang="en-US" sz="1100" dirty="0">
                   <a:latin typeface="문화재돌봄체 Regular" panose="020B0000000000000000" pitchFamily="50" charset="-127"/>
                   <a:ea typeface="문화재돌봄체 Regular" panose="020B0000000000000000" pitchFamily="50" charset="-127"/>
                 </a:endParaRPr>
@@ -14912,8 +15498,8 @@
             </p:nvSpPr>
             <p:spPr>
               <a:xfrm>
-                <a:off x="3643423" y="849104"/>
-                <a:ext cx="8422228" cy="5837495"/>
+                <a:off x="3643423" y="599961"/>
+                <a:ext cx="8422228" cy="5936305"/>
               </a:xfrm>
               <a:prstGeom prst="rect">
                 <a:avLst/>
@@ -14921,7 +15507,7 @@
               <a:blipFill>
                 <a:blip r:embed="rId5"/>
                 <a:stretch>
-                  <a:fillRect r="-217"/>
+                  <a:fillRect l="-72" r="-290" b="-205"/>
                 </a:stretch>
               </a:blipFill>
             </p:spPr>
@@ -14940,6 +15526,342 @@
           </p:sp>
         </mc:Fallback>
       </mc:AlternateContent>
+      <p:sp>
+        <p:nvSpPr>
+          <p:cNvPr id="11" name="직사각형 10">
+            <a:extLst>
+              <a:ext uri="{FF2B5EF4-FFF2-40B4-BE49-F238E27FC236}">
+                <a16:creationId xmlns:a16="http://schemas.microsoft.com/office/drawing/2014/main" id="{FE6E6191-29A6-4C75-A16F-DECE0EC62262}"/>
+              </a:ext>
+            </a:extLst>
+          </p:cNvPr>
+          <p:cNvSpPr/>
+          <p:nvPr/>
+        </p:nvSpPr>
+        <p:spPr>
+          <a:xfrm>
+            <a:off x="463906" y="1917624"/>
+            <a:ext cx="3081169" cy="1062000"/>
+          </a:xfrm>
+          <a:prstGeom prst="rect">
+            <a:avLst/>
+          </a:prstGeom>
+          <a:solidFill>
+            <a:srgbClr val="60A89F">
+              <a:alpha val="32000"/>
+            </a:srgbClr>
+          </a:solidFill>
+          <a:ln>
+            <a:noFill/>
+          </a:ln>
+        </p:spPr>
+        <p:style>
+          <a:lnRef idx="2">
+            <a:schemeClr val="accent1">
+              <a:shade val="50000"/>
+            </a:schemeClr>
+          </a:lnRef>
+          <a:fillRef idx="1">
+            <a:schemeClr val="accent1"/>
+          </a:fillRef>
+          <a:effectRef idx="0">
+            <a:schemeClr val="accent1"/>
+          </a:effectRef>
+          <a:fontRef idx="minor">
+            <a:schemeClr val="lt1"/>
+          </a:fontRef>
+        </p:style>
+        <p:txBody>
+          <a:bodyPr rtlCol="0" anchor="ctr"/>
+          <a:lstStyle/>
+          <a:p>
+            <a:pPr algn="ctr"/>
+            <a:endParaRPr lang="ko-KR" altLang="en-US"/>
+          </a:p>
+        </p:txBody>
+      </p:sp>
+      <p:sp>
+        <p:nvSpPr>
+          <p:cNvPr id="12" name="직사각형 11">
+            <a:extLst>
+              <a:ext uri="{FF2B5EF4-FFF2-40B4-BE49-F238E27FC236}">
+                <a16:creationId xmlns:a16="http://schemas.microsoft.com/office/drawing/2014/main" id="{E9CEE3EB-07A1-4FD4-A5CE-780302FBC6E3}"/>
+              </a:ext>
+            </a:extLst>
+          </p:cNvPr>
+          <p:cNvSpPr/>
+          <p:nvPr/>
+        </p:nvSpPr>
+        <p:spPr>
+          <a:xfrm>
+            <a:off x="463906" y="2980782"/>
+            <a:ext cx="1045298" cy="186267"/>
+          </a:xfrm>
+          <a:prstGeom prst="rect">
+            <a:avLst/>
+          </a:prstGeom>
+          <a:solidFill>
+            <a:srgbClr val="60A89F">
+              <a:alpha val="32000"/>
+            </a:srgbClr>
+          </a:solidFill>
+          <a:ln>
+            <a:noFill/>
+          </a:ln>
+        </p:spPr>
+        <p:style>
+          <a:lnRef idx="2">
+            <a:schemeClr val="accent1">
+              <a:shade val="50000"/>
+            </a:schemeClr>
+          </a:lnRef>
+          <a:fillRef idx="1">
+            <a:schemeClr val="accent1"/>
+          </a:fillRef>
+          <a:effectRef idx="0">
+            <a:schemeClr val="accent1"/>
+          </a:effectRef>
+          <a:fontRef idx="minor">
+            <a:schemeClr val="lt1"/>
+          </a:fontRef>
+        </p:style>
+        <p:txBody>
+          <a:bodyPr rtlCol="0" anchor="ctr"/>
+          <a:lstStyle/>
+          <a:p>
+            <a:pPr algn="ctr"/>
+            <a:endParaRPr lang="ko-KR" altLang="en-US"/>
+          </a:p>
+        </p:txBody>
+      </p:sp>
+      <p:sp>
+        <p:nvSpPr>
+          <p:cNvPr id="15" name="TextBox 14">
+            <a:extLst>
+              <a:ext uri="{FF2B5EF4-FFF2-40B4-BE49-F238E27FC236}">
+                <a16:creationId xmlns:a16="http://schemas.microsoft.com/office/drawing/2014/main" id="{4097988F-7B06-4B5B-ADA5-E9D45EAE9B52}"/>
+              </a:ext>
+            </a:extLst>
+          </p:cNvPr>
+          <p:cNvSpPr txBox="1"/>
+          <p:nvPr/>
+        </p:nvSpPr>
+        <p:spPr>
+          <a:xfrm>
+            <a:off x="3750317" y="36379"/>
+            <a:ext cx="8422227" cy="297517"/>
+          </a:xfrm>
+          <a:prstGeom prst="rect">
+            <a:avLst/>
+          </a:prstGeom>
+          <a:noFill/>
+        </p:spPr>
+        <p:txBody>
+          <a:bodyPr wrap="square">
+            <a:spAutoFit/>
+          </a:bodyPr>
+          <a:lstStyle/>
+          <a:p>
+            <a:pPr algn="r">
+              <a:lnSpc>
+                <a:spcPct val="150000"/>
+              </a:lnSpc>
+            </a:pPr>
+            <a:r>
+              <a:rPr lang="ko-KR" altLang="en-US" sz="1000" b="1" i="0" dirty="0">
+                <a:solidFill>
+                  <a:srgbClr val="717171"/>
+                </a:solidFill>
+                <a:effectLst/>
+                <a:latin typeface="문화재돌봄체 Regular" panose="020B0000000000000000" pitchFamily="50" charset="-127"/>
+                <a:ea typeface="문화재돌봄체 Regular" panose="020B0000000000000000" pitchFamily="50" charset="-127"/>
+              </a:rPr>
+              <a:t>관성 측정 장치</a:t>
+            </a:r>
+            <a:r>
+              <a:rPr lang="en-US" altLang="ko-KR" sz="1000" b="0" i="0" dirty="0">
+                <a:solidFill>
+                  <a:srgbClr val="717171"/>
+                </a:solidFill>
+                <a:effectLst/>
+                <a:latin typeface="문화재돌봄체 Regular" panose="020B0000000000000000" pitchFamily="50" charset="-127"/>
+                <a:ea typeface="문화재돌봄체 Regular" panose="020B0000000000000000" pitchFamily="50" charset="-127"/>
+              </a:rPr>
+              <a:t>(IMU)</a:t>
+            </a:r>
+            <a:r>
+              <a:rPr lang="ko-KR" altLang="en-US" sz="1000" b="0" i="0" dirty="0">
+                <a:solidFill>
+                  <a:srgbClr val="717171"/>
+                </a:solidFill>
+                <a:effectLst/>
+                <a:latin typeface="문화재돌봄체 Regular" panose="020B0000000000000000" pitchFamily="50" charset="-127"/>
+                <a:ea typeface="문화재돌봄체 Regular" panose="020B0000000000000000" pitchFamily="50" charset="-127"/>
+              </a:rPr>
+              <a:t>는 가속도계와 회전 속도계</a:t>
+            </a:r>
+            <a:r>
+              <a:rPr lang="en-US" altLang="ko-KR" sz="1000" b="0" i="0" dirty="0">
+                <a:solidFill>
+                  <a:srgbClr val="717171"/>
+                </a:solidFill>
+                <a:effectLst/>
+                <a:latin typeface="문화재돌봄체 Regular" panose="020B0000000000000000" pitchFamily="50" charset="-127"/>
+                <a:ea typeface="문화재돌봄체 Regular" panose="020B0000000000000000" pitchFamily="50" charset="-127"/>
+              </a:rPr>
+              <a:t>, </a:t>
+            </a:r>
+            <a:r>
+              <a:rPr lang="ko-KR" altLang="en-US" sz="1000" b="0" i="0" dirty="0">
+                <a:solidFill>
+                  <a:srgbClr val="717171"/>
+                </a:solidFill>
+                <a:effectLst/>
+                <a:latin typeface="문화재돌봄체 Regular" panose="020B0000000000000000" pitchFamily="50" charset="-127"/>
+                <a:ea typeface="문화재돌봄체 Regular" panose="020B0000000000000000" pitchFamily="50" charset="-127"/>
+              </a:rPr>
+              <a:t>때로는 자력계의 조합을 사용하여 신체의 특정한 힘</a:t>
+            </a:r>
+            <a:r>
+              <a:rPr lang="en-US" altLang="ko-KR" sz="1000" b="0" i="0" dirty="0">
+                <a:solidFill>
+                  <a:srgbClr val="717171"/>
+                </a:solidFill>
+                <a:effectLst/>
+                <a:latin typeface="문화재돌봄체 Regular" panose="020B0000000000000000" pitchFamily="50" charset="-127"/>
+                <a:ea typeface="문화재돌봄체 Regular" panose="020B0000000000000000" pitchFamily="50" charset="-127"/>
+              </a:rPr>
+              <a:t>, </a:t>
+            </a:r>
+            <a:r>
+              <a:rPr lang="ko-KR" altLang="en-US" sz="1000" b="0" i="0" dirty="0">
+                <a:solidFill>
+                  <a:srgbClr val="717171"/>
+                </a:solidFill>
+                <a:effectLst/>
+                <a:latin typeface="문화재돌봄체 Regular" panose="020B0000000000000000" pitchFamily="50" charset="-127"/>
+                <a:ea typeface="문화재돌봄체 Regular" panose="020B0000000000000000" pitchFamily="50" charset="-127"/>
+              </a:rPr>
+              <a:t>각도 비율 및 때로는 신체를 둘러싼 자기장을 측정하고 보고하는 전자 장치</a:t>
+            </a:r>
+            <a:endParaRPr lang="ko-KR" altLang="en-US" sz="1000" dirty="0">
+              <a:solidFill>
+                <a:srgbClr val="717171"/>
+              </a:solidFill>
+              <a:latin typeface="문화재돌봄체 Regular" panose="020B0000000000000000" pitchFamily="50" charset="-127"/>
+              <a:ea typeface="문화재돌봄체 Regular" panose="020B0000000000000000" pitchFamily="50" charset="-127"/>
+            </a:endParaRPr>
+          </a:p>
+        </p:txBody>
+      </p:sp>
+      <p:sp>
+        <p:nvSpPr>
+          <p:cNvPr id="20" name="직사각형 19">
+            <a:extLst>
+              <a:ext uri="{FF2B5EF4-FFF2-40B4-BE49-F238E27FC236}">
+                <a16:creationId xmlns:a16="http://schemas.microsoft.com/office/drawing/2014/main" id="{3DF7C56E-8053-49EB-B4C5-93B70EA33886}"/>
+              </a:ext>
+            </a:extLst>
+          </p:cNvPr>
+          <p:cNvSpPr/>
+          <p:nvPr/>
+        </p:nvSpPr>
+        <p:spPr>
+          <a:xfrm>
+            <a:off x="463906" y="5956918"/>
+            <a:ext cx="3081169" cy="756000"/>
+          </a:xfrm>
+          <a:prstGeom prst="rect">
+            <a:avLst/>
+          </a:prstGeom>
+          <a:solidFill>
+            <a:srgbClr val="EED36A">
+              <a:alpha val="32000"/>
+            </a:srgbClr>
+          </a:solidFill>
+          <a:ln>
+            <a:noFill/>
+          </a:ln>
+        </p:spPr>
+        <p:style>
+          <a:lnRef idx="2">
+            <a:schemeClr val="accent1">
+              <a:shade val="50000"/>
+            </a:schemeClr>
+          </a:lnRef>
+          <a:fillRef idx="1">
+            <a:schemeClr val="accent1"/>
+          </a:fillRef>
+          <a:effectRef idx="0">
+            <a:schemeClr val="accent1"/>
+          </a:effectRef>
+          <a:fontRef idx="minor">
+            <a:schemeClr val="lt1"/>
+          </a:fontRef>
+        </p:style>
+        <p:txBody>
+          <a:bodyPr rtlCol="0" anchor="ctr"/>
+          <a:lstStyle/>
+          <a:p>
+            <a:pPr algn="ctr"/>
+            <a:endParaRPr lang="ko-KR" altLang="en-US"/>
+          </a:p>
+        </p:txBody>
+      </p:sp>
+      <p:sp>
+        <p:nvSpPr>
+          <p:cNvPr id="22" name="직사각형 21">
+            <a:extLst>
+              <a:ext uri="{FF2B5EF4-FFF2-40B4-BE49-F238E27FC236}">
+                <a16:creationId xmlns:a16="http://schemas.microsoft.com/office/drawing/2014/main" id="{9B953087-61D7-4452-A985-900FACCA9481}"/>
+              </a:ext>
+            </a:extLst>
+          </p:cNvPr>
+          <p:cNvSpPr/>
+          <p:nvPr/>
+        </p:nvSpPr>
+        <p:spPr>
+          <a:xfrm>
+            <a:off x="1608133" y="5773858"/>
+            <a:ext cx="1936942" cy="183060"/>
+          </a:xfrm>
+          <a:prstGeom prst="rect">
+            <a:avLst/>
+          </a:prstGeom>
+          <a:solidFill>
+            <a:srgbClr val="EED36A">
+              <a:alpha val="32000"/>
+            </a:srgbClr>
+          </a:solidFill>
+          <a:ln>
+            <a:noFill/>
+          </a:ln>
+        </p:spPr>
+        <p:style>
+          <a:lnRef idx="2">
+            <a:schemeClr val="accent1">
+              <a:shade val="50000"/>
+            </a:schemeClr>
+          </a:lnRef>
+          <a:fillRef idx="1">
+            <a:schemeClr val="accent1"/>
+          </a:fillRef>
+          <a:effectRef idx="0">
+            <a:schemeClr val="accent1"/>
+          </a:effectRef>
+          <a:fontRef idx="minor">
+            <a:schemeClr val="lt1"/>
+          </a:fontRef>
+        </p:style>
+        <p:txBody>
+          <a:bodyPr rtlCol="0" anchor="ctr"/>
+          <a:lstStyle/>
+          <a:p>
+            <a:pPr algn="ctr"/>
+            <a:endParaRPr lang="ko-KR" altLang="en-US"/>
+          </a:p>
+        </p:txBody>
+      </p:sp>
     </p:spTree>
     <p:extLst>
       <p:ext uri="{BB962C8B-B14F-4D97-AF65-F5344CB8AC3E}">
@@ -14954,6 +15876,1522 @@
 </file>
 
 <file path=ppt/slides/slide18.xml><?xml version="1.0" encoding="utf-8"?>
+<p:sld xmlns:a="http://schemas.openxmlformats.org/drawingml/2006/main" xmlns:r="http://schemas.openxmlformats.org/officeDocument/2006/relationships" xmlns:p="http://schemas.openxmlformats.org/presentationml/2006/main">
+  <p:cSld>
+    <p:spTree>
+      <p:nvGrpSpPr>
+        <p:cNvPr id="1" name=""/>
+        <p:cNvGrpSpPr/>
+        <p:nvPr/>
+      </p:nvGrpSpPr>
+      <p:grpSpPr>
+        <a:xfrm>
+          <a:off x="0" y="0"/>
+          <a:ext cx="0" cy="0"/>
+          <a:chOff x="0" y="0"/>
+          <a:chExt cx="0" cy="0"/>
+        </a:xfrm>
+      </p:grpSpPr>
+      <p:sp>
+        <p:nvSpPr>
+          <p:cNvPr id="4" name="막힌 원호 3">
+            <a:extLst>
+              <a:ext uri="{FF2B5EF4-FFF2-40B4-BE49-F238E27FC236}">
+                <a16:creationId xmlns:a16="http://schemas.microsoft.com/office/drawing/2014/main" id="{4FCA9B4A-A06E-4410-BE19-03C9A4D218C0}"/>
+              </a:ext>
+            </a:extLst>
+          </p:cNvPr>
+          <p:cNvSpPr/>
+          <p:nvPr/>
+        </p:nvSpPr>
+        <p:spPr>
+          <a:xfrm rot="10800000">
+            <a:off x="126349" y="107299"/>
+            <a:ext cx="947453" cy="947453"/>
+          </a:xfrm>
+          <a:prstGeom prst="blockArc">
+            <a:avLst>
+              <a:gd name="adj1" fmla="val 10800000"/>
+              <a:gd name="adj2" fmla="val 0"/>
+              <a:gd name="adj3" fmla="val 11046"/>
+            </a:avLst>
+          </a:prstGeom>
+          <a:solidFill>
+            <a:srgbClr val="EED36A"/>
+          </a:solidFill>
+          <a:ln>
+            <a:noFill/>
+          </a:ln>
+        </p:spPr>
+        <p:style>
+          <a:lnRef idx="2">
+            <a:schemeClr val="accent1">
+              <a:shade val="50000"/>
+            </a:schemeClr>
+          </a:lnRef>
+          <a:fillRef idx="1">
+            <a:schemeClr val="accent1"/>
+          </a:fillRef>
+          <a:effectRef idx="0">
+            <a:schemeClr val="accent1"/>
+          </a:effectRef>
+          <a:fontRef idx="minor">
+            <a:schemeClr val="lt1"/>
+          </a:fontRef>
+        </p:style>
+        <p:txBody>
+          <a:bodyPr rtlCol="0" anchor="ctr"/>
+          <a:lstStyle/>
+          <a:p>
+            <a:pPr algn="ctr"/>
+            <a:endParaRPr lang="ko-KR" altLang="en-US">
+              <a:solidFill>
+                <a:schemeClr val="tx1"/>
+              </a:solidFill>
+            </a:endParaRPr>
+          </a:p>
+        </p:txBody>
+      </p:sp>
+      <p:sp>
+        <p:nvSpPr>
+          <p:cNvPr id="5" name="막힌 원호 4">
+            <a:extLst>
+              <a:ext uri="{FF2B5EF4-FFF2-40B4-BE49-F238E27FC236}">
+                <a16:creationId xmlns:a16="http://schemas.microsoft.com/office/drawing/2014/main" id="{F90418B8-29E1-4545-BD71-ED6A76688020}"/>
+              </a:ext>
+            </a:extLst>
+          </p:cNvPr>
+          <p:cNvSpPr/>
+          <p:nvPr/>
+        </p:nvSpPr>
+        <p:spPr>
+          <a:xfrm>
+            <a:off x="126349" y="107299"/>
+            <a:ext cx="947453" cy="947453"/>
+          </a:xfrm>
+          <a:prstGeom prst="blockArc">
+            <a:avLst>
+              <a:gd name="adj1" fmla="val 10800000"/>
+              <a:gd name="adj2" fmla="val 0"/>
+              <a:gd name="adj3" fmla="val 11046"/>
+            </a:avLst>
+          </a:prstGeom>
+          <a:solidFill>
+            <a:srgbClr val="EED36A"/>
+          </a:solidFill>
+          <a:ln>
+            <a:noFill/>
+          </a:ln>
+        </p:spPr>
+        <p:style>
+          <a:lnRef idx="2">
+            <a:schemeClr val="accent1">
+              <a:shade val="50000"/>
+            </a:schemeClr>
+          </a:lnRef>
+          <a:fillRef idx="1">
+            <a:schemeClr val="accent1"/>
+          </a:fillRef>
+          <a:effectRef idx="0">
+            <a:schemeClr val="accent1"/>
+          </a:effectRef>
+          <a:fontRef idx="minor">
+            <a:schemeClr val="lt1"/>
+          </a:fontRef>
+        </p:style>
+        <p:txBody>
+          <a:bodyPr rtlCol="0" anchor="ctr"/>
+          <a:lstStyle/>
+          <a:p>
+            <a:pPr algn="ctr"/>
+            <a:endParaRPr lang="ko-KR" altLang="en-US">
+              <a:solidFill>
+                <a:schemeClr val="tx1"/>
+              </a:solidFill>
+            </a:endParaRPr>
+          </a:p>
+        </p:txBody>
+      </p:sp>
+      <p:pic>
+        <p:nvPicPr>
+          <p:cNvPr id="14" name="그림 13">
+            <a:extLst>
+              <a:ext uri="{FF2B5EF4-FFF2-40B4-BE49-F238E27FC236}">
+                <a16:creationId xmlns:a16="http://schemas.microsoft.com/office/drawing/2014/main" id="{01DDA1E2-74A4-4608-9DCA-610A11D9BC4A}"/>
+              </a:ext>
+            </a:extLst>
+          </p:cNvPr>
+          <p:cNvPicPr>
+            <a:picLocks noChangeAspect="1"/>
+          </p:cNvPicPr>
+          <p:nvPr/>
+        </p:nvPicPr>
+        <p:blipFill>
+          <a:blip r:embed="rId2">
+            <a:extLst>
+              <a:ext uri="{28A0092B-C50C-407E-A947-70E740481C1C}">
+                <a14:useLocalDpi xmlns:a14="http://schemas.microsoft.com/office/drawing/2010/main" val="0"/>
+              </a:ext>
+            </a:extLst>
+          </a:blip>
+          <a:stretch>
+            <a:fillRect/>
+          </a:stretch>
+        </p:blipFill>
+        <p:spPr>
+          <a:xfrm>
+            <a:off x="387418" y="349318"/>
+            <a:ext cx="425315" cy="425315"/>
+          </a:xfrm>
+          <a:prstGeom prst="rect">
+            <a:avLst/>
+          </a:prstGeom>
+        </p:spPr>
+      </p:pic>
+      <p:sp>
+        <p:nvSpPr>
+          <p:cNvPr id="16" name="TextBox 15">
+            <a:extLst>
+              <a:ext uri="{FF2B5EF4-FFF2-40B4-BE49-F238E27FC236}">
+                <a16:creationId xmlns:a16="http://schemas.microsoft.com/office/drawing/2014/main" id="{4EA72AC6-CDF0-484C-A893-AC81DB276005}"/>
+              </a:ext>
+            </a:extLst>
+          </p:cNvPr>
+          <p:cNvSpPr txBox="1"/>
+          <p:nvPr/>
+        </p:nvSpPr>
+        <p:spPr>
+          <a:xfrm>
+            <a:off x="1087559" y="282600"/>
+            <a:ext cx="1828361" cy="369332"/>
+          </a:xfrm>
+          <a:prstGeom prst="rect">
+            <a:avLst/>
+          </a:prstGeom>
+          <a:noFill/>
+        </p:spPr>
+        <p:txBody>
+          <a:bodyPr wrap="square" rtlCol="0">
+            <a:spAutoFit/>
+          </a:bodyPr>
+          <a:lstStyle/>
+          <a:p>
+            <a:r>
+              <a:rPr lang="en-US" altLang="ko-KR" sz="1800" dirty="0">
+                <a:solidFill>
+                  <a:srgbClr val="EED36A"/>
+                </a:solidFill>
+                <a:latin typeface="문화재돌봄체 Bold" panose="020B0000000000000000" pitchFamily="50" charset="-127"/>
+                <a:ea typeface="문화재돌봄체 Bold" panose="020B0000000000000000" pitchFamily="50" charset="-127"/>
+              </a:rPr>
+              <a:t>3. Approach</a:t>
+            </a:r>
+            <a:endParaRPr lang="ko-KR" altLang="en-US" sz="1800" dirty="0">
+              <a:solidFill>
+                <a:srgbClr val="EED36A"/>
+              </a:solidFill>
+              <a:latin typeface="문화재돌봄체 Bold" panose="020B0000000000000000" pitchFamily="50" charset="-127"/>
+              <a:ea typeface="문화재돌봄체 Bold" panose="020B0000000000000000" pitchFamily="50" charset="-127"/>
+            </a:endParaRPr>
+          </a:p>
+        </p:txBody>
+      </p:sp>
+      <p:sp>
+        <p:nvSpPr>
+          <p:cNvPr id="17" name="TextBox 16">
+            <a:extLst>
+              <a:ext uri="{FF2B5EF4-FFF2-40B4-BE49-F238E27FC236}">
+                <a16:creationId xmlns:a16="http://schemas.microsoft.com/office/drawing/2014/main" id="{B35DE741-1AFB-4CFB-BA35-DB27F5F67224}"/>
+              </a:ext>
+            </a:extLst>
+          </p:cNvPr>
+          <p:cNvSpPr txBox="1"/>
+          <p:nvPr/>
+        </p:nvSpPr>
+        <p:spPr>
+          <a:xfrm>
+            <a:off x="1087559" y="614598"/>
+            <a:ext cx="3925243" cy="338554"/>
+          </a:xfrm>
+          <a:prstGeom prst="rect">
+            <a:avLst/>
+          </a:prstGeom>
+          <a:noFill/>
+        </p:spPr>
+        <p:txBody>
+          <a:bodyPr wrap="square" rtlCol="0">
+            <a:spAutoFit/>
+          </a:bodyPr>
+          <a:lstStyle/>
+          <a:p>
+            <a:r>
+              <a:rPr lang="en-US" altLang="ko-KR" sz="1600" dirty="0">
+                <a:solidFill>
+                  <a:schemeClr val="tx1">
+                    <a:lumMod val="85000"/>
+                    <a:lumOff val="15000"/>
+                  </a:schemeClr>
+                </a:solidFill>
+                <a:latin typeface="문화재돌봄체 Bold" panose="020B0000000000000000" pitchFamily="50" charset="-127"/>
+                <a:ea typeface="문화재돌봄체 Bold" panose="020B0000000000000000" pitchFamily="50" charset="-127"/>
+              </a:rPr>
+              <a:t>3.1 Framework overview</a:t>
+            </a:r>
+          </a:p>
+        </p:txBody>
+      </p:sp>
+      <p:grpSp>
+        <p:nvGrpSpPr>
+          <p:cNvPr id="9" name="그룹 8">
+            <a:extLst>
+              <a:ext uri="{FF2B5EF4-FFF2-40B4-BE49-F238E27FC236}">
+                <a16:creationId xmlns:a16="http://schemas.microsoft.com/office/drawing/2014/main" id="{368DCD2C-0AE9-4F2E-84E5-6BE8A1659952}"/>
+              </a:ext>
+            </a:extLst>
+          </p:cNvPr>
+          <p:cNvGrpSpPr/>
+          <p:nvPr/>
+        </p:nvGrpSpPr>
+        <p:grpSpPr>
+          <a:xfrm>
+            <a:off x="220190" y="1822526"/>
+            <a:ext cx="3336453" cy="3949430"/>
+            <a:chOff x="196799" y="1296771"/>
+            <a:chExt cx="4038600" cy="4761129"/>
+          </a:xfrm>
+        </p:grpSpPr>
+        <p:pic>
+          <p:nvPicPr>
+            <p:cNvPr id="6" name="그림 5">
+              <a:extLst>
+                <a:ext uri="{FF2B5EF4-FFF2-40B4-BE49-F238E27FC236}">
+                  <a16:creationId xmlns:a16="http://schemas.microsoft.com/office/drawing/2014/main" id="{875DAD8A-76FE-48B8-80E2-408EC35C7026}"/>
+                </a:ext>
+              </a:extLst>
+            </p:cNvPr>
+            <p:cNvPicPr>
+              <a:picLocks noChangeAspect="1"/>
+            </p:cNvPicPr>
+            <p:nvPr/>
+          </p:nvPicPr>
+          <p:blipFill>
+            <a:blip r:embed="rId3"/>
+            <a:stretch>
+              <a:fillRect/>
+            </a:stretch>
+          </p:blipFill>
+          <p:spPr>
+            <a:xfrm>
+              <a:off x="196799" y="1296771"/>
+              <a:ext cx="4038600" cy="2141968"/>
+            </a:xfrm>
+            <a:prstGeom prst="rect">
+              <a:avLst/>
+            </a:prstGeom>
+          </p:spPr>
+        </p:pic>
+        <p:pic>
+          <p:nvPicPr>
+            <p:cNvPr id="8" name="그림 7">
+              <a:extLst>
+                <a:ext uri="{FF2B5EF4-FFF2-40B4-BE49-F238E27FC236}">
+                  <a16:creationId xmlns:a16="http://schemas.microsoft.com/office/drawing/2014/main" id="{886F8ADB-7947-4DC0-81D3-4DE5F3D4726E}"/>
+                </a:ext>
+              </a:extLst>
+            </p:cNvPr>
+            <p:cNvPicPr>
+              <a:picLocks noChangeAspect="1"/>
+            </p:cNvPicPr>
+            <p:nvPr/>
+          </p:nvPicPr>
+          <p:blipFill>
+            <a:blip r:embed="rId4"/>
+            <a:stretch>
+              <a:fillRect/>
+            </a:stretch>
+          </p:blipFill>
+          <p:spPr>
+            <a:xfrm>
+              <a:off x="196799" y="3429000"/>
+              <a:ext cx="4038600" cy="2628900"/>
+            </a:xfrm>
+            <a:prstGeom prst="rect">
+              <a:avLst/>
+            </a:prstGeom>
+          </p:spPr>
+        </p:pic>
+      </p:grpSp>
+      <p:pic>
+        <p:nvPicPr>
+          <p:cNvPr id="13" name="그림 12">
+            <a:extLst>
+              <a:ext uri="{FF2B5EF4-FFF2-40B4-BE49-F238E27FC236}">
+                <a16:creationId xmlns:a16="http://schemas.microsoft.com/office/drawing/2014/main" id="{EBC4E2FE-1807-49F3-ADD8-1C20873425D5}"/>
+              </a:ext>
+            </a:extLst>
+          </p:cNvPr>
+          <p:cNvPicPr>
+            <a:picLocks noChangeAspect="1"/>
+          </p:cNvPicPr>
+          <p:nvPr/>
+        </p:nvPicPr>
+        <p:blipFill>
+          <a:blip r:embed="rId5"/>
+          <a:stretch>
+            <a:fillRect/>
+          </a:stretch>
+        </p:blipFill>
+        <p:spPr>
+          <a:xfrm>
+            <a:off x="8482519" y="282601"/>
+            <a:ext cx="3489291" cy="3359154"/>
+          </a:xfrm>
+          <a:prstGeom prst="rect">
+            <a:avLst/>
+          </a:prstGeom>
+        </p:spPr>
+      </p:pic>
+      <p:sp>
+        <p:nvSpPr>
+          <p:cNvPr id="24" name="TextBox 23">
+            <a:extLst>
+              <a:ext uri="{FF2B5EF4-FFF2-40B4-BE49-F238E27FC236}">
+                <a16:creationId xmlns:a16="http://schemas.microsoft.com/office/drawing/2014/main" id="{1D1C8988-79AF-4C03-975F-916AFD13B446}"/>
+              </a:ext>
+            </a:extLst>
+          </p:cNvPr>
+          <p:cNvSpPr txBox="1"/>
+          <p:nvPr/>
+        </p:nvSpPr>
+        <p:spPr>
+          <a:xfrm>
+            <a:off x="3556644" y="282600"/>
+            <a:ext cx="7832472" cy="6155531"/>
+          </a:xfrm>
+          <a:prstGeom prst="rect">
+            <a:avLst/>
+          </a:prstGeom>
+          <a:noFill/>
+        </p:spPr>
+        <p:txBody>
+          <a:bodyPr wrap="square">
+            <a:spAutoFit/>
+          </a:bodyPr>
+          <a:lstStyle/>
+          <a:p>
+            <a:pPr>
+              <a:lnSpc>
+                <a:spcPct val="150000"/>
+              </a:lnSpc>
+            </a:pPr>
+            <a:r>
+              <a:rPr lang="ko-KR" altLang="en-US" sz="1200" b="0" i="0" dirty="0">
+                <a:solidFill>
+                  <a:srgbClr val="000000"/>
+                </a:solidFill>
+                <a:effectLst/>
+                <a:latin typeface="문화재돌봄체 Regular" panose="020B0000000000000000" pitchFamily="50" charset="-127"/>
+                <a:ea typeface="문화재돌봄체 Regular" panose="020B0000000000000000" pitchFamily="50" charset="-127"/>
+              </a:rPr>
+              <a:t>제안된 </a:t>
+            </a:r>
+            <a:r>
+              <a:rPr lang="en-US" altLang="ko-KR" sz="1200" b="0" i="0" dirty="0">
+                <a:solidFill>
+                  <a:srgbClr val="000000"/>
+                </a:solidFill>
+                <a:effectLst/>
+                <a:latin typeface="문화재돌봄체 Regular" panose="020B0000000000000000" pitchFamily="50" charset="-127"/>
+                <a:ea typeface="문화재돌봄체 Regular" panose="020B0000000000000000" pitchFamily="50" charset="-127"/>
+              </a:rPr>
+              <a:t>EHC(</a:t>
+            </a:r>
+            <a:r>
+              <a:rPr lang="ko-KR" altLang="en-US" sz="1200" b="0" i="0" dirty="0">
+                <a:solidFill>
+                  <a:srgbClr val="000000"/>
+                </a:solidFill>
+                <a:effectLst/>
+                <a:latin typeface="문화재돌봄체 Regular" panose="020B0000000000000000" pitchFamily="50" charset="-127"/>
+                <a:ea typeface="문화재돌봄체 Regular" panose="020B0000000000000000" pitchFamily="50" charset="-127"/>
+              </a:rPr>
+              <a:t>효율 높이 압축</a:t>
+            </a:r>
+            <a:r>
+              <a:rPr lang="en-US" altLang="ko-KR" sz="1200" b="0" i="0" dirty="0">
+                <a:solidFill>
+                  <a:srgbClr val="000000"/>
+                </a:solidFill>
+                <a:effectLst/>
+                <a:latin typeface="문화재돌봄체 Regular" panose="020B0000000000000000" pitchFamily="50" charset="-127"/>
+                <a:ea typeface="문화재돌봄체 Regular" panose="020B0000000000000000" pitchFamily="50" charset="-127"/>
+              </a:rPr>
+              <a:t>) </a:t>
+            </a:r>
+            <a:r>
+              <a:rPr lang="ko-KR" altLang="en-US" sz="1200" b="0" i="0" dirty="0">
+                <a:solidFill>
+                  <a:srgbClr val="000000"/>
+                </a:solidFill>
+                <a:effectLst/>
+                <a:latin typeface="문화재돌봄체 Regular" panose="020B0000000000000000" pitchFamily="50" charset="-127"/>
+                <a:ea typeface="문화재돌봄체 Regular" panose="020B0000000000000000" pitchFamily="50" charset="-127"/>
+              </a:rPr>
+              <a:t>모듈은 그림 </a:t>
+            </a:r>
+            <a:r>
+              <a:rPr lang="en-US" altLang="ko-KR" sz="1200" b="0" i="0" dirty="0">
+                <a:solidFill>
+                  <a:srgbClr val="000000"/>
+                </a:solidFill>
+                <a:effectLst/>
+                <a:latin typeface="문화재돌봄체 Regular" panose="020B0000000000000000" pitchFamily="50" charset="-127"/>
+                <a:ea typeface="문화재돌봄체 Regular" panose="020B0000000000000000" pitchFamily="50" charset="-127"/>
+              </a:rPr>
+              <a:t>4</a:t>
+            </a:r>
+            <a:r>
+              <a:rPr lang="ko-KR" altLang="en-US" sz="1200" b="0" i="0" dirty="0">
+                <a:solidFill>
+                  <a:srgbClr val="000000"/>
+                </a:solidFill>
+                <a:effectLst/>
+                <a:latin typeface="문화재돌봄체 Regular" panose="020B0000000000000000" pitchFamily="50" charset="-127"/>
+                <a:ea typeface="문화재돌봄체 Regular" panose="020B0000000000000000" pitchFamily="50" charset="-127"/>
+              </a:rPr>
+              <a:t>에 설명되어 있다</a:t>
+            </a:r>
+            <a:r>
+              <a:rPr lang="en-US" altLang="ko-KR" sz="1200" b="0" i="0" dirty="0">
+                <a:solidFill>
+                  <a:srgbClr val="000000"/>
+                </a:solidFill>
+                <a:effectLst/>
+                <a:latin typeface="문화재돌봄체 Regular" panose="020B0000000000000000" pitchFamily="50" charset="-127"/>
+                <a:ea typeface="문화재돌봄체 Regular" panose="020B0000000000000000" pitchFamily="50" charset="-127"/>
+              </a:rPr>
+              <a:t>.</a:t>
+            </a:r>
+            <a:br>
+              <a:rPr lang="ko-KR" altLang="en-US" sz="1200" dirty="0">
+                <a:latin typeface="문화재돌봄체 Regular" panose="020B0000000000000000" pitchFamily="50" charset="-127"/>
+                <a:ea typeface="문화재돌봄체 Regular" panose="020B0000000000000000" pitchFamily="50" charset="-127"/>
+              </a:rPr>
+            </a:br>
+            <a:br>
+              <a:rPr lang="ko-KR" altLang="en-US" sz="1200" dirty="0">
+                <a:latin typeface="문화재돌봄체 Regular" panose="020B0000000000000000" pitchFamily="50" charset="-127"/>
+                <a:ea typeface="문화재돌봄체 Regular" panose="020B0000000000000000" pitchFamily="50" charset="-127"/>
+              </a:rPr>
+            </a:br>
+            <a:r>
+              <a:rPr lang="ko-KR" altLang="en-US" sz="1200" b="0" i="0" dirty="0">
+                <a:solidFill>
+                  <a:srgbClr val="000000"/>
+                </a:solidFill>
+                <a:effectLst/>
+                <a:latin typeface="문화재돌봄체 Regular" panose="020B0000000000000000" pitchFamily="50" charset="-127"/>
+                <a:ea typeface="문화재돌봄체 Regular" panose="020B0000000000000000" pitchFamily="50" charset="-127"/>
+              </a:rPr>
+              <a:t>우리는 먼저 백본의 피라미드에서 각 </a:t>
+            </a:r>
+            <a:r>
+              <a:rPr lang="en-US" altLang="ko-KR" sz="1200" b="0" i="0" dirty="0">
+                <a:solidFill>
+                  <a:srgbClr val="000000"/>
+                </a:solidFill>
+                <a:effectLst/>
+                <a:latin typeface="문화재돌봄체 Regular" panose="020B0000000000000000" pitchFamily="50" charset="-127"/>
+                <a:ea typeface="문화재돌봄체 Regular" panose="020B0000000000000000" pitchFamily="50" charset="-127"/>
+              </a:rPr>
+              <a:t>2D </a:t>
+            </a:r>
+            <a:r>
+              <a:rPr lang="ko-KR" altLang="en-US" sz="1200" b="0" i="0" dirty="0">
+                <a:solidFill>
+                  <a:srgbClr val="000000"/>
+                </a:solidFill>
+                <a:effectLst/>
+                <a:latin typeface="문화재돌봄체 Regular" panose="020B0000000000000000" pitchFamily="50" charset="-127"/>
+                <a:ea typeface="문화재돌봄체 Regular" panose="020B0000000000000000" pitchFamily="50" charset="-127"/>
+              </a:rPr>
+              <a:t>형상의 높이를 </a:t>
+            </a:r>
+            <a:r>
+              <a:rPr lang="ko-KR" altLang="en-US" sz="1200" b="0" i="0" dirty="0" err="1">
+                <a:solidFill>
+                  <a:srgbClr val="000000"/>
+                </a:solidFill>
+                <a:effectLst/>
+                <a:latin typeface="문화재돌봄체 Regular" panose="020B0000000000000000" pitchFamily="50" charset="-127"/>
+                <a:ea typeface="문화재돌봄체 Regular" panose="020B0000000000000000" pitchFamily="50" charset="-127"/>
+              </a:rPr>
+              <a:t>짜내기</a:t>
+            </a:r>
+            <a:r>
+              <a:rPr lang="ko-KR" altLang="en-US" sz="1200" b="0" i="0" dirty="0">
+                <a:solidFill>
+                  <a:srgbClr val="000000"/>
+                </a:solidFill>
+                <a:effectLst/>
+                <a:latin typeface="문화재돌봄체 Regular" panose="020B0000000000000000" pitchFamily="50" charset="-127"/>
+                <a:ea typeface="문화재돌봄체 Regular" panose="020B0000000000000000" pitchFamily="50" charset="-127"/>
+              </a:rPr>
+              <a:t> 위해 </a:t>
+            </a:r>
+            <a:r>
+              <a:rPr lang="en-US" altLang="ko-KR" sz="1200" b="0" i="0" dirty="0">
+                <a:solidFill>
+                  <a:srgbClr val="000000"/>
+                </a:solidFill>
+                <a:effectLst/>
+                <a:latin typeface="문화재돌봄체 Regular" panose="020B0000000000000000" pitchFamily="50" charset="-127"/>
+                <a:ea typeface="문화재돌봄체 Regular" panose="020B0000000000000000" pitchFamily="50" charset="-127"/>
+              </a:rPr>
+              <a:t>EHC </a:t>
+            </a:r>
+            <a:r>
+              <a:rPr lang="ko-KR" altLang="en-US" sz="1200" b="0" i="0" dirty="0">
+                <a:solidFill>
+                  <a:srgbClr val="000000"/>
+                </a:solidFill>
+                <a:effectLst/>
+                <a:latin typeface="문화재돌봄체 Regular" panose="020B0000000000000000" pitchFamily="50" charset="-127"/>
+                <a:ea typeface="문화재돌봄체 Regular" panose="020B0000000000000000" pitchFamily="50" charset="-127"/>
+              </a:rPr>
+              <a:t>블록을 사용한다</a:t>
+            </a:r>
+            <a:r>
+              <a:rPr lang="en-US" altLang="ko-KR" sz="1200" b="0" i="0" dirty="0">
+                <a:solidFill>
+                  <a:srgbClr val="000000"/>
+                </a:solidFill>
+                <a:effectLst/>
+                <a:latin typeface="문화재돌봄체 Regular" panose="020B0000000000000000" pitchFamily="50" charset="-127"/>
+                <a:ea typeface="문화재돌봄체 Regular" panose="020B0000000000000000" pitchFamily="50" charset="-127"/>
+              </a:rPr>
+              <a:t>.</a:t>
+            </a:r>
+            <a:br>
+              <a:rPr lang="ko-KR" altLang="en-US" sz="1200" dirty="0">
+                <a:latin typeface="문화재돌봄체 Regular" panose="020B0000000000000000" pitchFamily="50" charset="-127"/>
+                <a:ea typeface="문화재돌봄체 Regular" panose="020B0000000000000000" pitchFamily="50" charset="-127"/>
+              </a:rPr>
+            </a:br>
+            <a:br>
+              <a:rPr lang="ko-KR" altLang="en-US" sz="1200" dirty="0">
+                <a:latin typeface="문화재돌봄체 Regular" panose="020B0000000000000000" pitchFamily="50" charset="-127"/>
+                <a:ea typeface="문화재돌봄체 Regular" panose="020B0000000000000000" pitchFamily="50" charset="-127"/>
+              </a:rPr>
+            </a:br>
+            <a:r>
+              <a:rPr lang="ko-KR" altLang="en-US" sz="1200" b="0" i="0" dirty="0">
+                <a:solidFill>
+                  <a:srgbClr val="000000"/>
+                </a:solidFill>
+                <a:effectLst/>
+                <a:latin typeface="문화재돌봄체 Regular" panose="020B0000000000000000" pitchFamily="50" charset="-127"/>
+                <a:ea typeface="문화재돌봄체 Regular" panose="020B0000000000000000" pitchFamily="50" charset="-127"/>
+              </a:rPr>
+              <a:t>그런 다음 결과 </a:t>
+            </a:r>
+            <a:r>
+              <a:rPr lang="en-US" altLang="ko-KR" sz="1200" b="0" i="0" dirty="0">
+                <a:solidFill>
+                  <a:srgbClr val="000000"/>
+                </a:solidFill>
+                <a:effectLst/>
+                <a:latin typeface="문화재돌봄체 Regular" panose="020B0000000000000000" pitchFamily="50" charset="-127"/>
+                <a:ea typeface="문화재돌봄체 Regular" panose="020B0000000000000000" pitchFamily="50" charset="-127"/>
+              </a:rPr>
+              <a:t>1D </a:t>
+            </a:r>
+            <a:r>
+              <a:rPr lang="ko-KR" altLang="en-US" sz="1200" b="0" i="0" dirty="0">
+                <a:solidFill>
+                  <a:srgbClr val="000000"/>
+                </a:solidFill>
+                <a:effectLst/>
+                <a:latin typeface="문화재돌봄체 Regular" panose="020B0000000000000000" pitchFamily="50" charset="-127"/>
+                <a:ea typeface="문화재돌봄체 Regular" panose="020B0000000000000000" pitchFamily="50" charset="-127"/>
+              </a:rPr>
+              <a:t>형상이 합산으로 간단히 융합됩니다</a:t>
+            </a:r>
+            <a:r>
+              <a:rPr lang="en-US" altLang="ko-KR" sz="1200" b="0" i="0" dirty="0">
+                <a:solidFill>
+                  <a:srgbClr val="000000"/>
+                </a:solidFill>
+                <a:effectLst/>
+                <a:latin typeface="문화재돌봄체 Regular" panose="020B0000000000000000" pitchFamily="50" charset="-127"/>
+                <a:ea typeface="문화재돌봄체 Regular" panose="020B0000000000000000" pitchFamily="50" charset="-127"/>
+              </a:rPr>
+              <a:t>.</a:t>
+            </a:r>
+            <a:br>
+              <a:rPr lang="ko-KR" altLang="en-US" sz="1200" dirty="0">
+                <a:latin typeface="문화재돌봄체 Regular" panose="020B0000000000000000" pitchFamily="50" charset="-127"/>
+                <a:ea typeface="문화재돌봄체 Regular" panose="020B0000000000000000" pitchFamily="50" charset="-127"/>
+              </a:rPr>
+            </a:br>
+            <a:br>
+              <a:rPr lang="ko-KR" altLang="en-US" sz="1200" dirty="0">
+                <a:latin typeface="문화재돌봄체 Regular" panose="020B0000000000000000" pitchFamily="50" charset="-127"/>
+                <a:ea typeface="문화재돌봄체 Regular" panose="020B0000000000000000" pitchFamily="50" charset="-127"/>
+              </a:rPr>
+            </a:br>
+            <a:r>
+              <a:rPr lang="en-US" altLang="ko-KR" sz="1200" b="0" i="0" dirty="0">
+                <a:solidFill>
+                  <a:srgbClr val="000000"/>
+                </a:solidFill>
+                <a:effectLst/>
+                <a:latin typeface="문화재돌봄체 Regular" panose="020B0000000000000000" pitchFamily="50" charset="-127"/>
+                <a:ea typeface="문화재돌봄체 Regular" panose="020B0000000000000000" pitchFamily="50" charset="-127"/>
+              </a:rPr>
+              <a:t>EHC </a:t>
+            </a:r>
+            <a:r>
+              <a:rPr lang="ko-KR" altLang="en-US" sz="1200" b="0" i="0" dirty="0">
+                <a:solidFill>
+                  <a:srgbClr val="000000"/>
+                </a:solidFill>
+                <a:effectLst/>
+                <a:latin typeface="문화재돌봄체 Regular" panose="020B0000000000000000" pitchFamily="50" charset="-127"/>
+                <a:ea typeface="문화재돌봄체 Regular" panose="020B0000000000000000" pitchFamily="50" charset="-127"/>
+              </a:rPr>
+              <a:t>블록 내에서 입력 </a:t>
+            </a:r>
+            <a:r>
+              <a:rPr lang="en-US" altLang="ko-KR" sz="1200" b="0" i="0" dirty="0">
+                <a:solidFill>
+                  <a:srgbClr val="000000"/>
+                </a:solidFill>
+                <a:effectLst/>
+                <a:latin typeface="문화재돌봄체 Regular" panose="020B0000000000000000" pitchFamily="50" charset="-127"/>
+                <a:ea typeface="문화재돌봄체 Regular" panose="020B0000000000000000" pitchFamily="50" charset="-127"/>
+              </a:rPr>
+              <a:t>2D </a:t>
+            </a:r>
+            <a:r>
+              <a:rPr lang="ko-KR" altLang="en-US" sz="1200" b="0" i="0" dirty="0">
+                <a:solidFill>
+                  <a:srgbClr val="000000"/>
+                </a:solidFill>
+                <a:effectLst/>
+                <a:latin typeface="문화재돌봄체 Regular" panose="020B0000000000000000" pitchFamily="50" charset="-127"/>
+                <a:ea typeface="문화재돌봄체 Regular" panose="020B0000000000000000" pitchFamily="50" charset="-127"/>
+              </a:rPr>
+              <a:t>형상은 채널 감소를 위해 먼저 </a:t>
+            </a:r>
+            <a:r>
+              <a:rPr lang="en-US" altLang="ko-KR" sz="1200" b="0" i="0" dirty="0">
+                <a:solidFill>
+                  <a:srgbClr val="000000"/>
+                </a:solidFill>
+                <a:effectLst/>
+                <a:latin typeface="문화재돌봄체 Regular" panose="020B0000000000000000" pitchFamily="50" charset="-127"/>
+                <a:ea typeface="문화재돌봄체 Regular" panose="020B0000000000000000" pitchFamily="50" charset="-127"/>
+              </a:rPr>
+              <a:t>Conv2D </a:t>
+            </a:r>
+            <a:r>
+              <a:rPr lang="ko-KR" altLang="en-US" sz="1200" b="0" i="0" dirty="0">
+                <a:solidFill>
+                  <a:srgbClr val="000000"/>
+                </a:solidFill>
+                <a:effectLst/>
+                <a:latin typeface="문화재돌봄체 Regular" panose="020B0000000000000000" pitchFamily="50" charset="-127"/>
+                <a:ea typeface="문화재돌봄체 Regular" panose="020B0000000000000000" pitchFamily="50" charset="-127"/>
+              </a:rPr>
+              <a:t>블록에 의해 처리된 다음 필요한 경우 공간 너비가 </a:t>
+            </a:r>
+            <a:r>
+              <a:rPr lang="en-US" altLang="ko-KR" sz="1200" b="0" i="0" dirty="0">
+                <a:solidFill>
+                  <a:srgbClr val="000000"/>
+                </a:solidFill>
+                <a:effectLst/>
+                <a:latin typeface="문화재돌봄체 Regular" panose="020B0000000000000000" pitchFamily="50" charset="-127"/>
+                <a:ea typeface="문화재돌봄체 Regular" panose="020B0000000000000000" pitchFamily="50" charset="-127"/>
+              </a:rPr>
+              <a:t>W1</a:t>
+            </a:r>
+            <a:r>
+              <a:rPr lang="ko-KR" altLang="en-US" sz="1200" b="0" i="0" dirty="0">
+                <a:solidFill>
+                  <a:srgbClr val="000000"/>
+                </a:solidFill>
+                <a:effectLst/>
+                <a:latin typeface="문화재돌봄체 Regular" panose="020B0000000000000000" pitchFamily="50" charset="-127"/>
+                <a:ea typeface="문화재돌봄체 Regular" panose="020B0000000000000000" pitchFamily="50" charset="-127"/>
+              </a:rPr>
+              <a:t>로 </a:t>
+            </a:r>
+            <a:r>
+              <a:rPr lang="ko-KR" altLang="en-US" sz="1200" b="0" i="0" dirty="0" err="1">
+                <a:solidFill>
+                  <a:srgbClr val="000000"/>
+                </a:solidFill>
+                <a:effectLst/>
+                <a:latin typeface="문화재돌봄체 Regular" panose="020B0000000000000000" pitchFamily="50" charset="-127"/>
+                <a:ea typeface="문화재돌봄체 Regular" panose="020B0000000000000000" pitchFamily="50" charset="-127"/>
+              </a:rPr>
+              <a:t>업샘플링되고</a:t>
+            </a:r>
+            <a:r>
+              <a:rPr lang="ko-KR" altLang="en-US" sz="1200" b="0" i="0" dirty="0">
+                <a:solidFill>
+                  <a:srgbClr val="000000"/>
+                </a:solidFill>
+                <a:effectLst/>
+                <a:latin typeface="문화재돌봄체 Regular" panose="020B0000000000000000" pitchFamily="50" charset="-127"/>
+                <a:ea typeface="문화재돌봄체 Regular" panose="020B0000000000000000" pitchFamily="50" charset="-127"/>
+              </a:rPr>
+              <a:t> 마지막으로 다른 </a:t>
+            </a:r>
+            <a:r>
+              <a:rPr lang="en-US" altLang="ko-KR" sz="1200" b="0" i="0" dirty="0">
+                <a:solidFill>
+                  <a:srgbClr val="000000"/>
+                </a:solidFill>
+                <a:effectLst/>
+                <a:latin typeface="문화재돌봄체 Regular" panose="020B0000000000000000" pitchFamily="50" charset="-127"/>
+                <a:ea typeface="문화재돌봄체 Regular" panose="020B0000000000000000" pitchFamily="50" charset="-127"/>
+              </a:rPr>
+              <a:t>Conv2D </a:t>
+            </a:r>
+            <a:r>
+              <a:rPr lang="ko-KR" altLang="en-US" sz="1200" b="0" i="0" dirty="0">
+                <a:solidFill>
+                  <a:srgbClr val="000000"/>
+                </a:solidFill>
+                <a:effectLst/>
+                <a:latin typeface="문화재돌봄체 Regular" panose="020B0000000000000000" pitchFamily="50" charset="-127"/>
+                <a:ea typeface="문화재돌봄체 Regular" panose="020B0000000000000000" pitchFamily="50" charset="-127"/>
+              </a:rPr>
+              <a:t>블록이 </a:t>
+            </a:r>
+            <a:r>
+              <a:rPr lang="ko-KR" altLang="en-US" sz="1200" b="0" i="0" dirty="0" err="1">
+                <a:solidFill>
+                  <a:srgbClr val="000000"/>
+                </a:solidFill>
+                <a:effectLst/>
+                <a:latin typeface="문화재돌봄체 Regular" panose="020B0000000000000000" pitchFamily="50" charset="-127"/>
+                <a:ea typeface="문화재돌봄체 Regular" panose="020B0000000000000000" pitchFamily="50" charset="-127"/>
+              </a:rPr>
+              <a:t>업샘플링된</a:t>
+            </a:r>
+            <a:r>
+              <a:rPr lang="ko-KR" altLang="en-US" sz="1200" b="0" i="0" dirty="0">
+                <a:solidFill>
+                  <a:srgbClr val="000000"/>
+                </a:solidFill>
+                <a:effectLst/>
+                <a:latin typeface="문화재돌봄체 Regular" panose="020B0000000000000000" pitchFamily="50" charset="-127"/>
+                <a:ea typeface="문화재돌봄체 Regular" panose="020B0000000000000000" pitchFamily="50" charset="-127"/>
+              </a:rPr>
+              <a:t> 형상을 </a:t>
+            </a:r>
+            <a:r>
+              <a:rPr lang="ko-KR" altLang="en-US" sz="1200" b="0" i="0" dirty="0" err="1">
+                <a:solidFill>
+                  <a:srgbClr val="000000"/>
+                </a:solidFill>
+                <a:effectLst/>
+                <a:latin typeface="문화재돌봄체 Regular" panose="020B0000000000000000" pitchFamily="50" charset="-127"/>
+                <a:ea typeface="문화재돌봄체 Regular" panose="020B0000000000000000" pitchFamily="50" charset="-127"/>
+              </a:rPr>
+              <a:t>리파인합니다</a:t>
+            </a:r>
+            <a:r>
+              <a:rPr lang="en-US" altLang="ko-KR" sz="1200" b="0" i="0" dirty="0">
+                <a:solidFill>
+                  <a:srgbClr val="000000"/>
+                </a:solidFill>
+                <a:effectLst/>
+                <a:latin typeface="문화재돌봄체 Regular" panose="020B0000000000000000" pitchFamily="50" charset="-127"/>
+                <a:ea typeface="문화재돌봄체 Regular" panose="020B0000000000000000" pitchFamily="50" charset="-127"/>
+              </a:rPr>
+              <a:t>.</a:t>
+            </a:r>
+            <a:br>
+              <a:rPr lang="ko-KR" altLang="en-US" sz="1200" dirty="0">
+                <a:latin typeface="문화재돌봄체 Regular" panose="020B0000000000000000" pitchFamily="50" charset="-127"/>
+                <a:ea typeface="문화재돌봄체 Regular" panose="020B0000000000000000" pitchFamily="50" charset="-127"/>
+              </a:rPr>
+            </a:br>
+            <a:br>
+              <a:rPr lang="ko-KR" altLang="en-US" sz="1200" dirty="0">
+                <a:latin typeface="문화재돌봄체 Regular" panose="020B0000000000000000" pitchFamily="50" charset="-127"/>
+                <a:ea typeface="문화재돌봄체 Regular" panose="020B0000000000000000" pitchFamily="50" charset="-127"/>
+              </a:rPr>
+            </a:br>
+            <a:r>
+              <a:rPr lang="ko-KR" altLang="en-US" sz="1200" b="0" i="0" dirty="0">
+                <a:solidFill>
+                  <a:srgbClr val="000000"/>
+                </a:solidFill>
+                <a:effectLst/>
+                <a:latin typeface="문화재돌봄체 Regular" panose="020B0000000000000000" pitchFamily="50" charset="-127"/>
+                <a:ea typeface="문화재돌봄체 Regular" panose="020B0000000000000000" pitchFamily="50" charset="-127"/>
+              </a:rPr>
+              <a:t>형상 높이를 </a:t>
+            </a:r>
+            <a:r>
+              <a:rPr lang="en-US" altLang="ko-KR" sz="1200" b="0" i="0" dirty="0">
+                <a:solidFill>
+                  <a:srgbClr val="000000"/>
+                </a:solidFill>
+                <a:effectLst/>
+                <a:latin typeface="문화재돌봄체 Regular" panose="020B0000000000000000" pitchFamily="50" charset="-127"/>
+                <a:ea typeface="문화재돌봄체 Regular" panose="020B0000000000000000" pitchFamily="50" charset="-127"/>
+              </a:rPr>
+              <a:t>1</a:t>
+            </a:r>
+            <a:r>
+              <a:rPr lang="ko-KR" altLang="en-US" sz="1200" b="0" i="0" dirty="0">
+                <a:solidFill>
+                  <a:srgbClr val="000000"/>
+                </a:solidFill>
+                <a:effectLst/>
+                <a:latin typeface="문화재돌봄체 Regular" panose="020B0000000000000000" pitchFamily="50" charset="-127"/>
+                <a:ea typeface="문화재돌봄체 Regular" panose="020B0000000000000000" pitchFamily="50" charset="-127"/>
+              </a:rPr>
+              <a:t>로 효율적으로 줄이기 위해 커널 크기를 </a:t>
+            </a:r>
+            <a:r>
+              <a:rPr lang="en-US" altLang="ko-KR" sz="1200" b="0" i="0" dirty="0">
+                <a:solidFill>
+                  <a:srgbClr val="000000"/>
+                </a:solidFill>
+                <a:effectLst/>
+                <a:latin typeface="문화재돌봄체 Regular" panose="020B0000000000000000" pitchFamily="50" charset="-127"/>
+                <a:ea typeface="문화재돌봄체 Regular" panose="020B0000000000000000" pitchFamily="50" charset="-127"/>
+              </a:rPr>
+              <a:t>(h, 1)</a:t>
+            </a:r>
+            <a:r>
+              <a:rPr lang="ko-KR" altLang="en-US" sz="1200" b="0" i="0" dirty="0">
+                <a:solidFill>
+                  <a:srgbClr val="000000"/>
+                </a:solidFill>
+                <a:effectLst/>
+                <a:latin typeface="문화재돌봄체 Regular" panose="020B0000000000000000" pitchFamily="50" charset="-127"/>
+                <a:ea typeface="문화재돌봄체 Regular" panose="020B0000000000000000" pitchFamily="50" charset="-127"/>
+              </a:rPr>
+              <a:t>로 설정하여 패딩 없이 전체 형상 높이를 커버하는 깊이 있는 </a:t>
+            </a:r>
+            <a:r>
+              <a:rPr lang="ko-KR" altLang="en-US" sz="1200" b="0" i="0" dirty="0" err="1">
+                <a:solidFill>
+                  <a:srgbClr val="000000"/>
+                </a:solidFill>
+                <a:effectLst/>
+                <a:latin typeface="문화재돌봄체 Regular" panose="020B0000000000000000" pitchFamily="50" charset="-127"/>
+                <a:ea typeface="문화재돌봄체 Regular" panose="020B0000000000000000" pitchFamily="50" charset="-127"/>
+              </a:rPr>
+              <a:t>컨볼루션</a:t>
+            </a:r>
+            <a:r>
+              <a:rPr lang="ko-KR" altLang="en-US" sz="1200" b="0" i="0" dirty="0">
+                <a:solidFill>
+                  <a:srgbClr val="000000"/>
+                </a:solidFill>
+                <a:effectLst/>
+                <a:latin typeface="문화재돌봄체 Regular" panose="020B0000000000000000" pitchFamily="50" charset="-127"/>
+                <a:ea typeface="문화재돌봄체 Regular" panose="020B0000000000000000" pitchFamily="50" charset="-127"/>
+              </a:rPr>
+              <a:t> 레이어인 </a:t>
+            </a:r>
+            <a:r>
+              <a:rPr lang="en-US" altLang="ko-KR" sz="1200" b="0" i="0" dirty="0" err="1">
+                <a:solidFill>
+                  <a:srgbClr val="000000"/>
+                </a:solidFill>
+                <a:effectLst/>
+                <a:latin typeface="문화재돌봄체 Regular" panose="020B0000000000000000" pitchFamily="50" charset="-127"/>
+                <a:ea typeface="문화재돌봄체 Regular" panose="020B0000000000000000" pitchFamily="50" charset="-127"/>
+              </a:rPr>
+              <a:t>ConvSqueeZH</a:t>
+            </a:r>
+            <a:r>
+              <a:rPr lang="en-US" altLang="ko-KR" sz="1200" b="0" i="0" dirty="0">
+                <a:solidFill>
+                  <a:srgbClr val="000000"/>
+                </a:solidFill>
+                <a:effectLst/>
+                <a:latin typeface="문화재돌봄체 Regular" panose="020B0000000000000000" pitchFamily="50" charset="-127"/>
+                <a:ea typeface="문화재돌봄체 Regular" panose="020B0000000000000000" pitchFamily="50" charset="-127"/>
+              </a:rPr>
+              <a:t> </a:t>
+            </a:r>
+            <a:r>
+              <a:rPr lang="ko-KR" altLang="en-US" sz="1200" b="0" i="0" dirty="0">
+                <a:solidFill>
+                  <a:srgbClr val="000000"/>
+                </a:solidFill>
+                <a:effectLst/>
+                <a:latin typeface="문화재돌봄체 Regular" panose="020B0000000000000000" pitchFamily="50" charset="-127"/>
+                <a:ea typeface="문화재돌봄체 Regular" panose="020B0000000000000000" pitchFamily="50" charset="-127"/>
+              </a:rPr>
+              <a:t>레이어를 설계한다</a:t>
+            </a:r>
+            <a:r>
+              <a:rPr lang="en-US" altLang="ko-KR" sz="1200" b="0" i="0" dirty="0">
+                <a:solidFill>
+                  <a:srgbClr val="000000"/>
+                </a:solidFill>
+                <a:effectLst/>
+                <a:latin typeface="문화재돌봄체 Regular" panose="020B0000000000000000" pitchFamily="50" charset="-127"/>
+                <a:ea typeface="문화재돌봄체 Regular" panose="020B0000000000000000" pitchFamily="50" charset="-127"/>
+              </a:rPr>
+              <a:t>.</a:t>
+            </a:r>
+            <a:br>
+              <a:rPr lang="ko-KR" altLang="en-US" sz="1200" dirty="0">
+                <a:latin typeface="문화재돌봄체 Regular" panose="020B0000000000000000" pitchFamily="50" charset="-127"/>
+                <a:ea typeface="문화재돌봄체 Regular" panose="020B0000000000000000" pitchFamily="50" charset="-127"/>
+              </a:rPr>
+            </a:br>
+            <a:br>
+              <a:rPr lang="ko-KR" altLang="en-US" sz="1200" dirty="0">
+                <a:latin typeface="문화재돌봄체 Regular" panose="020B0000000000000000" pitchFamily="50" charset="-127"/>
+                <a:ea typeface="문화재돌봄체 Regular" panose="020B0000000000000000" pitchFamily="50" charset="-127"/>
+              </a:rPr>
+            </a:br>
+            <a:r>
+              <a:rPr lang="ko-KR" altLang="en-US" sz="1200" b="0" i="0" dirty="0">
+                <a:solidFill>
+                  <a:srgbClr val="000000"/>
+                </a:solidFill>
+                <a:effectLst/>
+                <a:latin typeface="문화재돌봄체 Regular" panose="020B0000000000000000" pitchFamily="50" charset="-127"/>
+                <a:ea typeface="문화재돌봄체 Regular" panose="020B0000000000000000" pitchFamily="50" charset="-127"/>
+              </a:rPr>
+              <a:t>각 </a:t>
+            </a:r>
+            <a:r>
+              <a:rPr lang="en-US" altLang="ko-KR" sz="1200" b="0" i="0" dirty="0">
+                <a:solidFill>
+                  <a:srgbClr val="000000"/>
+                </a:solidFill>
+                <a:effectLst/>
+                <a:latin typeface="문화재돌봄체 Regular" panose="020B0000000000000000" pitchFamily="50" charset="-127"/>
+                <a:ea typeface="문화재돌봄체 Regular" panose="020B0000000000000000" pitchFamily="50" charset="-127"/>
+              </a:rPr>
+              <a:t>EHC </a:t>
+            </a:r>
+            <a:r>
+              <a:rPr lang="ko-KR" altLang="en-US" sz="1200" b="0" i="0" dirty="0">
+                <a:solidFill>
+                  <a:srgbClr val="000000"/>
+                </a:solidFill>
+                <a:effectLst/>
+                <a:latin typeface="문화재돌봄체 Regular" panose="020B0000000000000000" pitchFamily="50" charset="-127"/>
+                <a:ea typeface="문화재돌봄체 Regular" panose="020B0000000000000000" pitchFamily="50" charset="-127"/>
+              </a:rPr>
+              <a:t>블록의 파라미터 </a:t>
+            </a:r>
+            <a:r>
+              <a:rPr lang="en-US" altLang="ko-KR" sz="1200" b="0" i="0" dirty="0">
+                <a:solidFill>
+                  <a:srgbClr val="000000"/>
+                </a:solidFill>
+                <a:effectLst/>
+                <a:latin typeface="문화재돌봄체 Regular" panose="020B0000000000000000" pitchFamily="50" charset="-127"/>
+                <a:ea typeface="문화재돌봄체 Regular" panose="020B0000000000000000" pitchFamily="50" charset="-127"/>
+              </a:rPr>
+              <a:t>h</a:t>
+            </a:r>
+            <a:r>
+              <a:rPr lang="ko-KR" altLang="en-US" sz="1200" b="0" i="0" dirty="0">
+                <a:solidFill>
+                  <a:srgbClr val="000000"/>
+                </a:solidFill>
+                <a:effectLst/>
+                <a:latin typeface="문화재돌봄체 Regular" panose="020B0000000000000000" pitchFamily="50" charset="-127"/>
+                <a:ea typeface="문화재돌봄체 Regular" panose="020B0000000000000000" pitchFamily="50" charset="-127"/>
+              </a:rPr>
+              <a:t>는 </a:t>
+            </a:r>
+            <a:r>
+              <a:rPr lang="en-US" altLang="ko-KR" sz="1200" b="0" i="0" dirty="0" err="1">
+                <a:solidFill>
+                  <a:srgbClr val="000000"/>
+                </a:solidFill>
+                <a:effectLst/>
+                <a:latin typeface="문화재돌봄체 Regular" panose="020B0000000000000000" pitchFamily="50" charset="-127"/>
+                <a:ea typeface="문화재돌봄체 Regular" panose="020B0000000000000000" pitchFamily="50" charset="-127"/>
+              </a:rPr>
+              <a:t>Hinp</a:t>
+            </a:r>
+            <a:r>
+              <a:rPr lang="ko-KR" altLang="en-US" sz="1200" b="0" i="0" dirty="0">
+                <a:solidFill>
+                  <a:srgbClr val="000000"/>
+                </a:solidFill>
+                <a:effectLst/>
+                <a:latin typeface="문화재돌봄체 Regular" panose="020B0000000000000000" pitchFamily="50" charset="-127"/>
+                <a:ea typeface="문화재돌봄체 Regular" panose="020B0000000000000000" pitchFamily="50" charset="-127"/>
+              </a:rPr>
+              <a:t>가 주어지면 자동으로 사전 계산된다</a:t>
+            </a:r>
+            <a:r>
+              <a:rPr lang="en-US" altLang="ko-KR" sz="1200" b="0" i="0" dirty="0">
+                <a:solidFill>
+                  <a:srgbClr val="000000"/>
+                </a:solidFill>
+                <a:effectLst/>
+                <a:latin typeface="문화재돌봄체 Regular" panose="020B0000000000000000" pitchFamily="50" charset="-127"/>
+                <a:ea typeface="문화재돌봄체 Regular" panose="020B0000000000000000" pitchFamily="50" charset="-127"/>
+              </a:rPr>
+              <a:t>.</a:t>
+            </a:r>
+            <a:br>
+              <a:rPr lang="ko-KR" altLang="en-US" sz="1200" dirty="0">
+                <a:latin typeface="문화재돌봄체 Regular" panose="020B0000000000000000" pitchFamily="50" charset="-127"/>
+                <a:ea typeface="문화재돌봄체 Regular" panose="020B0000000000000000" pitchFamily="50" charset="-127"/>
+              </a:rPr>
+            </a:br>
+            <a:br>
+              <a:rPr lang="ko-KR" altLang="en-US" sz="1200" dirty="0">
+                <a:latin typeface="문화재돌봄체 Regular" panose="020B0000000000000000" pitchFamily="50" charset="-127"/>
+                <a:ea typeface="문화재돌봄체 Regular" panose="020B0000000000000000" pitchFamily="50" charset="-127"/>
+              </a:rPr>
+            </a:br>
+            <a:r>
+              <a:rPr lang="ko-KR" altLang="en-US" sz="1200" b="0" i="0" dirty="0">
+                <a:solidFill>
+                  <a:srgbClr val="000000"/>
+                </a:solidFill>
+                <a:effectLst/>
+                <a:latin typeface="문화재돌봄체 Regular" panose="020B0000000000000000" pitchFamily="50" charset="-127"/>
+                <a:ea typeface="문화재돌봄체 Regular" panose="020B0000000000000000" pitchFamily="50" charset="-127"/>
+              </a:rPr>
+              <a:t>마지막으로</a:t>
+            </a:r>
+            <a:r>
+              <a:rPr lang="en-US" altLang="ko-KR" sz="1200" b="0" i="0" dirty="0">
+                <a:solidFill>
+                  <a:srgbClr val="000000"/>
+                </a:solidFill>
+                <a:effectLst/>
+                <a:latin typeface="문화재돌봄체 Regular" panose="020B0000000000000000" pitchFamily="50" charset="-127"/>
+                <a:ea typeface="문화재돌봄체 Regular" panose="020B0000000000000000" pitchFamily="50" charset="-127"/>
+              </a:rPr>
+              <a:t>, Conv2D </a:t>
+            </a:r>
+            <a:r>
+              <a:rPr lang="ko-KR" altLang="en-US" sz="1200" b="0" i="0" dirty="0">
+                <a:solidFill>
+                  <a:srgbClr val="000000"/>
+                </a:solidFill>
+                <a:effectLst/>
+                <a:latin typeface="문화재돌봄체 Regular" panose="020B0000000000000000" pitchFamily="50" charset="-127"/>
+                <a:ea typeface="문화재돌봄체 Regular" panose="020B0000000000000000" pitchFamily="50" charset="-127"/>
+              </a:rPr>
+              <a:t>레이어는 채널 수를 </a:t>
+            </a:r>
+            <a:r>
+              <a:rPr lang="en-US" altLang="ko-KR" sz="1200" b="0" i="0" dirty="0" err="1">
+                <a:solidFill>
+                  <a:srgbClr val="000000"/>
+                </a:solidFill>
+                <a:effectLst/>
+                <a:latin typeface="문화재돌봄체 Regular" panose="020B0000000000000000" pitchFamily="50" charset="-127"/>
+                <a:ea typeface="문화재돌봄체 Regular" panose="020B0000000000000000" pitchFamily="50" charset="-127"/>
+              </a:rPr>
+              <a:t>LHFeat</a:t>
+            </a:r>
+            <a:r>
+              <a:rPr lang="ko-KR" altLang="en-US" sz="1200" b="0" i="0" dirty="0">
+                <a:solidFill>
+                  <a:srgbClr val="000000"/>
+                </a:solidFill>
+                <a:effectLst/>
+                <a:latin typeface="문화재돌봄체 Regular" panose="020B0000000000000000" pitchFamily="50" charset="-127"/>
+                <a:ea typeface="문화재돌봄체 Regular" panose="020B0000000000000000" pitchFamily="50" charset="-127"/>
+              </a:rPr>
+              <a:t>의 잠재 크기 </a:t>
+            </a:r>
+            <a:r>
+              <a:rPr lang="en-US" altLang="ko-KR" sz="1200" b="0" i="0" dirty="0">
+                <a:solidFill>
+                  <a:srgbClr val="000000"/>
+                </a:solidFill>
+                <a:effectLst/>
+                <a:latin typeface="문화재돌봄체 Regular" panose="020B0000000000000000" pitchFamily="50" charset="-127"/>
+                <a:ea typeface="문화재돌봄체 Regular" panose="020B0000000000000000" pitchFamily="50" charset="-127"/>
+              </a:rPr>
+              <a:t>D</a:t>
+            </a:r>
+            <a:r>
+              <a:rPr lang="ko-KR" altLang="en-US" sz="1200" b="0" i="0" dirty="0">
+                <a:solidFill>
+                  <a:srgbClr val="000000"/>
+                </a:solidFill>
+                <a:effectLst/>
+                <a:latin typeface="문화재돌봄체 Regular" panose="020B0000000000000000" pitchFamily="50" charset="-127"/>
+                <a:ea typeface="문화재돌봄체 Regular" panose="020B0000000000000000" pitchFamily="50" charset="-127"/>
+              </a:rPr>
+              <a:t>로 변환하고</a:t>
+            </a:r>
+            <a:r>
+              <a:rPr lang="en-US" altLang="ko-KR" sz="1200" b="0" i="0" dirty="0">
+                <a:solidFill>
+                  <a:srgbClr val="000000"/>
+                </a:solidFill>
+                <a:effectLst/>
+                <a:latin typeface="문화재돌봄체 Regular" panose="020B0000000000000000" pitchFamily="50" charset="-127"/>
+                <a:ea typeface="문화재돌봄체 Regular" panose="020B0000000000000000" pitchFamily="50" charset="-127"/>
+              </a:rPr>
+              <a:t>, </a:t>
+            </a:r>
+            <a:r>
+              <a:rPr lang="ko-KR" altLang="en-US" sz="1200" b="0" i="0" dirty="0">
+                <a:solidFill>
+                  <a:srgbClr val="000000"/>
+                </a:solidFill>
+                <a:effectLst/>
+                <a:latin typeface="문화재돌봄체 Regular" panose="020B0000000000000000" pitchFamily="50" charset="-127"/>
+                <a:ea typeface="문화재돌봄체 Regular" panose="020B0000000000000000" pitchFamily="50" charset="-127"/>
+              </a:rPr>
+              <a:t>높이 치수는 </a:t>
+            </a:r>
+            <a:r>
+              <a:rPr lang="en-US" altLang="ko-KR" sz="1200" b="0" i="0" dirty="0" err="1">
+                <a:solidFill>
+                  <a:srgbClr val="000000"/>
+                </a:solidFill>
+                <a:effectLst/>
+                <a:latin typeface="문화재돌봄체 Regular" panose="020B0000000000000000" pitchFamily="50" charset="-127"/>
+                <a:ea typeface="문화재돌봄체 Regular" panose="020B0000000000000000" pitchFamily="50" charset="-127"/>
+              </a:rPr>
+              <a:t>ConvSqueezH</a:t>
+            </a:r>
+            <a:r>
+              <a:rPr lang="en-US" altLang="ko-KR" sz="1200" b="0" i="0" dirty="0">
+                <a:solidFill>
+                  <a:srgbClr val="000000"/>
+                </a:solidFill>
+                <a:effectLst/>
+                <a:latin typeface="문화재돌봄체 Regular" panose="020B0000000000000000" pitchFamily="50" charset="-127"/>
+                <a:ea typeface="문화재돌봄체 Regular" panose="020B0000000000000000" pitchFamily="50" charset="-127"/>
+              </a:rPr>
+              <a:t> </a:t>
+            </a:r>
+            <a:r>
+              <a:rPr lang="ko-KR" altLang="en-US" sz="1200" b="0" i="0" dirty="0">
+                <a:solidFill>
+                  <a:srgbClr val="000000"/>
+                </a:solidFill>
+                <a:effectLst/>
+                <a:latin typeface="문화재돌봄체 Regular" panose="020B0000000000000000" pitchFamily="50" charset="-127"/>
+                <a:ea typeface="문화재돌봄체 Regular" panose="020B0000000000000000" pitchFamily="50" charset="-127"/>
+              </a:rPr>
+              <a:t>레이어에 의해 이미 </a:t>
+            </a:r>
+            <a:r>
+              <a:rPr lang="en-US" altLang="ko-KR" sz="1200" b="0" i="0" dirty="0">
+                <a:solidFill>
+                  <a:srgbClr val="000000"/>
+                </a:solidFill>
+                <a:effectLst/>
+                <a:latin typeface="문화재돌봄체 Regular" panose="020B0000000000000000" pitchFamily="50" charset="-127"/>
+                <a:ea typeface="문화재돌봄체 Regular" panose="020B0000000000000000" pitchFamily="50" charset="-127"/>
+              </a:rPr>
+              <a:t>1</a:t>
+            </a:r>
+            <a:r>
+              <a:rPr lang="ko-KR" altLang="en-US" sz="1200" b="0" i="0" dirty="0">
+                <a:solidFill>
+                  <a:srgbClr val="000000"/>
+                </a:solidFill>
+                <a:effectLst/>
+                <a:latin typeface="문화재돌봄체 Regular" panose="020B0000000000000000" pitchFamily="50" charset="-127"/>
+                <a:ea typeface="문화재돌봄체 Regular" panose="020B0000000000000000" pitchFamily="50" charset="-127"/>
+              </a:rPr>
+              <a:t>로 감소되었기 때문에 간단히 폐기된다</a:t>
+            </a:r>
+            <a:r>
+              <a:rPr lang="en-US" altLang="ko-KR" sz="1200" b="0" i="0" dirty="0">
+                <a:solidFill>
+                  <a:srgbClr val="000000"/>
+                </a:solidFill>
+                <a:effectLst/>
+                <a:latin typeface="문화재돌봄체 Regular" panose="020B0000000000000000" pitchFamily="50" charset="-127"/>
+                <a:ea typeface="문화재돌봄체 Regular" panose="020B0000000000000000" pitchFamily="50" charset="-127"/>
+              </a:rPr>
+              <a:t>.</a:t>
+            </a:r>
+            <a:br>
+              <a:rPr lang="ko-KR" altLang="en-US" sz="1200" dirty="0">
+                <a:latin typeface="문화재돌봄체 Regular" panose="020B0000000000000000" pitchFamily="50" charset="-127"/>
+                <a:ea typeface="문화재돌봄체 Regular" panose="020B0000000000000000" pitchFamily="50" charset="-127"/>
+              </a:rPr>
+            </a:br>
+            <a:br>
+              <a:rPr lang="ko-KR" altLang="en-US" sz="1200" dirty="0">
+                <a:latin typeface="문화재돌봄체 Regular" panose="020B0000000000000000" pitchFamily="50" charset="-127"/>
+                <a:ea typeface="문화재돌봄체 Regular" panose="020B0000000000000000" pitchFamily="50" charset="-127"/>
+              </a:rPr>
+            </a:br>
+            <a:r>
+              <a:rPr lang="ko-KR" altLang="en-US" sz="1200" b="0" i="0" dirty="0">
+                <a:solidFill>
+                  <a:srgbClr val="000000"/>
+                </a:solidFill>
+                <a:effectLst/>
+                <a:latin typeface="문화재돌봄체 Regular" panose="020B0000000000000000" pitchFamily="50" charset="-127"/>
+                <a:ea typeface="문화재돌봄체 Regular" panose="020B0000000000000000" pitchFamily="50" charset="-127"/>
+              </a:rPr>
+              <a:t>초기 </a:t>
+            </a:r>
+            <a:r>
+              <a:rPr lang="en-US" altLang="ko-KR" sz="1200" b="0" i="0" dirty="0" err="1">
+                <a:solidFill>
+                  <a:srgbClr val="000000"/>
+                </a:solidFill>
+                <a:effectLst/>
+                <a:latin typeface="문화재돌봄체 Regular" panose="020B0000000000000000" pitchFamily="50" charset="-127"/>
+                <a:ea typeface="문화재돌봄체 Regular" panose="020B0000000000000000" pitchFamily="50" charset="-127"/>
+              </a:rPr>
+              <a:t>LHFeat</a:t>
+            </a:r>
+            <a:r>
+              <a:rPr lang="ko-KR" altLang="en-US" sz="1200" b="0" i="0" dirty="0">
+                <a:solidFill>
+                  <a:srgbClr val="000000"/>
+                </a:solidFill>
+                <a:effectLst/>
+                <a:latin typeface="문화재돌봄체 Regular" panose="020B0000000000000000" pitchFamily="50" charset="-127"/>
+                <a:ea typeface="문화재돌봄체 Regular" panose="020B0000000000000000" pitchFamily="50" charset="-127"/>
+              </a:rPr>
+              <a:t>을 더욱 세분화하기 위해 유사한 선행 작업</a:t>
+            </a:r>
+            <a:r>
+              <a:rPr lang="en-US" altLang="ko-KR" sz="1200" b="0" i="0" dirty="0">
+                <a:solidFill>
+                  <a:srgbClr val="000000"/>
+                </a:solidFill>
+                <a:effectLst/>
+                <a:latin typeface="문화재돌봄체 Regular" panose="020B0000000000000000" pitchFamily="50" charset="-127"/>
+                <a:ea typeface="문화재돌봄체 Regular" panose="020B0000000000000000" pitchFamily="50" charset="-127"/>
+              </a:rPr>
+              <a:t>[21]</a:t>
+            </a:r>
+            <a:r>
+              <a:rPr lang="ko-KR" altLang="en-US" sz="1200" b="0" i="0" dirty="0">
+                <a:solidFill>
+                  <a:srgbClr val="000000"/>
+                </a:solidFill>
+                <a:effectLst/>
+                <a:latin typeface="문화재돌봄체 Regular" panose="020B0000000000000000" pitchFamily="50" charset="-127"/>
+                <a:ea typeface="문화재돌봄체 Regular" panose="020B0000000000000000" pitchFamily="50" charset="-127"/>
+              </a:rPr>
+              <a:t>은 수평 예측을 위해 양방향 </a:t>
+            </a:r>
+            <a:r>
+              <a:rPr lang="en-US" altLang="ko-KR" sz="1200" b="0" i="0" dirty="0">
+                <a:solidFill>
+                  <a:srgbClr val="000000"/>
+                </a:solidFill>
+                <a:effectLst/>
+                <a:latin typeface="문화재돌봄체 Regular" panose="020B0000000000000000" pitchFamily="50" charset="-127"/>
+                <a:ea typeface="문화재돌봄체 Regular" panose="020B0000000000000000" pitchFamily="50" charset="-127"/>
+              </a:rPr>
+              <a:t>LSTM[11]</a:t>
+            </a:r>
+            <a:r>
+              <a:rPr lang="ko-KR" altLang="en-US" sz="1200" b="0" i="0" dirty="0">
+                <a:solidFill>
+                  <a:srgbClr val="000000"/>
+                </a:solidFill>
+                <a:effectLst/>
+                <a:latin typeface="문화재돌봄체 Regular" panose="020B0000000000000000" pitchFamily="50" charset="-127"/>
+                <a:ea typeface="문화재돌봄체 Regular" panose="020B0000000000000000" pitchFamily="50" charset="-127"/>
+              </a:rPr>
+              <a:t>을 채택한다</a:t>
+            </a:r>
+            <a:r>
+              <a:rPr lang="en-US" altLang="ko-KR" sz="1200" b="0" i="0" dirty="0">
+                <a:solidFill>
+                  <a:srgbClr val="000000"/>
+                </a:solidFill>
+                <a:effectLst/>
+                <a:latin typeface="문화재돌봄체 Regular" panose="020B0000000000000000" pitchFamily="50" charset="-127"/>
+                <a:ea typeface="문화재돌봄체 Regular" panose="020B0000000000000000" pitchFamily="50" charset="-127"/>
+              </a:rPr>
+              <a:t>.</a:t>
+            </a:r>
+            <a:br>
+              <a:rPr lang="ko-KR" altLang="en-US" sz="1200" dirty="0">
+                <a:latin typeface="문화재돌봄체 Regular" panose="020B0000000000000000" pitchFamily="50" charset="-127"/>
+                <a:ea typeface="문화재돌봄체 Regular" panose="020B0000000000000000" pitchFamily="50" charset="-127"/>
+              </a:rPr>
+            </a:br>
+            <a:br>
+              <a:rPr lang="ko-KR" altLang="en-US" sz="1200" dirty="0">
+                <a:latin typeface="문화재돌봄체 Regular" panose="020B0000000000000000" pitchFamily="50" charset="-127"/>
+                <a:ea typeface="문화재돌봄체 Regular" panose="020B0000000000000000" pitchFamily="50" charset="-127"/>
+              </a:rPr>
+            </a:br>
+            <a:r>
+              <a:rPr lang="ko-KR" altLang="en-US" sz="1200" b="0" i="0" dirty="0">
+                <a:solidFill>
+                  <a:srgbClr val="000000"/>
+                </a:solidFill>
+                <a:effectLst/>
+                <a:latin typeface="문화재돌봄체 Regular" panose="020B0000000000000000" pitchFamily="50" charset="-127"/>
+                <a:ea typeface="문화재돌봄체 Regular" panose="020B0000000000000000" pitchFamily="50" charset="-127"/>
+              </a:rPr>
+              <a:t>우리는 반복 계층이 심층 순 처리 시간의 </a:t>
+            </a:r>
+            <a:r>
+              <a:rPr lang="en-US" altLang="ko-KR" sz="1200" b="0" i="0" dirty="0">
+                <a:solidFill>
+                  <a:srgbClr val="000000"/>
+                </a:solidFill>
+                <a:effectLst/>
+                <a:latin typeface="문화재돌봄체 Regular" panose="020B0000000000000000" pitchFamily="50" charset="-127"/>
+                <a:ea typeface="문화재돌봄체 Regular" panose="020B0000000000000000" pitchFamily="50" charset="-127"/>
+              </a:rPr>
+              <a:t>22%</a:t>
+            </a:r>
+            <a:r>
+              <a:rPr lang="ko-KR" altLang="en-US" sz="1200" b="0" i="0" dirty="0">
+                <a:solidFill>
+                  <a:srgbClr val="000000"/>
+                </a:solidFill>
+                <a:effectLst/>
+                <a:latin typeface="문화재돌봄체 Regular" panose="020B0000000000000000" pitchFamily="50" charset="-127"/>
+                <a:ea typeface="문화재돌봄체 Regular" panose="020B0000000000000000" pitchFamily="50" charset="-127"/>
+              </a:rPr>
+              <a:t>를 차지한다는 것을 발견하여 대신 다중 헤드 셀프 </a:t>
+            </a:r>
+            <a:r>
+              <a:rPr lang="ko-KR" altLang="en-US" sz="1200" b="0" i="0" dirty="0" err="1">
+                <a:solidFill>
+                  <a:srgbClr val="000000"/>
+                </a:solidFill>
+                <a:effectLst/>
+                <a:latin typeface="문화재돌봄체 Regular" panose="020B0000000000000000" pitchFamily="50" charset="-127"/>
+                <a:ea typeface="문화재돌봄체 Regular" panose="020B0000000000000000" pitchFamily="50" charset="-127"/>
+              </a:rPr>
+              <a:t>어텐션</a:t>
+            </a:r>
+            <a:r>
+              <a:rPr lang="en-US" altLang="ko-KR" sz="1200" b="0" i="0" dirty="0">
+                <a:solidFill>
+                  <a:srgbClr val="000000"/>
+                </a:solidFill>
+                <a:effectLst/>
+                <a:latin typeface="문화재돌봄체 Regular" panose="020B0000000000000000" pitchFamily="50" charset="-127"/>
+                <a:ea typeface="문화재돌봄체 Regular" panose="020B0000000000000000" pitchFamily="50" charset="-127"/>
+              </a:rPr>
+              <a:t>[23](MHSA)</a:t>
+            </a:r>
+            <a:r>
+              <a:rPr lang="ko-KR" altLang="en-US" sz="1200" b="0" i="0" dirty="0">
+                <a:solidFill>
+                  <a:srgbClr val="000000"/>
+                </a:solidFill>
+                <a:effectLst/>
+                <a:latin typeface="문화재돌봄체 Regular" panose="020B0000000000000000" pitchFamily="50" charset="-127"/>
+                <a:ea typeface="문화재돌봄체 Regular" panose="020B0000000000000000" pitchFamily="50" charset="-127"/>
+              </a:rPr>
+              <a:t>을 사용한다</a:t>
+            </a:r>
+            <a:r>
+              <a:rPr lang="en-US" altLang="ko-KR" sz="1200" b="0" i="0" dirty="0">
+                <a:solidFill>
+                  <a:srgbClr val="000000"/>
+                </a:solidFill>
+                <a:effectLst/>
+                <a:latin typeface="문화재돌봄체 Regular" panose="020B0000000000000000" pitchFamily="50" charset="-127"/>
+                <a:ea typeface="문화재돌봄체 Regular" panose="020B0000000000000000" pitchFamily="50" charset="-127"/>
+              </a:rPr>
+              <a:t>.</a:t>
+            </a:r>
+            <a:br>
+              <a:rPr lang="ko-KR" altLang="en-US" sz="1200" dirty="0">
+                <a:latin typeface="문화재돌봄체 Regular" panose="020B0000000000000000" pitchFamily="50" charset="-127"/>
+                <a:ea typeface="문화재돌봄체 Regular" panose="020B0000000000000000" pitchFamily="50" charset="-127"/>
+              </a:rPr>
+            </a:br>
+            <a:br>
+              <a:rPr lang="ko-KR" altLang="en-US" sz="1200" dirty="0">
+                <a:latin typeface="문화재돌봄체 Regular" panose="020B0000000000000000" pitchFamily="50" charset="-127"/>
+                <a:ea typeface="문화재돌봄체 Regular" panose="020B0000000000000000" pitchFamily="50" charset="-127"/>
+              </a:rPr>
+            </a:br>
+            <a:r>
+              <a:rPr lang="ko-KR" altLang="en-US" sz="1200" b="0" i="0" dirty="0">
+                <a:solidFill>
+                  <a:srgbClr val="000000"/>
+                </a:solidFill>
+                <a:effectLst/>
+                <a:latin typeface="문화재돌봄체 Regular" panose="020B0000000000000000" pitchFamily="50" charset="-127"/>
+                <a:ea typeface="문화재돌봄체 Regular" panose="020B0000000000000000" pitchFamily="50" charset="-127"/>
+              </a:rPr>
+              <a:t>우리의 결과는 </a:t>
+            </a:r>
+            <a:r>
+              <a:rPr lang="en-US" altLang="ko-KR" sz="1200" b="0" i="0" dirty="0">
+                <a:solidFill>
+                  <a:srgbClr val="000000"/>
+                </a:solidFill>
+                <a:effectLst/>
+                <a:latin typeface="문화재돌봄체 Regular" panose="020B0000000000000000" pitchFamily="50" charset="-127"/>
+                <a:ea typeface="문화재돌봄체 Regular" panose="020B0000000000000000" pitchFamily="50" charset="-127"/>
+              </a:rPr>
+              <a:t>MHSA</a:t>
+            </a:r>
+            <a:r>
+              <a:rPr lang="ko-KR" altLang="en-US" sz="1200" b="0" i="0" dirty="0">
+                <a:solidFill>
+                  <a:srgbClr val="000000"/>
+                </a:solidFill>
+                <a:effectLst/>
+                <a:latin typeface="문화재돌봄체 Regular" panose="020B0000000000000000" pitchFamily="50" charset="-127"/>
+                <a:ea typeface="문화재돌봄체 Regular" panose="020B0000000000000000" pitchFamily="50" charset="-127"/>
+              </a:rPr>
+              <a:t>가 더 빨리 실행되고 정확도가 더 향상된다는 것을 보여준다</a:t>
+            </a:r>
+            <a:r>
+              <a:rPr lang="en-US" altLang="ko-KR" sz="1200" b="0" i="0" dirty="0">
+                <a:solidFill>
+                  <a:srgbClr val="000000"/>
+                </a:solidFill>
+                <a:effectLst/>
+                <a:latin typeface="문화재돌봄체 Regular" panose="020B0000000000000000" pitchFamily="50" charset="-127"/>
+                <a:ea typeface="문화재돌봄체 Regular" panose="020B0000000000000000" pitchFamily="50" charset="-127"/>
+              </a:rPr>
+              <a:t>.</a:t>
+            </a:r>
+            <a:endParaRPr lang="ko-KR" altLang="en-US" sz="1200" dirty="0">
+              <a:latin typeface="문화재돌봄체 Regular" panose="020B0000000000000000" pitchFamily="50" charset="-127"/>
+              <a:ea typeface="문화재돌봄체 Regular" panose="020B0000000000000000" pitchFamily="50" charset="-127"/>
+            </a:endParaRPr>
+          </a:p>
+        </p:txBody>
+      </p:sp>
+    </p:spTree>
+    <p:extLst>
+      <p:ext uri="{BB962C8B-B14F-4D97-AF65-F5344CB8AC3E}">
+        <p14:creationId xmlns:p14="http://schemas.microsoft.com/office/powerpoint/2010/main" val="695757997"/>
+      </p:ext>
+    </p:extLst>
+  </p:cSld>
+  <p:clrMapOvr>
+    <a:masterClrMapping/>
+  </p:clrMapOvr>
+</p:sld>
+</file>
+
+<file path=ppt/slides/slide19.xml><?xml version="1.0" encoding="utf-8"?>
 <p:sld xmlns:a="http://schemas.openxmlformats.org/drawingml/2006/main" xmlns:r="http://schemas.openxmlformats.org/officeDocument/2006/relationships" xmlns:p="http://schemas.openxmlformats.org/presentationml/2006/main">
   <p:cSld>
     <p:spTree>
@@ -15511,519 +17949,6 @@
     <p:extLst>
       <p:ext uri="{BB962C8B-B14F-4D97-AF65-F5344CB8AC3E}">
         <p14:creationId xmlns:p14="http://schemas.microsoft.com/office/powerpoint/2010/main" val="2270025894"/>
-      </p:ext>
-    </p:extLst>
-  </p:cSld>
-  <p:clrMapOvr>
-    <a:masterClrMapping/>
-  </p:clrMapOvr>
-</p:sld>
-</file>
-
-<file path=ppt/slides/slide19.xml><?xml version="1.0" encoding="utf-8"?>
-<p:sld xmlns:a="http://schemas.openxmlformats.org/drawingml/2006/main" xmlns:r="http://schemas.openxmlformats.org/officeDocument/2006/relationships" xmlns:p="http://schemas.openxmlformats.org/presentationml/2006/main">
-  <p:cSld>
-    <p:spTree>
-      <p:nvGrpSpPr>
-        <p:cNvPr id="1" name=""/>
-        <p:cNvGrpSpPr/>
-        <p:nvPr/>
-      </p:nvGrpSpPr>
-      <p:grpSpPr>
-        <a:xfrm>
-          <a:off x="0" y="0"/>
-          <a:ext cx="0" cy="0"/>
-          <a:chOff x="0" y="0"/>
-          <a:chExt cx="0" cy="0"/>
-        </a:xfrm>
-      </p:grpSpPr>
-      <p:sp>
-        <p:nvSpPr>
-          <p:cNvPr id="4" name="막힌 원호 3">
-            <a:extLst>
-              <a:ext uri="{FF2B5EF4-FFF2-40B4-BE49-F238E27FC236}">
-                <a16:creationId xmlns:a16="http://schemas.microsoft.com/office/drawing/2014/main" id="{4FCA9B4A-A06E-4410-BE19-03C9A4D218C0}"/>
-              </a:ext>
-            </a:extLst>
-          </p:cNvPr>
-          <p:cNvSpPr/>
-          <p:nvPr/>
-        </p:nvSpPr>
-        <p:spPr>
-          <a:xfrm rot="10800000">
-            <a:off x="126349" y="107299"/>
-            <a:ext cx="947453" cy="947453"/>
-          </a:xfrm>
-          <a:prstGeom prst="blockArc">
-            <a:avLst>
-              <a:gd name="adj1" fmla="val 10800000"/>
-              <a:gd name="adj2" fmla="val 0"/>
-              <a:gd name="adj3" fmla="val 11046"/>
-            </a:avLst>
-          </a:prstGeom>
-          <a:solidFill>
-            <a:srgbClr val="91B8DD"/>
-          </a:solidFill>
-          <a:ln>
-            <a:noFill/>
-          </a:ln>
-        </p:spPr>
-        <p:style>
-          <a:lnRef idx="2">
-            <a:schemeClr val="accent1">
-              <a:shade val="50000"/>
-            </a:schemeClr>
-          </a:lnRef>
-          <a:fillRef idx="1">
-            <a:schemeClr val="accent1"/>
-          </a:fillRef>
-          <a:effectRef idx="0">
-            <a:schemeClr val="accent1"/>
-          </a:effectRef>
-          <a:fontRef idx="minor">
-            <a:schemeClr val="lt1"/>
-          </a:fontRef>
-        </p:style>
-        <p:txBody>
-          <a:bodyPr rtlCol="0" anchor="ctr"/>
-          <a:lstStyle/>
-          <a:p>
-            <a:pPr algn="ctr"/>
-            <a:endParaRPr lang="ko-KR" altLang="en-US">
-              <a:solidFill>
-                <a:srgbClr val="8ABFB9"/>
-              </a:solidFill>
-            </a:endParaRPr>
-          </a:p>
-        </p:txBody>
-      </p:sp>
-      <p:sp>
-        <p:nvSpPr>
-          <p:cNvPr id="5" name="막힌 원호 4">
-            <a:extLst>
-              <a:ext uri="{FF2B5EF4-FFF2-40B4-BE49-F238E27FC236}">
-                <a16:creationId xmlns:a16="http://schemas.microsoft.com/office/drawing/2014/main" id="{F90418B8-29E1-4545-BD71-ED6A76688020}"/>
-              </a:ext>
-            </a:extLst>
-          </p:cNvPr>
-          <p:cNvSpPr/>
-          <p:nvPr/>
-        </p:nvSpPr>
-        <p:spPr>
-          <a:xfrm>
-            <a:off x="126349" y="107299"/>
-            <a:ext cx="947453" cy="947453"/>
-          </a:xfrm>
-          <a:prstGeom prst="blockArc">
-            <a:avLst>
-              <a:gd name="adj1" fmla="val 10800000"/>
-              <a:gd name="adj2" fmla="val 0"/>
-              <a:gd name="adj3" fmla="val 11046"/>
-            </a:avLst>
-          </a:prstGeom>
-          <a:solidFill>
-            <a:srgbClr val="91B8DD"/>
-          </a:solidFill>
-          <a:ln>
-            <a:noFill/>
-          </a:ln>
-        </p:spPr>
-        <p:style>
-          <a:lnRef idx="2">
-            <a:schemeClr val="accent1">
-              <a:shade val="50000"/>
-            </a:schemeClr>
-          </a:lnRef>
-          <a:fillRef idx="1">
-            <a:schemeClr val="accent1"/>
-          </a:fillRef>
-          <a:effectRef idx="0">
-            <a:schemeClr val="accent1"/>
-          </a:effectRef>
-          <a:fontRef idx="minor">
-            <a:schemeClr val="lt1"/>
-          </a:fontRef>
-        </p:style>
-        <p:txBody>
-          <a:bodyPr rtlCol="0" anchor="ctr"/>
-          <a:lstStyle/>
-          <a:p>
-            <a:pPr algn="ctr"/>
-            <a:endParaRPr lang="ko-KR" altLang="en-US">
-              <a:solidFill>
-                <a:srgbClr val="8ABFB9"/>
-              </a:solidFill>
-            </a:endParaRPr>
-          </a:p>
-        </p:txBody>
-      </p:sp>
-      <p:sp>
-        <p:nvSpPr>
-          <p:cNvPr id="7" name="TextBox 6">
-            <a:extLst>
-              <a:ext uri="{FF2B5EF4-FFF2-40B4-BE49-F238E27FC236}">
-                <a16:creationId xmlns:a16="http://schemas.microsoft.com/office/drawing/2014/main" id="{50762AB2-5FF0-4A40-A02F-B71BB07386BF}"/>
-              </a:ext>
-            </a:extLst>
-          </p:cNvPr>
-          <p:cNvSpPr txBox="1"/>
-          <p:nvPr/>
-        </p:nvSpPr>
-        <p:spPr>
-          <a:xfrm>
-            <a:off x="1087559" y="282600"/>
-            <a:ext cx="1493716" cy="338554"/>
-          </a:xfrm>
-          <a:prstGeom prst="rect">
-            <a:avLst/>
-          </a:prstGeom>
-          <a:noFill/>
-        </p:spPr>
-        <p:txBody>
-          <a:bodyPr wrap="square" rtlCol="0">
-            <a:spAutoFit/>
-          </a:bodyPr>
-          <a:lstStyle/>
-          <a:p>
-            <a:r>
-              <a:rPr lang="en-US" altLang="ko-KR" sz="1600" dirty="0">
-                <a:solidFill>
-                  <a:srgbClr val="91B8DD"/>
-                </a:solidFill>
-                <a:latin typeface="KoPub돋움체 Bold" panose="00000800000000000000" pitchFamily="2" charset="-127"/>
-                <a:ea typeface="KoPub돋움체 Bold" panose="00000800000000000000" pitchFamily="2" charset="-127"/>
-              </a:rPr>
-              <a:t>SAMPLE 4</a:t>
-            </a:r>
-            <a:endParaRPr lang="ko-KR" altLang="en-US" sz="1600" dirty="0">
-              <a:solidFill>
-                <a:srgbClr val="91B8DD"/>
-              </a:solidFill>
-              <a:latin typeface="KoPub돋움체 Bold" panose="00000800000000000000" pitchFamily="2" charset="-127"/>
-              <a:ea typeface="KoPub돋움체 Bold" panose="00000800000000000000" pitchFamily="2" charset="-127"/>
-            </a:endParaRPr>
-          </a:p>
-        </p:txBody>
-      </p:sp>
-      <p:sp>
-        <p:nvSpPr>
-          <p:cNvPr id="8" name="TextBox 7">
-            <a:extLst>
-              <a:ext uri="{FF2B5EF4-FFF2-40B4-BE49-F238E27FC236}">
-                <a16:creationId xmlns:a16="http://schemas.microsoft.com/office/drawing/2014/main" id="{2E856B99-57E2-4ADF-AFEF-21378CA7DA6F}"/>
-              </a:ext>
-            </a:extLst>
-          </p:cNvPr>
-          <p:cNvSpPr txBox="1"/>
-          <p:nvPr/>
-        </p:nvSpPr>
-        <p:spPr>
-          <a:xfrm>
-            <a:off x="1087559" y="561975"/>
-            <a:ext cx="3925243" cy="276999"/>
-          </a:xfrm>
-          <a:prstGeom prst="rect">
-            <a:avLst/>
-          </a:prstGeom>
-          <a:noFill/>
-        </p:spPr>
-        <p:txBody>
-          <a:bodyPr wrap="square" rtlCol="0">
-            <a:spAutoFit/>
-          </a:bodyPr>
-          <a:lstStyle/>
-          <a:p>
-            <a:r>
-              <a:rPr lang="en-US" altLang="ko-KR" sz="1200" dirty="0">
-                <a:solidFill>
-                  <a:schemeClr val="tx1">
-                    <a:lumMod val="85000"/>
-                    <a:lumOff val="15000"/>
-                  </a:schemeClr>
-                </a:solidFill>
-                <a:latin typeface="KoPub돋움체 Light" panose="00000300000000000000" pitchFamily="2" charset="-127"/>
-                <a:ea typeface="KoPub돋움체 Light" panose="00000300000000000000" pitchFamily="2" charset="-127"/>
-              </a:rPr>
-              <a:t>Sample is simple. Did you made power template?</a:t>
-            </a:r>
-            <a:endParaRPr lang="ko-KR" altLang="en-US" sz="1200" dirty="0">
-              <a:solidFill>
-                <a:schemeClr val="tx1">
-                  <a:lumMod val="85000"/>
-                  <a:lumOff val="15000"/>
-                </a:schemeClr>
-              </a:solidFill>
-              <a:latin typeface="KoPub돋움체 Light" panose="00000300000000000000" pitchFamily="2" charset="-127"/>
-              <a:ea typeface="KoPub돋움체 Light" panose="00000300000000000000" pitchFamily="2" charset="-127"/>
-            </a:endParaRPr>
-          </a:p>
-        </p:txBody>
-      </p:sp>
-      <p:sp>
-        <p:nvSpPr>
-          <p:cNvPr id="9" name="TextBox 8">
-            <a:extLst>
-              <a:ext uri="{FF2B5EF4-FFF2-40B4-BE49-F238E27FC236}">
-                <a16:creationId xmlns:a16="http://schemas.microsoft.com/office/drawing/2014/main" id="{E6810669-21A2-4DBC-92AE-D2DB46B4D28F}"/>
-              </a:ext>
-            </a:extLst>
-          </p:cNvPr>
-          <p:cNvSpPr txBox="1"/>
-          <p:nvPr/>
-        </p:nvSpPr>
-        <p:spPr>
-          <a:xfrm>
-            <a:off x="4484943" y="6599431"/>
-            <a:ext cx="3239832" cy="246221"/>
-          </a:xfrm>
-          <a:prstGeom prst="rect">
-            <a:avLst/>
-          </a:prstGeom>
-          <a:noFill/>
-        </p:spPr>
-        <p:txBody>
-          <a:bodyPr wrap="square" rtlCol="0">
-            <a:spAutoFit/>
-          </a:bodyPr>
-          <a:lstStyle/>
-          <a:p>
-            <a:pPr algn="ctr"/>
-            <a:r>
-              <a:rPr lang="en-US" altLang="ko-KR" sz="1000" dirty="0">
-                <a:solidFill>
-                  <a:schemeClr val="tx1">
-                    <a:lumMod val="75000"/>
-                    <a:lumOff val="25000"/>
-                  </a:schemeClr>
-                </a:solidFill>
-                <a:latin typeface="KoPub돋움체 Light" panose="00000300000000000000" pitchFamily="2" charset="-127"/>
-                <a:ea typeface="KoPub돋움체 Light" panose="00000300000000000000" pitchFamily="2" charset="-127"/>
-              </a:rPr>
-              <a:t>Copyright </a:t>
-            </a:r>
-            <a:r>
-              <a:rPr lang="ko-KR" altLang="en-US" sz="1000" dirty="0">
-                <a:solidFill>
-                  <a:schemeClr val="tx1">
-                    <a:lumMod val="75000"/>
-                    <a:lumOff val="25000"/>
-                  </a:schemeClr>
-                </a:solidFill>
-                <a:latin typeface="KoPub돋움체 Light" panose="00000300000000000000" pitchFamily="2" charset="-127"/>
-                <a:ea typeface="KoPub돋움체 Light" panose="00000300000000000000" pitchFamily="2" charset="-127"/>
-              </a:rPr>
-              <a:t>ⓒ </a:t>
-            </a:r>
-            <a:r>
-              <a:rPr lang="en-US" altLang="ko-KR" sz="1000" dirty="0">
-                <a:solidFill>
-                  <a:schemeClr val="tx1">
-                    <a:lumMod val="75000"/>
-                    <a:lumOff val="25000"/>
-                  </a:schemeClr>
-                </a:solidFill>
-                <a:latin typeface="KoPub돋움체 Light" panose="00000300000000000000" pitchFamily="2" charset="-127"/>
-                <a:ea typeface="KoPub돋움체 Light" panose="00000300000000000000" pitchFamily="2" charset="-127"/>
-              </a:rPr>
-              <a:t>Slug. All right reserved.</a:t>
-            </a:r>
-            <a:endParaRPr lang="ko-KR" altLang="en-US" sz="1000" dirty="0">
-              <a:solidFill>
-                <a:schemeClr val="tx1">
-                  <a:lumMod val="75000"/>
-                  <a:lumOff val="25000"/>
-                </a:schemeClr>
-              </a:solidFill>
-              <a:latin typeface="KoPub돋움체 Light" panose="00000300000000000000" pitchFamily="2" charset="-127"/>
-              <a:ea typeface="KoPub돋움체 Light" panose="00000300000000000000" pitchFamily="2" charset="-127"/>
-            </a:endParaRPr>
-          </a:p>
-        </p:txBody>
-      </p:sp>
-      <p:pic>
-        <p:nvPicPr>
-          <p:cNvPr id="10" name="그림 9">
-            <a:extLst>
-              <a:ext uri="{FF2B5EF4-FFF2-40B4-BE49-F238E27FC236}">
-                <a16:creationId xmlns:a16="http://schemas.microsoft.com/office/drawing/2014/main" id="{8246DEBA-CA09-4019-A8B9-FBCF18659120}"/>
-              </a:ext>
-            </a:extLst>
-          </p:cNvPr>
-          <p:cNvPicPr>
-            <a:picLocks noChangeAspect="1"/>
-          </p:cNvPicPr>
-          <p:nvPr/>
-        </p:nvPicPr>
-        <p:blipFill>
-          <a:blip r:embed="rId2">
-            <a:extLst>
-              <a:ext uri="{28A0092B-C50C-407E-A947-70E740481C1C}">
-                <a14:useLocalDpi xmlns:a14="http://schemas.microsoft.com/office/drawing/2010/main" val="0"/>
-              </a:ext>
-            </a:extLst>
-          </a:blip>
-          <a:stretch>
-            <a:fillRect/>
-          </a:stretch>
-        </p:blipFill>
-        <p:spPr>
-          <a:xfrm>
-            <a:off x="5704219" y="6185529"/>
-            <a:ext cx="342486" cy="342486"/>
-          </a:xfrm>
-          <a:prstGeom prst="rect">
-            <a:avLst/>
-          </a:prstGeom>
-        </p:spPr>
-      </p:pic>
-      <p:pic>
-        <p:nvPicPr>
-          <p:cNvPr id="11" name="그림 10">
-            <a:extLst>
-              <a:ext uri="{FF2B5EF4-FFF2-40B4-BE49-F238E27FC236}">
-                <a16:creationId xmlns:a16="http://schemas.microsoft.com/office/drawing/2014/main" id="{38B41C00-DA5C-410A-97BE-08F9796AB6B3}"/>
-              </a:ext>
-            </a:extLst>
-          </p:cNvPr>
-          <p:cNvPicPr>
-            <a:picLocks noChangeAspect="1"/>
-          </p:cNvPicPr>
-          <p:nvPr/>
-        </p:nvPicPr>
-        <p:blipFill>
-          <a:blip r:embed="rId3">
-            <a:extLst>
-              <a:ext uri="{28A0092B-C50C-407E-A947-70E740481C1C}">
-                <a14:useLocalDpi xmlns:a14="http://schemas.microsoft.com/office/drawing/2010/main" val="0"/>
-              </a:ext>
-            </a:extLst>
-          </a:blip>
-          <a:stretch>
-            <a:fillRect/>
-          </a:stretch>
-        </p:blipFill>
-        <p:spPr>
-          <a:xfrm>
-            <a:off x="5234036" y="6193579"/>
-            <a:ext cx="351500" cy="351500"/>
-          </a:xfrm>
-          <a:prstGeom prst="rect">
-            <a:avLst/>
-          </a:prstGeom>
-        </p:spPr>
-      </p:pic>
-      <p:pic>
-        <p:nvPicPr>
-          <p:cNvPr id="12" name="그림 11">
-            <a:extLst>
-              <a:ext uri="{FF2B5EF4-FFF2-40B4-BE49-F238E27FC236}">
-                <a16:creationId xmlns:a16="http://schemas.microsoft.com/office/drawing/2014/main" id="{BBC08BEB-913F-44B5-8FA7-D0D9A438B143}"/>
-              </a:ext>
-            </a:extLst>
-          </p:cNvPr>
-          <p:cNvPicPr>
-            <a:picLocks noChangeAspect="1"/>
-          </p:cNvPicPr>
-          <p:nvPr/>
-        </p:nvPicPr>
-        <p:blipFill>
-          <a:blip r:embed="rId4">
-            <a:extLst>
-              <a:ext uri="{28A0092B-C50C-407E-A947-70E740481C1C}">
-                <a14:useLocalDpi xmlns:a14="http://schemas.microsoft.com/office/drawing/2010/main" val="0"/>
-              </a:ext>
-            </a:extLst>
-          </a:blip>
-          <a:stretch>
-            <a:fillRect/>
-          </a:stretch>
-        </p:blipFill>
-        <p:spPr>
-          <a:xfrm>
-            <a:off x="6165388" y="6167856"/>
-            <a:ext cx="351500" cy="351500"/>
-          </a:xfrm>
-          <a:prstGeom prst="rect">
-            <a:avLst/>
-          </a:prstGeom>
-        </p:spPr>
-      </p:pic>
-      <p:pic>
-        <p:nvPicPr>
-          <p:cNvPr id="13" name="그림 12">
-            <a:extLst>
-              <a:ext uri="{FF2B5EF4-FFF2-40B4-BE49-F238E27FC236}">
-                <a16:creationId xmlns:a16="http://schemas.microsoft.com/office/drawing/2014/main" id="{5C6411D2-FE80-4FE2-832E-359440C3904F}"/>
-              </a:ext>
-            </a:extLst>
-          </p:cNvPr>
-          <p:cNvPicPr>
-            <a:picLocks noChangeAspect="1"/>
-          </p:cNvPicPr>
-          <p:nvPr/>
-        </p:nvPicPr>
-        <p:blipFill>
-          <a:blip r:embed="rId5">
-            <a:extLst>
-              <a:ext uri="{28A0092B-C50C-407E-A947-70E740481C1C}">
-                <a14:useLocalDpi xmlns:a14="http://schemas.microsoft.com/office/drawing/2010/main" val="0"/>
-              </a:ext>
-            </a:extLst>
-          </a:blip>
-          <a:stretch>
-            <a:fillRect/>
-          </a:stretch>
-        </p:blipFill>
-        <p:spPr>
-          <a:xfrm>
-            <a:off x="6635570" y="6197000"/>
-            <a:ext cx="319545" cy="319545"/>
-          </a:xfrm>
-          <a:prstGeom prst="rect">
-            <a:avLst/>
-          </a:prstGeom>
-        </p:spPr>
-      </p:pic>
-      <p:pic>
-        <p:nvPicPr>
-          <p:cNvPr id="15" name="그림 14">
-            <a:extLst>
-              <a:ext uri="{FF2B5EF4-FFF2-40B4-BE49-F238E27FC236}">
-                <a16:creationId xmlns:a16="http://schemas.microsoft.com/office/drawing/2014/main" id="{EAAE8C87-5544-4F1B-852E-C5E0FE436B0C}"/>
-              </a:ext>
-            </a:extLst>
-          </p:cNvPr>
-          <p:cNvPicPr>
-            <a:picLocks noChangeAspect="1"/>
-          </p:cNvPicPr>
-          <p:nvPr/>
-        </p:nvPicPr>
-        <p:blipFill>
-          <a:blip r:embed="rId5">
-            <a:extLst>
-              <a:ext uri="{28A0092B-C50C-407E-A947-70E740481C1C}">
-                <a14:useLocalDpi xmlns:a14="http://schemas.microsoft.com/office/drawing/2010/main" val="0"/>
-              </a:ext>
-            </a:extLst>
-          </a:blip>
-          <a:stretch>
-            <a:fillRect/>
-          </a:stretch>
-        </p:blipFill>
-        <p:spPr>
-          <a:xfrm>
-            <a:off x="424324" y="386224"/>
-            <a:ext cx="351500" cy="351500"/>
-          </a:xfrm>
-          <a:prstGeom prst="rect">
-            <a:avLst/>
-          </a:prstGeom>
-        </p:spPr>
-      </p:pic>
-    </p:spTree>
-    <p:extLst>
-      <p:ext uri="{BB962C8B-B14F-4D97-AF65-F5344CB8AC3E}">
-        <p14:creationId xmlns:p14="http://schemas.microsoft.com/office/powerpoint/2010/main" val="66719169"/>
       </p:ext>
     </p:extLst>
   </p:cSld>
@@ -17259,6 +19184,519 @@
       </p:grpSpPr>
       <p:sp>
         <p:nvSpPr>
+          <p:cNvPr id="4" name="막힌 원호 3">
+            <a:extLst>
+              <a:ext uri="{FF2B5EF4-FFF2-40B4-BE49-F238E27FC236}">
+                <a16:creationId xmlns:a16="http://schemas.microsoft.com/office/drawing/2014/main" id="{4FCA9B4A-A06E-4410-BE19-03C9A4D218C0}"/>
+              </a:ext>
+            </a:extLst>
+          </p:cNvPr>
+          <p:cNvSpPr/>
+          <p:nvPr/>
+        </p:nvSpPr>
+        <p:spPr>
+          <a:xfrm rot="10800000">
+            <a:off x="126349" y="107299"/>
+            <a:ext cx="947453" cy="947453"/>
+          </a:xfrm>
+          <a:prstGeom prst="blockArc">
+            <a:avLst>
+              <a:gd name="adj1" fmla="val 10800000"/>
+              <a:gd name="adj2" fmla="val 0"/>
+              <a:gd name="adj3" fmla="val 11046"/>
+            </a:avLst>
+          </a:prstGeom>
+          <a:solidFill>
+            <a:srgbClr val="91B8DD"/>
+          </a:solidFill>
+          <a:ln>
+            <a:noFill/>
+          </a:ln>
+        </p:spPr>
+        <p:style>
+          <a:lnRef idx="2">
+            <a:schemeClr val="accent1">
+              <a:shade val="50000"/>
+            </a:schemeClr>
+          </a:lnRef>
+          <a:fillRef idx="1">
+            <a:schemeClr val="accent1"/>
+          </a:fillRef>
+          <a:effectRef idx="0">
+            <a:schemeClr val="accent1"/>
+          </a:effectRef>
+          <a:fontRef idx="minor">
+            <a:schemeClr val="lt1"/>
+          </a:fontRef>
+        </p:style>
+        <p:txBody>
+          <a:bodyPr rtlCol="0" anchor="ctr"/>
+          <a:lstStyle/>
+          <a:p>
+            <a:pPr algn="ctr"/>
+            <a:endParaRPr lang="ko-KR" altLang="en-US">
+              <a:solidFill>
+                <a:srgbClr val="8ABFB9"/>
+              </a:solidFill>
+            </a:endParaRPr>
+          </a:p>
+        </p:txBody>
+      </p:sp>
+      <p:sp>
+        <p:nvSpPr>
+          <p:cNvPr id="5" name="막힌 원호 4">
+            <a:extLst>
+              <a:ext uri="{FF2B5EF4-FFF2-40B4-BE49-F238E27FC236}">
+                <a16:creationId xmlns:a16="http://schemas.microsoft.com/office/drawing/2014/main" id="{F90418B8-29E1-4545-BD71-ED6A76688020}"/>
+              </a:ext>
+            </a:extLst>
+          </p:cNvPr>
+          <p:cNvSpPr/>
+          <p:nvPr/>
+        </p:nvSpPr>
+        <p:spPr>
+          <a:xfrm>
+            <a:off x="126349" y="107299"/>
+            <a:ext cx="947453" cy="947453"/>
+          </a:xfrm>
+          <a:prstGeom prst="blockArc">
+            <a:avLst>
+              <a:gd name="adj1" fmla="val 10800000"/>
+              <a:gd name="adj2" fmla="val 0"/>
+              <a:gd name="adj3" fmla="val 11046"/>
+            </a:avLst>
+          </a:prstGeom>
+          <a:solidFill>
+            <a:srgbClr val="91B8DD"/>
+          </a:solidFill>
+          <a:ln>
+            <a:noFill/>
+          </a:ln>
+        </p:spPr>
+        <p:style>
+          <a:lnRef idx="2">
+            <a:schemeClr val="accent1">
+              <a:shade val="50000"/>
+            </a:schemeClr>
+          </a:lnRef>
+          <a:fillRef idx="1">
+            <a:schemeClr val="accent1"/>
+          </a:fillRef>
+          <a:effectRef idx="0">
+            <a:schemeClr val="accent1"/>
+          </a:effectRef>
+          <a:fontRef idx="minor">
+            <a:schemeClr val="lt1"/>
+          </a:fontRef>
+        </p:style>
+        <p:txBody>
+          <a:bodyPr rtlCol="0" anchor="ctr"/>
+          <a:lstStyle/>
+          <a:p>
+            <a:pPr algn="ctr"/>
+            <a:endParaRPr lang="ko-KR" altLang="en-US">
+              <a:solidFill>
+                <a:srgbClr val="8ABFB9"/>
+              </a:solidFill>
+            </a:endParaRPr>
+          </a:p>
+        </p:txBody>
+      </p:sp>
+      <p:sp>
+        <p:nvSpPr>
+          <p:cNvPr id="7" name="TextBox 6">
+            <a:extLst>
+              <a:ext uri="{FF2B5EF4-FFF2-40B4-BE49-F238E27FC236}">
+                <a16:creationId xmlns:a16="http://schemas.microsoft.com/office/drawing/2014/main" id="{50762AB2-5FF0-4A40-A02F-B71BB07386BF}"/>
+              </a:ext>
+            </a:extLst>
+          </p:cNvPr>
+          <p:cNvSpPr txBox="1"/>
+          <p:nvPr/>
+        </p:nvSpPr>
+        <p:spPr>
+          <a:xfrm>
+            <a:off x="1087559" y="282600"/>
+            <a:ext cx="1493716" cy="338554"/>
+          </a:xfrm>
+          <a:prstGeom prst="rect">
+            <a:avLst/>
+          </a:prstGeom>
+          <a:noFill/>
+        </p:spPr>
+        <p:txBody>
+          <a:bodyPr wrap="square" rtlCol="0">
+            <a:spAutoFit/>
+          </a:bodyPr>
+          <a:lstStyle/>
+          <a:p>
+            <a:r>
+              <a:rPr lang="en-US" altLang="ko-KR" sz="1600" dirty="0">
+                <a:solidFill>
+                  <a:srgbClr val="91B8DD"/>
+                </a:solidFill>
+                <a:latin typeface="KoPub돋움체 Bold" panose="00000800000000000000" pitchFamily="2" charset="-127"/>
+                <a:ea typeface="KoPub돋움체 Bold" panose="00000800000000000000" pitchFamily="2" charset="-127"/>
+              </a:rPr>
+              <a:t>SAMPLE 4</a:t>
+            </a:r>
+            <a:endParaRPr lang="ko-KR" altLang="en-US" sz="1600" dirty="0">
+              <a:solidFill>
+                <a:srgbClr val="91B8DD"/>
+              </a:solidFill>
+              <a:latin typeface="KoPub돋움체 Bold" panose="00000800000000000000" pitchFamily="2" charset="-127"/>
+              <a:ea typeface="KoPub돋움체 Bold" panose="00000800000000000000" pitchFamily="2" charset="-127"/>
+            </a:endParaRPr>
+          </a:p>
+        </p:txBody>
+      </p:sp>
+      <p:sp>
+        <p:nvSpPr>
+          <p:cNvPr id="8" name="TextBox 7">
+            <a:extLst>
+              <a:ext uri="{FF2B5EF4-FFF2-40B4-BE49-F238E27FC236}">
+                <a16:creationId xmlns:a16="http://schemas.microsoft.com/office/drawing/2014/main" id="{2E856B99-57E2-4ADF-AFEF-21378CA7DA6F}"/>
+              </a:ext>
+            </a:extLst>
+          </p:cNvPr>
+          <p:cNvSpPr txBox="1"/>
+          <p:nvPr/>
+        </p:nvSpPr>
+        <p:spPr>
+          <a:xfrm>
+            <a:off x="1087559" y="561975"/>
+            <a:ext cx="3925243" cy="276999"/>
+          </a:xfrm>
+          <a:prstGeom prst="rect">
+            <a:avLst/>
+          </a:prstGeom>
+          <a:noFill/>
+        </p:spPr>
+        <p:txBody>
+          <a:bodyPr wrap="square" rtlCol="0">
+            <a:spAutoFit/>
+          </a:bodyPr>
+          <a:lstStyle/>
+          <a:p>
+            <a:r>
+              <a:rPr lang="en-US" altLang="ko-KR" sz="1200" dirty="0">
+                <a:solidFill>
+                  <a:schemeClr val="tx1">
+                    <a:lumMod val="85000"/>
+                    <a:lumOff val="15000"/>
+                  </a:schemeClr>
+                </a:solidFill>
+                <a:latin typeface="KoPub돋움체 Light" panose="00000300000000000000" pitchFamily="2" charset="-127"/>
+                <a:ea typeface="KoPub돋움체 Light" panose="00000300000000000000" pitchFamily="2" charset="-127"/>
+              </a:rPr>
+              <a:t>Sample is simple. Did you made power template?</a:t>
+            </a:r>
+            <a:endParaRPr lang="ko-KR" altLang="en-US" sz="1200" dirty="0">
+              <a:solidFill>
+                <a:schemeClr val="tx1">
+                  <a:lumMod val="85000"/>
+                  <a:lumOff val="15000"/>
+                </a:schemeClr>
+              </a:solidFill>
+              <a:latin typeface="KoPub돋움체 Light" panose="00000300000000000000" pitchFamily="2" charset="-127"/>
+              <a:ea typeface="KoPub돋움체 Light" panose="00000300000000000000" pitchFamily="2" charset="-127"/>
+            </a:endParaRPr>
+          </a:p>
+        </p:txBody>
+      </p:sp>
+      <p:sp>
+        <p:nvSpPr>
+          <p:cNvPr id="9" name="TextBox 8">
+            <a:extLst>
+              <a:ext uri="{FF2B5EF4-FFF2-40B4-BE49-F238E27FC236}">
+                <a16:creationId xmlns:a16="http://schemas.microsoft.com/office/drawing/2014/main" id="{E6810669-21A2-4DBC-92AE-D2DB46B4D28F}"/>
+              </a:ext>
+            </a:extLst>
+          </p:cNvPr>
+          <p:cNvSpPr txBox="1"/>
+          <p:nvPr/>
+        </p:nvSpPr>
+        <p:spPr>
+          <a:xfrm>
+            <a:off x="4484943" y="6599431"/>
+            <a:ext cx="3239832" cy="246221"/>
+          </a:xfrm>
+          <a:prstGeom prst="rect">
+            <a:avLst/>
+          </a:prstGeom>
+          <a:noFill/>
+        </p:spPr>
+        <p:txBody>
+          <a:bodyPr wrap="square" rtlCol="0">
+            <a:spAutoFit/>
+          </a:bodyPr>
+          <a:lstStyle/>
+          <a:p>
+            <a:pPr algn="ctr"/>
+            <a:r>
+              <a:rPr lang="en-US" altLang="ko-KR" sz="1000" dirty="0">
+                <a:solidFill>
+                  <a:schemeClr val="tx1">
+                    <a:lumMod val="75000"/>
+                    <a:lumOff val="25000"/>
+                  </a:schemeClr>
+                </a:solidFill>
+                <a:latin typeface="KoPub돋움체 Light" panose="00000300000000000000" pitchFamily="2" charset="-127"/>
+                <a:ea typeface="KoPub돋움체 Light" panose="00000300000000000000" pitchFamily="2" charset="-127"/>
+              </a:rPr>
+              <a:t>Copyright </a:t>
+            </a:r>
+            <a:r>
+              <a:rPr lang="ko-KR" altLang="en-US" sz="1000" dirty="0">
+                <a:solidFill>
+                  <a:schemeClr val="tx1">
+                    <a:lumMod val="75000"/>
+                    <a:lumOff val="25000"/>
+                  </a:schemeClr>
+                </a:solidFill>
+                <a:latin typeface="KoPub돋움체 Light" panose="00000300000000000000" pitchFamily="2" charset="-127"/>
+                <a:ea typeface="KoPub돋움체 Light" panose="00000300000000000000" pitchFamily="2" charset="-127"/>
+              </a:rPr>
+              <a:t>ⓒ </a:t>
+            </a:r>
+            <a:r>
+              <a:rPr lang="en-US" altLang="ko-KR" sz="1000" dirty="0">
+                <a:solidFill>
+                  <a:schemeClr val="tx1">
+                    <a:lumMod val="75000"/>
+                    <a:lumOff val="25000"/>
+                  </a:schemeClr>
+                </a:solidFill>
+                <a:latin typeface="KoPub돋움체 Light" panose="00000300000000000000" pitchFamily="2" charset="-127"/>
+                <a:ea typeface="KoPub돋움체 Light" panose="00000300000000000000" pitchFamily="2" charset="-127"/>
+              </a:rPr>
+              <a:t>Slug. All right reserved.</a:t>
+            </a:r>
+            <a:endParaRPr lang="ko-KR" altLang="en-US" sz="1000" dirty="0">
+              <a:solidFill>
+                <a:schemeClr val="tx1">
+                  <a:lumMod val="75000"/>
+                  <a:lumOff val="25000"/>
+                </a:schemeClr>
+              </a:solidFill>
+              <a:latin typeface="KoPub돋움체 Light" panose="00000300000000000000" pitchFamily="2" charset="-127"/>
+              <a:ea typeface="KoPub돋움체 Light" panose="00000300000000000000" pitchFamily="2" charset="-127"/>
+            </a:endParaRPr>
+          </a:p>
+        </p:txBody>
+      </p:sp>
+      <p:pic>
+        <p:nvPicPr>
+          <p:cNvPr id="10" name="그림 9">
+            <a:extLst>
+              <a:ext uri="{FF2B5EF4-FFF2-40B4-BE49-F238E27FC236}">
+                <a16:creationId xmlns:a16="http://schemas.microsoft.com/office/drawing/2014/main" id="{8246DEBA-CA09-4019-A8B9-FBCF18659120}"/>
+              </a:ext>
+            </a:extLst>
+          </p:cNvPr>
+          <p:cNvPicPr>
+            <a:picLocks noChangeAspect="1"/>
+          </p:cNvPicPr>
+          <p:nvPr/>
+        </p:nvPicPr>
+        <p:blipFill>
+          <a:blip r:embed="rId2">
+            <a:extLst>
+              <a:ext uri="{28A0092B-C50C-407E-A947-70E740481C1C}">
+                <a14:useLocalDpi xmlns:a14="http://schemas.microsoft.com/office/drawing/2010/main" val="0"/>
+              </a:ext>
+            </a:extLst>
+          </a:blip>
+          <a:stretch>
+            <a:fillRect/>
+          </a:stretch>
+        </p:blipFill>
+        <p:spPr>
+          <a:xfrm>
+            <a:off x="5704219" y="6185529"/>
+            <a:ext cx="342486" cy="342486"/>
+          </a:xfrm>
+          <a:prstGeom prst="rect">
+            <a:avLst/>
+          </a:prstGeom>
+        </p:spPr>
+      </p:pic>
+      <p:pic>
+        <p:nvPicPr>
+          <p:cNvPr id="11" name="그림 10">
+            <a:extLst>
+              <a:ext uri="{FF2B5EF4-FFF2-40B4-BE49-F238E27FC236}">
+                <a16:creationId xmlns:a16="http://schemas.microsoft.com/office/drawing/2014/main" id="{38B41C00-DA5C-410A-97BE-08F9796AB6B3}"/>
+              </a:ext>
+            </a:extLst>
+          </p:cNvPr>
+          <p:cNvPicPr>
+            <a:picLocks noChangeAspect="1"/>
+          </p:cNvPicPr>
+          <p:nvPr/>
+        </p:nvPicPr>
+        <p:blipFill>
+          <a:blip r:embed="rId3">
+            <a:extLst>
+              <a:ext uri="{28A0092B-C50C-407E-A947-70E740481C1C}">
+                <a14:useLocalDpi xmlns:a14="http://schemas.microsoft.com/office/drawing/2010/main" val="0"/>
+              </a:ext>
+            </a:extLst>
+          </a:blip>
+          <a:stretch>
+            <a:fillRect/>
+          </a:stretch>
+        </p:blipFill>
+        <p:spPr>
+          <a:xfrm>
+            <a:off x="5234036" y="6193579"/>
+            <a:ext cx="351500" cy="351500"/>
+          </a:xfrm>
+          <a:prstGeom prst="rect">
+            <a:avLst/>
+          </a:prstGeom>
+        </p:spPr>
+      </p:pic>
+      <p:pic>
+        <p:nvPicPr>
+          <p:cNvPr id="12" name="그림 11">
+            <a:extLst>
+              <a:ext uri="{FF2B5EF4-FFF2-40B4-BE49-F238E27FC236}">
+                <a16:creationId xmlns:a16="http://schemas.microsoft.com/office/drawing/2014/main" id="{BBC08BEB-913F-44B5-8FA7-D0D9A438B143}"/>
+              </a:ext>
+            </a:extLst>
+          </p:cNvPr>
+          <p:cNvPicPr>
+            <a:picLocks noChangeAspect="1"/>
+          </p:cNvPicPr>
+          <p:nvPr/>
+        </p:nvPicPr>
+        <p:blipFill>
+          <a:blip r:embed="rId4">
+            <a:extLst>
+              <a:ext uri="{28A0092B-C50C-407E-A947-70E740481C1C}">
+                <a14:useLocalDpi xmlns:a14="http://schemas.microsoft.com/office/drawing/2010/main" val="0"/>
+              </a:ext>
+            </a:extLst>
+          </a:blip>
+          <a:stretch>
+            <a:fillRect/>
+          </a:stretch>
+        </p:blipFill>
+        <p:spPr>
+          <a:xfrm>
+            <a:off x="6165388" y="6167856"/>
+            <a:ext cx="351500" cy="351500"/>
+          </a:xfrm>
+          <a:prstGeom prst="rect">
+            <a:avLst/>
+          </a:prstGeom>
+        </p:spPr>
+      </p:pic>
+      <p:pic>
+        <p:nvPicPr>
+          <p:cNvPr id="13" name="그림 12">
+            <a:extLst>
+              <a:ext uri="{FF2B5EF4-FFF2-40B4-BE49-F238E27FC236}">
+                <a16:creationId xmlns:a16="http://schemas.microsoft.com/office/drawing/2014/main" id="{5C6411D2-FE80-4FE2-832E-359440C3904F}"/>
+              </a:ext>
+            </a:extLst>
+          </p:cNvPr>
+          <p:cNvPicPr>
+            <a:picLocks noChangeAspect="1"/>
+          </p:cNvPicPr>
+          <p:nvPr/>
+        </p:nvPicPr>
+        <p:blipFill>
+          <a:blip r:embed="rId5">
+            <a:extLst>
+              <a:ext uri="{28A0092B-C50C-407E-A947-70E740481C1C}">
+                <a14:useLocalDpi xmlns:a14="http://schemas.microsoft.com/office/drawing/2010/main" val="0"/>
+              </a:ext>
+            </a:extLst>
+          </a:blip>
+          <a:stretch>
+            <a:fillRect/>
+          </a:stretch>
+        </p:blipFill>
+        <p:spPr>
+          <a:xfrm>
+            <a:off x="6635570" y="6197000"/>
+            <a:ext cx="319545" cy="319545"/>
+          </a:xfrm>
+          <a:prstGeom prst="rect">
+            <a:avLst/>
+          </a:prstGeom>
+        </p:spPr>
+      </p:pic>
+      <p:pic>
+        <p:nvPicPr>
+          <p:cNvPr id="15" name="그림 14">
+            <a:extLst>
+              <a:ext uri="{FF2B5EF4-FFF2-40B4-BE49-F238E27FC236}">
+                <a16:creationId xmlns:a16="http://schemas.microsoft.com/office/drawing/2014/main" id="{EAAE8C87-5544-4F1B-852E-C5E0FE436B0C}"/>
+              </a:ext>
+            </a:extLst>
+          </p:cNvPr>
+          <p:cNvPicPr>
+            <a:picLocks noChangeAspect="1"/>
+          </p:cNvPicPr>
+          <p:nvPr/>
+        </p:nvPicPr>
+        <p:blipFill>
+          <a:blip r:embed="rId5">
+            <a:extLst>
+              <a:ext uri="{28A0092B-C50C-407E-A947-70E740481C1C}">
+                <a14:useLocalDpi xmlns:a14="http://schemas.microsoft.com/office/drawing/2010/main" val="0"/>
+              </a:ext>
+            </a:extLst>
+          </a:blip>
+          <a:stretch>
+            <a:fillRect/>
+          </a:stretch>
+        </p:blipFill>
+        <p:spPr>
+          <a:xfrm>
+            <a:off x="424324" y="386224"/>
+            <a:ext cx="351500" cy="351500"/>
+          </a:xfrm>
+          <a:prstGeom prst="rect">
+            <a:avLst/>
+          </a:prstGeom>
+        </p:spPr>
+      </p:pic>
+    </p:spTree>
+    <p:extLst>
+      <p:ext uri="{BB962C8B-B14F-4D97-AF65-F5344CB8AC3E}">
+        <p14:creationId xmlns:p14="http://schemas.microsoft.com/office/powerpoint/2010/main" val="66719169"/>
+      </p:ext>
+    </p:extLst>
+  </p:cSld>
+  <p:clrMapOvr>
+    <a:masterClrMapping/>
+  </p:clrMapOvr>
+</p:sld>
+</file>
+
+<file path=ppt/slides/slide21.xml><?xml version="1.0" encoding="utf-8"?>
+<p:sld xmlns:a="http://schemas.openxmlformats.org/drawingml/2006/main" xmlns:r="http://schemas.openxmlformats.org/officeDocument/2006/relationships" xmlns:p="http://schemas.openxmlformats.org/presentationml/2006/main">
+  <p:cSld>
+    <p:spTree>
+      <p:nvGrpSpPr>
+        <p:cNvPr id="1" name=""/>
+        <p:cNvGrpSpPr/>
+        <p:nvPr/>
+      </p:nvGrpSpPr>
+      <p:grpSpPr>
+        <a:xfrm>
+          <a:off x="0" y="0"/>
+          <a:ext cx="0" cy="0"/>
+          <a:chOff x="0" y="0"/>
+          <a:chExt cx="0" cy="0"/>
+        </a:xfrm>
+      </p:grpSpPr>
+      <p:sp>
+        <p:nvSpPr>
           <p:cNvPr id="4" name="TextBox 3">
             <a:extLst>
               <a:ext uri="{FF2B5EF4-FFF2-40B4-BE49-F238E27FC236}">
@@ -17838,7 +20276,7 @@
 </p:sld>
 </file>
 
-<file path=ppt/slides/slide21.xml><?xml version="1.0" encoding="utf-8"?>
+<file path=ppt/slides/slide22.xml><?xml version="1.0" encoding="utf-8"?>
 <p:sld xmlns:a="http://schemas.openxmlformats.org/drawingml/2006/main" xmlns:r="http://schemas.openxmlformats.org/officeDocument/2006/relationships" xmlns:p="http://schemas.openxmlformats.org/presentationml/2006/main">
   <p:cSld>
     <p:spTree>
@@ -21426,6 +23864,149 @@
           </a:prstGeom>
         </p:spPr>
       </p:pic>
+      <p:cxnSp>
+        <p:nvCxnSpPr>
+          <p:cNvPr id="13" name="직선 연결선 12">
+            <a:extLst>
+              <a:ext uri="{FF2B5EF4-FFF2-40B4-BE49-F238E27FC236}">
+                <a16:creationId xmlns:a16="http://schemas.microsoft.com/office/drawing/2014/main" id="{A784D4AD-450B-475C-86F9-434DEC7BBFD4}"/>
+              </a:ext>
+            </a:extLst>
+          </p:cNvPr>
+          <p:cNvCxnSpPr>
+            <a:cxnSpLocks/>
+          </p:cNvCxnSpPr>
+          <p:nvPr/>
+        </p:nvCxnSpPr>
+        <p:spPr>
+          <a:xfrm flipH="1">
+            <a:off x="6193278" y="3589090"/>
+            <a:ext cx="5150905" cy="0"/>
+          </a:xfrm>
+          <a:prstGeom prst="line">
+            <a:avLst/>
+          </a:prstGeom>
+          <a:ln w="28575">
+            <a:solidFill>
+              <a:srgbClr val="717171"/>
+            </a:solidFill>
+          </a:ln>
+        </p:spPr>
+        <p:style>
+          <a:lnRef idx="1">
+            <a:schemeClr val="accent1"/>
+          </a:lnRef>
+          <a:fillRef idx="0">
+            <a:schemeClr val="accent1"/>
+          </a:fillRef>
+          <a:effectRef idx="0">
+            <a:schemeClr val="accent1"/>
+          </a:effectRef>
+          <a:fontRef idx="minor">
+            <a:schemeClr val="tx1"/>
+          </a:fontRef>
+        </p:style>
+      </p:cxnSp>
+      <p:sp>
+        <p:nvSpPr>
+          <p:cNvPr id="14" name="TextBox 13">
+            <a:extLst>
+              <a:ext uri="{FF2B5EF4-FFF2-40B4-BE49-F238E27FC236}">
+                <a16:creationId xmlns:a16="http://schemas.microsoft.com/office/drawing/2014/main" id="{A950DD87-2BE8-4F80-A787-435629B9A9A2}"/>
+              </a:ext>
+            </a:extLst>
+          </p:cNvPr>
+          <p:cNvSpPr txBox="1"/>
+          <p:nvPr/>
+        </p:nvSpPr>
+        <p:spPr>
+          <a:xfrm>
+            <a:off x="6553203" y="3722902"/>
+            <a:ext cx="3514945" cy="617285"/>
+          </a:xfrm>
+          <a:prstGeom prst="rect">
+            <a:avLst/>
+          </a:prstGeom>
+          <a:noFill/>
+        </p:spPr>
+        <p:txBody>
+          <a:bodyPr wrap="square">
+            <a:spAutoFit/>
+          </a:bodyPr>
+          <a:lstStyle/>
+          <a:p>
+            <a:pPr>
+              <a:lnSpc>
+                <a:spcPct val="150000"/>
+              </a:lnSpc>
+            </a:pPr>
+            <a:r>
+              <a:rPr lang="en-US" altLang="ko-KR" sz="1200" dirty="0">
+                <a:solidFill>
+                  <a:srgbClr val="717171"/>
+                </a:solidFill>
+                <a:latin typeface="문화재돌봄체 Bold" panose="020B0000000000000000" pitchFamily="50" charset="-127"/>
+                <a:ea typeface="문화재돌봄체 Bold" panose="020B0000000000000000" pitchFamily="50" charset="-127"/>
+              </a:rPr>
+              <a:t>EHC </a:t>
+            </a:r>
+            <a:r>
+              <a:rPr lang="ko-KR" altLang="en-US" sz="1200" dirty="0">
+                <a:solidFill>
+                  <a:srgbClr val="717171"/>
+                </a:solidFill>
+                <a:latin typeface="문화재돌봄체 Bold" panose="020B0000000000000000" pitchFamily="50" charset="-127"/>
+                <a:ea typeface="문화재돌봄체 Bold" panose="020B0000000000000000" pitchFamily="50" charset="-127"/>
+              </a:rPr>
+              <a:t>모듈이란</a:t>
+            </a:r>
+            <a:r>
+              <a:rPr lang="en-US" altLang="ko-KR" sz="1200" dirty="0">
+                <a:solidFill>
+                  <a:srgbClr val="717171"/>
+                </a:solidFill>
+                <a:latin typeface="문화재돌봄체 Bold" panose="020B0000000000000000" pitchFamily="50" charset="-127"/>
+                <a:ea typeface="문화재돌봄체 Bold" panose="020B0000000000000000" pitchFamily="50" charset="-127"/>
+              </a:rPr>
+              <a:t>?</a:t>
+            </a:r>
+          </a:p>
+          <a:p>
+            <a:pPr>
+              <a:lnSpc>
+                <a:spcPct val="150000"/>
+              </a:lnSpc>
+            </a:pPr>
+            <a:r>
+              <a:rPr lang="en-US" altLang="ko-KR" sz="1200" dirty="0">
+                <a:solidFill>
+                  <a:srgbClr val="717171"/>
+                </a:solidFill>
+                <a:latin typeface="문화재돌봄체 Regular" panose="020B0000000000000000" pitchFamily="50" charset="-127"/>
+                <a:ea typeface="문화재돌봄체 Regular" panose="020B0000000000000000" pitchFamily="50" charset="-127"/>
+              </a:rPr>
+              <a:t>Latent Horizontal Feature : </a:t>
+            </a:r>
+            <a:r>
+              <a:rPr lang="ko-KR" altLang="en-US" sz="1200" dirty="0">
+                <a:solidFill>
+                  <a:srgbClr val="717171"/>
+                </a:solidFill>
+                <a:latin typeface="문화재돌봄체 Regular" panose="020B0000000000000000" pitchFamily="50" charset="-127"/>
+                <a:ea typeface="문화재돌봄체 Regular" panose="020B0000000000000000" pitchFamily="50" charset="-127"/>
+              </a:rPr>
+              <a:t>잠재수평특성</a:t>
+            </a:r>
+            <a:endParaRPr lang="en-US" altLang="ko-KR" sz="1200" dirty="0">
+              <a:solidFill>
+                <a:srgbClr val="717171"/>
+              </a:solidFill>
+              <a:latin typeface="문화재돌봄체 Regular" panose="020B0000000000000000" pitchFamily="50" charset="-127"/>
+              <a:ea typeface="문화재돌봄체 Regular" panose="020B0000000000000000" pitchFamily="50" charset="-127"/>
+            </a:endParaRPr>
+          </a:p>
+        </p:txBody>
+      </p:sp>
     </p:spTree>
     <p:extLst>
       <p:ext uri="{BB962C8B-B14F-4D97-AF65-F5344CB8AC3E}">
